--- a/EE/ppt/review.pptx
+++ b/EE/ppt/review.pptx
@@ -5,7 +5,7 @@
     <p:sldMasterId id="2147483648" r:id="rId1"/>
   </p:sldMasterIdLst>
   <p:notesMasterIdLst>
-    <p:notesMasterId r:id="rId15"/>
+    <p:notesMasterId r:id="rId22"/>
   </p:notesMasterIdLst>
   <p:sldIdLst>
     <p:sldId id="256" r:id="rId2"/>
@@ -21,6 +21,13 @@
     <p:sldId id="269" r:id="rId12"/>
     <p:sldId id="271" r:id="rId13"/>
     <p:sldId id="270" r:id="rId14"/>
+    <p:sldId id="272" r:id="rId15"/>
+    <p:sldId id="273" r:id="rId16"/>
+    <p:sldId id="274" r:id="rId17"/>
+    <p:sldId id="275" r:id="rId18"/>
+    <p:sldId id="276" r:id="rId19"/>
+    <p:sldId id="277" r:id="rId20"/>
+    <p:sldId id="278" r:id="rId21"/>
   </p:sldIdLst>
   <p:sldSz cx="12192000" cy="6858000"/>
   <p:notesSz cx="6858000" cy="9144000"/>
@@ -221,7 +228,7 @@
           <a:p>
             <a:fld id="{48CB6AEF-4D10-491F-9E5E-43649C734968}" type="datetimeFigureOut">
               <a:rPr lang="zh-CN" altLang="en-US" smtClean="0"/>
-              <a:t>2019/10/6</a:t>
+              <a:t>2019/11/20</a:t>
             </a:fld>
             <a:endParaRPr lang="zh-CN" altLang="en-US"/>
           </a:p>
@@ -677,7 +684,7 @@
           <a:p>
             <a:fld id="{256367BE-FCF9-4078-A470-30B7DC5F97E0}" type="datetimeFigureOut">
               <a:rPr lang="zh-CN" altLang="en-US" smtClean="0"/>
-              <a:t>2019/10/6</a:t>
+              <a:t>2019/11/20</a:t>
             </a:fld>
             <a:endParaRPr lang="zh-CN" altLang="en-US"/>
           </a:p>
@@ -845,7 +852,7 @@
           <a:p>
             <a:fld id="{256367BE-FCF9-4078-A470-30B7DC5F97E0}" type="datetimeFigureOut">
               <a:rPr lang="zh-CN" altLang="en-US" smtClean="0"/>
-              <a:t>2019/10/6</a:t>
+              <a:t>2019/11/20</a:t>
             </a:fld>
             <a:endParaRPr lang="zh-CN" altLang="en-US"/>
           </a:p>
@@ -1023,7 +1030,7 @@
           <a:p>
             <a:fld id="{256367BE-FCF9-4078-A470-30B7DC5F97E0}" type="datetimeFigureOut">
               <a:rPr lang="zh-CN" altLang="en-US" smtClean="0"/>
-              <a:t>2019/10/6</a:t>
+              <a:t>2019/11/20</a:t>
             </a:fld>
             <a:endParaRPr lang="zh-CN" altLang="en-US"/>
           </a:p>
@@ -1191,7 +1198,7 @@
           <a:p>
             <a:fld id="{256367BE-FCF9-4078-A470-30B7DC5F97E0}" type="datetimeFigureOut">
               <a:rPr lang="zh-CN" altLang="en-US" smtClean="0"/>
-              <a:t>2019/10/6</a:t>
+              <a:t>2019/11/20</a:t>
             </a:fld>
             <a:endParaRPr lang="zh-CN" altLang="en-US"/>
           </a:p>
@@ -1436,7 +1443,7 @@
           <a:p>
             <a:fld id="{256367BE-FCF9-4078-A470-30B7DC5F97E0}" type="datetimeFigureOut">
               <a:rPr lang="zh-CN" altLang="en-US" smtClean="0"/>
-              <a:t>2019/10/6</a:t>
+              <a:t>2019/11/20</a:t>
             </a:fld>
             <a:endParaRPr lang="zh-CN" altLang="en-US"/>
           </a:p>
@@ -1665,7 +1672,7 @@
           <a:p>
             <a:fld id="{256367BE-FCF9-4078-A470-30B7DC5F97E0}" type="datetimeFigureOut">
               <a:rPr lang="zh-CN" altLang="en-US" smtClean="0"/>
-              <a:t>2019/10/6</a:t>
+              <a:t>2019/11/20</a:t>
             </a:fld>
             <a:endParaRPr lang="zh-CN" altLang="en-US"/>
           </a:p>
@@ -2029,7 +2036,7 @@
           <a:p>
             <a:fld id="{256367BE-FCF9-4078-A470-30B7DC5F97E0}" type="datetimeFigureOut">
               <a:rPr lang="zh-CN" altLang="en-US" smtClean="0"/>
-              <a:t>2019/10/6</a:t>
+              <a:t>2019/11/20</a:t>
             </a:fld>
             <a:endParaRPr lang="zh-CN" altLang="en-US"/>
           </a:p>
@@ -2146,7 +2153,7 @@
           <a:p>
             <a:fld id="{256367BE-FCF9-4078-A470-30B7DC5F97E0}" type="datetimeFigureOut">
               <a:rPr lang="zh-CN" altLang="en-US" smtClean="0"/>
-              <a:t>2019/10/6</a:t>
+              <a:t>2019/11/20</a:t>
             </a:fld>
             <a:endParaRPr lang="zh-CN" altLang="en-US"/>
           </a:p>
@@ -2241,7 +2248,7 @@
           <a:p>
             <a:fld id="{256367BE-FCF9-4078-A470-30B7DC5F97E0}" type="datetimeFigureOut">
               <a:rPr lang="zh-CN" altLang="en-US" smtClean="0"/>
-              <a:t>2019/10/6</a:t>
+              <a:t>2019/11/20</a:t>
             </a:fld>
             <a:endParaRPr lang="zh-CN" altLang="en-US"/>
           </a:p>
@@ -2516,7 +2523,7 @@
           <a:p>
             <a:fld id="{256367BE-FCF9-4078-A470-30B7DC5F97E0}" type="datetimeFigureOut">
               <a:rPr lang="zh-CN" altLang="en-US" smtClean="0"/>
-              <a:t>2019/10/6</a:t>
+              <a:t>2019/11/20</a:t>
             </a:fld>
             <a:endParaRPr lang="zh-CN" altLang="en-US"/>
           </a:p>
@@ -2768,7 +2775,7 @@
           <a:p>
             <a:fld id="{256367BE-FCF9-4078-A470-30B7DC5F97E0}" type="datetimeFigureOut">
               <a:rPr lang="zh-CN" altLang="en-US" smtClean="0"/>
-              <a:t>2019/10/6</a:t>
+              <a:t>2019/11/20</a:t>
             </a:fld>
             <a:endParaRPr lang="zh-CN" altLang="en-US"/>
           </a:p>
@@ -2979,7 +2986,7 @@
           <a:p>
             <a:fld id="{256367BE-FCF9-4078-A470-30B7DC5F97E0}" type="datetimeFigureOut">
               <a:rPr lang="zh-CN" altLang="en-US" smtClean="0"/>
-              <a:t>2019/10/6</a:t>
+              <a:t>2019/11/20</a:t>
             </a:fld>
             <a:endParaRPr lang="zh-CN" altLang="en-US"/>
           </a:p>
@@ -3870,6 +3877,13 @@
   <p:clrMapOvr>
     <a:masterClrMapping/>
   </p:clrMapOvr>
+  <p:timing>
+    <p:tnLst>
+      <p:par>
+        <p:cTn id="1" dur="indefinite" restart="never" nodeType="tmRoot"/>
+      </p:par>
+    </p:tnLst>
+  </p:timing>
 </p:sld>
 </file>
 
@@ -4175,6 +4189,13 @@
   <p:clrMapOvr>
     <a:masterClrMapping/>
   </p:clrMapOvr>
+  <p:timing>
+    <p:tnLst>
+      <p:par>
+        <p:cTn id="1" dur="indefinite" restart="never" nodeType="tmRoot"/>
+      </p:par>
+    </p:tnLst>
+  </p:timing>
 </p:sld>
 </file>
 
@@ -4641,6 +4662,1558 @@
   <p:clrMapOvr>
     <a:masterClrMapping/>
   </p:clrMapOvr>
+  <p:timing>
+    <p:tnLst>
+      <p:par>
+        <p:cTn id="1" dur="indefinite" restart="never" nodeType="tmRoot"/>
+      </p:par>
+    </p:tnLst>
+  </p:timing>
+</p:sld>
+</file>
+
+<file path=ppt/slides/slide14.xml><?xml version="1.0" encoding="utf-8"?>
+<p:sld xmlns:a="http://schemas.openxmlformats.org/drawingml/2006/main" xmlns:r="http://schemas.openxmlformats.org/officeDocument/2006/relationships" xmlns:p="http://schemas.openxmlformats.org/presentationml/2006/main">
+  <p:cSld>
+    <p:spTree>
+      <p:nvGrpSpPr>
+        <p:cNvPr id="1" name=""/>
+        <p:cNvGrpSpPr/>
+        <p:nvPr/>
+      </p:nvGrpSpPr>
+      <p:grpSpPr>
+        <a:xfrm>
+          <a:off x="0" y="0"/>
+          <a:ext cx="0" cy="0"/>
+          <a:chOff x="0" y="0"/>
+          <a:chExt cx="0" cy="0"/>
+        </a:xfrm>
+      </p:grpSpPr>
+      <p:sp>
+        <p:nvSpPr>
+          <p:cNvPr id="2" name="标题 1"/>
+          <p:cNvSpPr>
+            <a:spLocks noGrp="1"/>
+          </p:cNvSpPr>
+          <p:nvPr>
+            <p:ph type="title"/>
+          </p:nvPr>
+        </p:nvSpPr>
+        <p:spPr>
+          <a:xfrm>
+            <a:off x="512885" y="285994"/>
+            <a:ext cx="6547338" cy="373429"/>
+          </a:xfrm>
+        </p:spPr>
+        <p:txBody>
+          <a:bodyPr>
+            <a:noAutofit/>
+          </a:bodyPr>
+          <a:lstStyle/>
+          <a:p>
+            <a:r>
+              <a:rPr lang="en-US" altLang="zh-CN" sz="2400" dirty="0"/>
+              <a:t>3. Coded </a:t>
+            </a:r>
+            <a:r>
+              <a:rPr lang="en-US" altLang="zh-CN" sz="2400" dirty="0" err="1"/>
+              <a:t>MapReduce</a:t>
+            </a:r>
+            <a:endParaRPr lang="zh-CN" altLang="en-US" sz="2400" dirty="0"/>
+          </a:p>
+        </p:txBody>
+      </p:sp>
+      <mc:AlternateContent xmlns:mc="http://schemas.openxmlformats.org/markup-compatibility/2006" xmlns:a14="http://schemas.microsoft.com/office/drawing/2010/main">
+        <mc:Choice Requires="a14">
+          <p:sp>
+            <p:nvSpPr>
+              <p:cNvPr id="3" name="文本框 2">
+                <a:extLst>
+                  <a:ext uri="{FF2B5EF4-FFF2-40B4-BE49-F238E27FC236}">
+                    <a16:creationId xmlns:a16="http://schemas.microsoft.com/office/drawing/2014/main" id="{131634D9-B13B-415E-A59F-0D260F45A914}"/>
+                  </a:ext>
+                </a:extLst>
+              </p:cNvPr>
+              <p:cNvSpPr txBox="1"/>
+              <p:nvPr/>
+            </p:nvSpPr>
+            <p:spPr>
+              <a:xfrm>
+                <a:off x="636985" y="914853"/>
+                <a:ext cx="8870623" cy="2182008"/>
+              </a:xfrm>
+              <a:prstGeom prst="rect">
+                <a:avLst/>
+              </a:prstGeom>
+              <a:noFill/>
+            </p:spPr>
+            <p:txBody>
+              <a:bodyPr wrap="square" rtlCol="0">
+                <a:spAutoFit/>
+              </a:bodyPr>
+              <a:lstStyle/>
+              <a:p>
+                <a14:m>
+                  <m:oMath xmlns:m="http://schemas.openxmlformats.org/officeDocument/2006/math">
+                    <m:r>
+                      <m:rPr>
+                        <m:sty m:val="p"/>
+                      </m:rPr>
+                      <a:rPr lang="en-US" altLang="zh-CN" i="1" smtClean="0">
+                        <a:latin typeface="Cambria Math" panose="02040503050406030204" pitchFamily="18" charset="0"/>
+                      </a:rPr>
+                      <m:t>μ</m:t>
+                    </m:r>
+                    <m:sSup>
+                      <m:sSupPr>
+                        <m:ctrlPr>
+                          <a:rPr lang="en-US" altLang="zh-CN" i="1" smtClean="0">
+                            <a:latin typeface="Cambria Math" panose="02040503050406030204" pitchFamily="18" charset="0"/>
+                          </a:rPr>
+                        </m:ctrlPr>
+                      </m:sSupPr>
+                      <m:e>
+                        <m:r>
+                          <a:rPr lang="en-US" altLang="zh-CN" b="0" i="1" smtClean="0">
+                            <a:latin typeface="Cambria Math" panose="02040503050406030204" pitchFamily="18" charset="0"/>
+                          </a:rPr>
+                          <m:t>𝑒</m:t>
+                        </m:r>
+                      </m:e>
+                      <m:sup>
+                        <m:r>
+                          <a:rPr lang="en-US" altLang="zh-CN" b="0" i="1" smtClean="0">
+                            <a:latin typeface="Cambria Math" panose="02040503050406030204" pitchFamily="18" charset="0"/>
+                          </a:rPr>
+                          <m:t>−</m:t>
+                        </m:r>
+                        <m:r>
+                          <m:rPr>
+                            <m:sty m:val="p"/>
+                          </m:rPr>
+                          <a:rPr lang="en-US" altLang="zh-CN" i="1">
+                            <a:latin typeface="Cambria Math" panose="02040503050406030204" pitchFamily="18" charset="0"/>
+                          </a:rPr>
+                          <m:t>μ</m:t>
+                        </m:r>
+                        <m:r>
+                          <a:rPr lang="en-US" altLang="zh-CN" b="0" i="1" smtClean="0">
+                            <a:latin typeface="Cambria Math" panose="02040503050406030204" pitchFamily="18" charset="0"/>
+                          </a:rPr>
+                          <m:t>(</m:t>
+                        </m:r>
+                        <m:r>
+                          <a:rPr lang="en-US" altLang="zh-CN" b="0" i="1" smtClean="0">
+                            <a:latin typeface="Cambria Math" panose="02040503050406030204" pitchFamily="18" charset="0"/>
+                          </a:rPr>
+                          <m:t>𝑥</m:t>
+                        </m:r>
+                        <m:r>
+                          <a:rPr lang="en-US" altLang="zh-CN" b="0" i="1" smtClean="0">
+                            <a:latin typeface="Cambria Math" panose="02040503050406030204" pitchFamily="18" charset="0"/>
+                          </a:rPr>
+                          <m:t>−</m:t>
+                        </m:r>
+                        <m:r>
+                          <a:rPr lang="en-US" altLang="zh-CN" b="0" i="1" smtClean="0">
+                            <a:latin typeface="Cambria Math" panose="02040503050406030204" pitchFamily="18" charset="0"/>
+                          </a:rPr>
+                          <m:t>𝑡</m:t>
+                        </m:r>
+                        <m:r>
+                          <a:rPr lang="en-US" altLang="zh-CN" b="0" i="1" smtClean="0">
+                            <a:latin typeface="Cambria Math" panose="02040503050406030204" pitchFamily="18" charset="0"/>
+                          </a:rPr>
+                          <m:t>)</m:t>
+                        </m:r>
+                      </m:sup>
+                    </m:sSup>
+                  </m:oMath>
+                </a14:m>
+                <a:r>
+                  <a:rPr lang="zh-CN" altLang="en-US" dirty="0" smtClean="0"/>
+                  <a:t>移位指数分布</a:t>
+                </a:r>
+                <a:endParaRPr lang="en-US" altLang="zh-CN" dirty="0" smtClean="0"/>
+              </a:p>
+              <a:p>
+                <a:r>
+                  <a:rPr lang="zh-CN" altLang="en-US" dirty="0" smtClean="0"/>
+                  <a:t>其期望为</a:t>
+                </a:r>
+                <a14:m>
+                  <m:oMath xmlns:m="http://schemas.openxmlformats.org/officeDocument/2006/math">
+                    <m:f>
+                      <m:fPr>
+                        <m:ctrlPr>
+                          <a:rPr lang="en-US" altLang="zh-CN" i="1" smtClean="0">
+                            <a:latin typeface="Cambria Math" panose="02040503050406030204" pitchFamily="18" charset="0"/>
+                          </a:rPr>
+                        </m:ctrlPr>
+                      </m:fPr>
+                      <m:num>
+                        <m:r>
+                          <a:rPr lang="en-US" altLang="zh-CN" i="1">
+                            <a:latin typeface="Cambria Math" panose="02040503050406030204" pitchFamily="18" charset="0"/>
+                          </a:rPr>
+                          <m:t>1</m:t>
+                        </m:r>
+                      </m:num>
+                      <m:den>
+                        <m:r>
+                          <m:rPr>
+                            <m:sty m:val="p"/>
+                          </m:rPr>
+                          <a:rPr lang="en-US" altLang="zh-CN" i="1">
+                            <a:latin typeface="Cambria Math" panose="02040503050406030204" pitchFamily="18" charset="0"/>
+                          </a:rPr>
+                          <m:t>μ</m:t>
+                        </m:r>
+                      </m:den>
+                    </m:f>
+                    <m:r>
+                      <a:rPr lang="en-US" altLang="zh-CN" i="1">
+                        <a:latin typeface="Cambria Math" panose="02040503050406030204" pitchFamily="18" charset="0"/>
+                      </a:rPr>
+                      <m:t>+</m:t>
+                    </m:r>
+                    <m:r>
+                      <a:rPr lang="en-US" altLang="zh-CN" b="0" i="1" smtClean="0">
+                        <a:latin typeface="Cambria Math" panose="02040503050406030204" pitchFamily="18" charset="0"/>
+                      </a:rPr>
+                      <m:t>𝑡</m:t>
+                    </m:r>
+                  </m:oMath>
+                </a14:m>
+                <a:endParaRPr lang="en-US" altLang="zh-CN" dirty="0"/>
+              </a:p>
+              <a:p>
+                <a:endParaRPr lang="en-US" altLang="zh-CN" dirty="0"/>
+              </a:p>
+              <a:p>
+                <a:endParaRPr lang="en-US" altLang="zh-CN" dirty="0"/>
+              </a:p>
+              <a:p>
+                <a:endParaRPr lang="en-US" altLang="zh-CN" dirty="0"/>
+              </a:p>
+              <a:p>
+                <a:endParaRPr lang="en-US" altLang="zh-CN" dirty="0"/>
+              </a:p>
+              <a:p>
+                <a:endParaRPr lang="zh-CN" altLang="en-US" dirty="0"/>
+              </a:p>
+            </p:txBody>
+          </p:sp>
+        </mc:Choice>
+        <mc:Fallback xmlns="">
+          <p:sp>
+            <p:nvSpPr>
+              <p:cNvPr id="3" name="文本框 2">
+                <a:extLst>
+                  <a:ext uri="{FF2B5EF4-FFF2-40B4-BE49-F238E27FC236}">
+                    <a16:creationId xmlns:a16="http://schemas.microsoft.com/office/drawing/2014/main" id="{131634D9-B13B-415E-A59F-0D260F45A914}"/>
+                  </a:ext>
+                </a:extLst>
+              </p:cNvPr>
+              <p:cNvSpPr txBox="1">
+                <a:spLocks noRot="1" noChangeAspect="1" noMove="1" noResize="1" noEditPoints="1" noAdjustHandles="1" noChangeArrowheads="1" noChangeShapeType="1" noTextEdit="1"/>
+              </p:cNvSpPr>
+              <p:nvPr/>
+            </p:nvSpPr>
+            <p:spPr>
+              <a:xfrm>
+                <a:off x="636985" y="914853"/>
+                <a:ext cx="8870623" cy="2182008"/>
+              </a:xfrm>
+              <a:prstGeom prst="rect">
+                <a:avLst/>
+              </a:prstGeom>
+              <a:blipFill>
+                <a:blip r:embed="rId2"/>
+                <a:stretch>
+                  <a:fillRect l="-549" t="-1676"/>
+                </a:stretch>
+              </a:blipFill>
+            </p:spPr>
+            <p:txBody>
+              <a:bodyPr/>
+              <a:lstStyle/>
+              <a:p>
+                <a:r>
+                  <a:rPr lang="zh-CN" altLang="en-US">
+                    <a:noFill/>
+                  </a:rPr>
+                  <a:t> </a:t>
+                </a:r>
+              </a:p>
+            </p:txBody>
+          </p:sp>
+        </mc:Fallback>
+      </mc:AlternateContent>
+    </p:spTree>
+    <p:extLst>
+      <p:ext uri="{BB962C8B-B14F-4D97-AF65-F5344CB8AC3E}">
+        <p14:creationId xmlns:p14="http://schemas.microsoft.com/office/powerpoint/2010/main" val="911811814"/>
+      </p:ext>
+    </p:extLst>
+  </p:cSld>
+  <p:clrMapOvr>
+    <a:masterClrMapping/>
+  </p:clrMapOvr>
+  <p:timing>
+    <p:tnLst>
+      <p:par>
+        <p:cTn id="1" dur="indefinite" restart="never" nodeType="tmRoot"/>
+      </p:par>
+    </p:tnLst>
+  </p:timing>
+</p:sld>
+</file>
+
+<file path=ppt/slides/slide15.xml><?xml version="1.0" encoding="utf-8"?>
+<p:sld xmlns:a="http://schemas.openxmlformats.org/drawingml/2006/main" xmlns:r="http://schemas.openxmlformats.org/officeDocument/2006/relationships" xmlns:p="http://schemas.openxmlformats.org/presentationml/2006/main">
+  <p:cSld>
+    <p:spTree>
+      <p:nvGrpSpPr>
+        <p:cNvPr id="1" name=""/>
+        <p:cNvGrpSpPr/>
+        <p:nvPr/>
+      </p:nvGrpSpPr>
+      <p:grpSpPr>
+        <a:xfrm>
+          <a:off x="0" y="0"/>
+          <a:ext cx="0" cy="0"/>
+          <a:chOff x="0" y="0"/>
+          <a:chExt cx="0" cy="0"/>
+        </a:xfrm>
+      </p:grpSpPr>
+      <p:sp>
+        <p:nvSpPr>
+          <p:cNvPr id="2" name="标题 1"/>
+          <p:cNvSpPr>
+            <a:spLocks noGrp="1"/>
+          </p:cNvSpPr>
+          <p:nvPr>
+            <p:ph type="title"/>
+          </p:nvPr>
+        </p:nvSpPr>
+        <p:spPr>
+          <a:xfrm>
+            <a:off x="512885" y="285994"/>
+            <a:ext cx="9319272" cy="373429"/>
+          </a:xfrm>
+        </p:spPr>
+        <p:txBody>
+          <a:bodyPr>
+            <a:noAutofit/>
+          </a:bodyPr>
+          <a:lstStyle/>
+          <a:p>
+            <a:r>
+              <a:rPr lang="en-US" altLang="zh-CN" sz="2400" dirty="0" smtClean="0"/>
+              <a:t>2.idea</a:t>
+            </a:r>
+            <a:endParaRPr lang="zh-CN" altLang="en-US" sz="2400" dirty="0"/>
+          </a:p>
+        </p:txBody>
+      </p:sp>
+      <p:sp>
+        <p:nvSpPr>
+          <p:cNvPr id="8" name="文本框 7">
+            <a:extLst>
+              <a:ext uri="{FF2B5EF4-FFF2-40B4-BE49-F238E27FC236}">
+                <a16:creationId xmlns:a16="http://schemas.microsoft.com/office/drawing/2014/main" id="{EE1A3ED1-BEF7-4BFB-8466-FEFD02C3BC0A}"/>
+              </a:ext>
+            </a:extLst>
+          </p:cNvPr>
+          <p:cNvSpPr txBox="1"/>
+          <p:nvPr/>
+        </p:nvSpPr>
+        <p:spPr>
+          <a:xfrm>
+            <a:off x="1517593" y="3702160"/>
+            <a:ext cx="3855563" cy="307777"/>
+          </a:xfrm>
+          <a:prstGeom prst="rect">
+            <a:avLst/>
+          </a:prstGeom>
+          <a:noFill/>
+        </p:spPr>
+        <p:txBody>
+          <a:bodyPr wrap="square" rtlCol="0">
+            <a:spAutoFit/>
+          </a:bodyPr>
+          <a:lstStyle/>
+          <a:p>
+            <a:r>
+              <a:rPr lang="zh-CN" altLang="en-US" sz="1400" dirty="0" smtClean="0"/>
+              <a:t>只用</a:t>
+            </a:r>
+            <a:r>
+              <a:rPr lang="en-US" altLang="zh-CN" sz="1400" dirty="0" smtClean="0"/>
+              <a:t>CDC</a:t>
+            </a:r>
+            <a:endParaRPr lang="zh-CN" altLang="en-US" sz="1400" dirty="0"/>
+          </a:p>
+        </p:txBody>
+      </p:sp>
+      <p:sp>
+        <p:nvSpPr>
+          <p:cNvPr id="9" name="文本框 8">
+            <a:extLst>
+              <a:ext uri="{FF2B5EF4-FFF2-40B4-BE49-F238E27FC236}">
+                <a16:creationId xmlns:a16="http://schemas.microsoft.com/office/drawing/2014/main" id="{25BA8ADE-DDEA-4949-9704-B52B9C86F2A0}"/>
+              </a:ext>
+            </a:extLst>
+          </p:cNvPr>
+          <p:cNvSpPr txBox="1"/>
+          <p:nvPr/>
+        </p:nvSpPr>
+        <p:spPr>
+          <a:xfrm>
+            <a:off x="8053844" y="3702160"/>
+            <a:ext cx="3855563" cy="307777"/>
+          </a:xfrm>
+          <a:prstGeom prst="rect">
+            <a:avLst/>
+          </a:prstGeom>
+          <a:noFill/>
+        </p:spPr>
+        <p:txBody>
+          <a:bodyPr wrap="square" rtlCol="0">
+            <a:spAutoFit/>
+          </a:bodyPr>
+          <a:lstStyle/>
+          <a:p>
+            <a:r>
+              <a:rPr lang="zh-CN" altLang="en-US" sz="1400" dirty="0" smtClean="0"/>
+              <a:t>只用</a:t>
+            </a:r>
+            <a:r>
+              <a:rPr lang="en-US" altLang="zh-CN" sz="1400" dirty="0" smtClean="0"/>
+              <a:t>MDS</a:t>
+            </a:r>
+            <a:endParaRPr lang="en-US" altLang="zh-CN" sz="1400" dirty="0"/>
+          </a:p>
+        </p:txBody>
+      </p:sp>
+      <p:pic>
+        <p:nvPicPr>
+          <p:cNvPr id="11" name="图片 10"/>
+          <p:cNvPicPr>
+            <a:picLocks noChangeAspect="1"/>
+          </p:cNvPicPr>
+          <p:nvPr/>
+        </p:nvPicPr>
+        <p:blipFill>
+          <a:blip r:embed="rId2"/>
+          <a:stretch>
+            <a:fillRect/>
+          </a:stretch>
+        </p:blipFill>
+        <p:spPr>
+          <a:xfrm>
+            <a:off x="346333" y="593771"/>
+            <a:ext cx="5591293" cy="3042737"/>
+          </a:xfrm>
+          <a:prstGeom prst="rect">
+            <a:avLst/>
+          </a:prstGeom>
+        </p:spPr>
+      </p:pic>
+      <p:pic>
+        <p:nvPicPr>
+          <p:cNvPr id="12" name="图片 11"/>
+          <p:cNvPicPr>
+            <a:picLocks noChangeAspect="1"/>
+          </p:cNvPicPr>
+          <p:nvPr/>
+        </p:nvPicPr>
+        <p:blipFill>
+          <a:blip r:embed="rId3"/>
+          <a:stretch>
+            <a:fillRect/>
+          </a:stretch>
+        </p:blipFill>
+        <p:spPr>
+          <a:xfrm>
+            <a:off x="5937626" y="659423"/>
+            <a:ext cx="6037498" cy="2840262"/>
+          </a:xfrm>
+          <a:prstGeom prst="rect">
+            <a:avLst/>
+          </a:prstGeom>
+        </p:spPr>
+      </p:pic>
+      <p:pic>
+        <p:nvPicPr>
+          <p:cNvPr id="13" name="图片 12"/>
+          <p:cNvPicPr>
+            <a:picLocks noChangeAspect="1"/>
+          </p:cNvPicPr>
+          <p:nvPr/>
+        </p:nvPicPr>
+        <p:blipFill>
+          <a:blip r:embed="rId4"/>
+          <a:stretch>
+            <a:fillRect/>
+          </a:stretch>
+        </p:blipFill>
+        <p:spPr>
+          <a:xfrm>
+            <a:off x="2466721" y="3944285"/>
+            <a:ext cx="6096987" cy="2263733"/>
+          </a:xfrm>
+          <a:prstGeom prst="rect">
+            <a:avLst/>
+          </a:prstGeom>
+        </p:spPr>
+      </p:pic>
+      <p:sp>
+        <p:nvSpPr>
+          <p:cNvPr id="3" name="文本框 2"/>
+          <p:cNvSpPr txBox="1"/>
+          <p:nvPr/>
+        </p:nvSpPr>
+        <p:spPr>
+          <a:xfrm>
+            <a:off x="3903785" y="6208018"/>
+            <a:ext cx="3613638" cy="307777"/>
+          </a:xfrm>
+          <a:prstGeom prst="rect">
+            <a:avLst/>
+          </a:prstGeom>
+          <a:noFill/>
+        </p:spPr>
+        <p:txBody>
+          <a:bodyPr wrap="square" rtlCol="0">
+            <a:spAutoFit/>
+          </a:bodyPr>
+          <a:lstStyle/>
+          <a:p>
+            <a:r>
+              <a:rPr lang="en-US" altLang="zh-CN" sz="1400" dirty="0" smtClean="0"/>
+              <a:t>CDC+MDS </a:t>
+            </a:r>
+            <a:r>
+              <a:rPr lang="zh-CN" altLang="en-US" sz="1400" dirty="0" smtClean="0"/>
+              <a:t>考虑任意前</a:t>
+            </a:r>
+            <a:r>
+              <a:rPr lang="en-US" altLang="zh-CN" sz="1400" dirty="0" smtClean="0"/>
+              <a:t>4</a:t>
+            </a:r>
+            <a:r>
+              <a:rPr lang="zh-CN" altLang="en-US" sz="1400" dirty="0" smtClean="0"/>
+              <a:t>个完成</a:t>
+            </a:r>
+            <a:endParaRPr lang="zh-CN" altLang="en-US" sz="1400" dirty="0"/>
+          </a:p>
+        </p:txBody>
+      </p:sp>
+    </p:spTree>
+    <p:extLst>
+      <p:ext uri="{BB962C8B-B14F-4D97-AF65-F5344CB8AC3E}">
+        <p14:creationId xmlns:p14="http://schemas.microsoft.com/office/powerpoint/2010/main" val="3752598811"/>
+      </p:ext>
+    </p:extLst>
+  </p:cSld>
+  <p:clrMapOvr>
+    <a:masterClrMapping/>
+  </p:clrMapOvr>
+</p:sld>
+</file>
+
+<file path=ppt/slides/slide16.xml><?xml version="1.0" encoding="utf-8"?>
+<p:sld xmlns:a="http://schemas.openxmlformats.org/drawingml/2006/main" xmlns:r="http://schemas.openxmlformats.org/officeDocument/2006/relationships" xmlns:p="http://schemas.openxmlformats.org/presentationml/2006/main">
+  <p:cSld>
+    <p:spTree>
+      <p:nvGrpSpPr>
+        <p:cNvPr id="1" name=""/>
+        <p:cNvGrpSpPr/>
+        <p:nvPr/>
+      </p:nvGrpSpPr>
+      <p:grpSpPr>
+        <a:xfrm>
+          <a:off x="0" y="0"/>
+          <a:ext cx="0" cy="0"/>
+          <a:chOff x="0" y="0"/>
+          <a:chExt cx="0" cy="0"/>
+        </a:xfrm>
+      </p:grpSpPr>
+      <p:sp>
+        <p:nvSpPr>
+          <p:cNvPr id="2" name="标题 1"/>
+          <p:cNvSpPr>
+            <a:spLocks noGrp="1"/>
+          </p:cNvSpPr>
+          <p:nvPr>
+            <p:ph type="title"/>
+          </p:nvPr>
+        </p:nvSpPr>
+        <p:spPr>
+          <a:xfrm>
+            <a:off x="512885" y="285994"/>
+            <a:ext cx="9319272" cy="373429"/>
+          </a:xfrm>
+        </p:spPr>
+        <p:txBody>
+          <a:bodyPr>
+            <a:noAutofit/>
+          </a:bodyPr>
+          <a:lstStyle/>
+          <a:p>
+            <a:r>
+              <a:rPr lang="en-US" altLang="zh-CN" sz="2400" dirty="0" smtClean="0"/>
+              <a:t>2.idea</a:t>
+            </a:r>
+            <a:endParaRPr lang="zh-CN" altLang="en-US" sz="2400" dirty="0"/>
+          </a:p>
+        </p:txBody>
+      </p:sp>
+      <p:pic>
+        <p:nvPicPr>
+          <p:cNvPr id="10" name="图片 9"/>
+          <p:cNvPicPr>
+            <a:picLocks noChangeAspect="1"/>
+          </p:cNvPicPr>
+          <p:nvPr/>
+        </p:nvPicPr>
+        <p:blipFill>
+          <a:blip r:embed="rId2"/>
+          <a:stretch>
+            <a:fillRect/>
+          </a:stretch>
+        </p:blipFill>
+        <p:spPr>
+          <a:xfrm>
+            <a:off x="632788" y="975947"/>
+            <a:ext cx="4376478" cy="3290585"/>
+          </a:xfrm>
+          <a:prstGeom prst="rect">
+            <a:avLst/>
+          </a:prstGeom>
+        </p:spPr>
+      </p:pic>
+      <p:sp>
+        <p:nvSpPr>
+          <p:cNvPr id="4" name="文本框 3"/>
+          <p:cNvSpPr txBox="1"/>
+          <p:nvPr/>
+        </p:nvSpPr>
+        <p:spPr>
+          <a:xfrm>
+            <a:off x="6189786" y="1420910"/>
+            <a:ext cx="4343400" cy="1477328"/>
+          </a:xfrm>
+          <a:prstGeom prst="rect">
+            <a:avLst/>
+          </a:prstGeom>
+          <a:noFill/>
+        </p:spPr>
+        <p:txBody>
+          <a:bodyPr wrap="square" rtlCol="0">
+            <a:spAutoFit/>
+          </a:bodyPr>
+          <a:lstStyle/>
+          <a:p>
+            <a:r>
+              <a:rPr lang="zh-CN" altLang="en-US" dirty="0" smtClean="0"/>
+              <a:t>考虑计算量和传输量的权衡，以</a:t>
+            </a:r>
+            <a:r>
+              <a:rPr lang="en-US" altLang="zh-CN" dirty="0" smtClean="0"/>
+              <a:t>q</a:t>
+            </a:r>
+            <a:r>
+              <a:rPr lang="zh-CN" altLang="en-US" dirty="0" smtClean="0"/>
+              <a:t>为输入</a:t>
+            </a:r>
+            <a:endParaRPr lang="en-US" altLang="zh-CN" dirty="0" smtClean="0"/>
+          </a:p>
+          <a:p>
+            <a:endParaRPr lang="en-US" altLang="zh-CN" dirty="0" smtClean="0"/>
+          </a:p>
+          <a:p>
+            <a:endParaRPr lang="en-US" altLang="zh-CN" dirty="0"/>
+          </a:p>
+          <a:p>
+            <a:r>
+              <a:rPr lang="en-US" altLang="zh-CN" dirty="0" smtClean="0"/>
+              <a:t>D</a:t>
+            </a:r>
+            <a:r>
+              <a:rPr lang="zh-CN" altLang="en-US" dirty="0" smtClean="0"/>
+              <a:t>表示计算量，用次序统计量</a:t>
+            </a:r>
+            <a:endParaRPr lang="en-US" altLang="zh-CN" dirty="0" smtClean="0"/>
+          </a:p>
+          <a:p>
+            <a:r>
+              <a:rPr lang="en-US" altLang="zh-CN" dirty="0" smtClean="0"/>
+              <a:t>L</a:t>
+            </a:r>
+            <a:r>
+              <a:rPr lang="zh-CN" altLang="en-US" dirty="0" smtClean="0"/>
+              <a:t>表示传输量</a:t>
+            </a:r>
+            <a:endParaRPr lang="zh-CN" altLang="en-US" dirty="0"/>
+          </a:p>
+        </p:txBody>
+      </p:sp>
+    </p:spTree>
+    <p:extLst>
+      <p:ext uri="{BB962C8B-B14F-4D97-AF65-F5344CB8AC3E}">
+        <p14:creationId xmlns:p14="http://schemas.microsoft.com/office/powerpoint/2010/main" val="1838854701"/>
+      </p:ext>
+    </p:extLst>
+  </p:cSld>
+  <p:clrMapOvr>
+    <a:masterClrMapping/>
+  </p:clrMapOvr>
+</p:sld>
+</file>
+
+<file path=ppt/slides/slide17.xml><?xml version="1.0" encoding="utf-8"?>
+<p:sld xmlns:a="http://schemas.openxmlformats.org/drawingml/2006/main" xmlns:r="http://schemas.openxmlformats.org/officeDocument/2006/relationships" xmlns:p="http://schemas.openxmlformats.org/presentationml/2006/main">
+  <p:cSld>
+    <p:spTree>
+      <p:nvGrpSpPr>
+        <p:cNvPr id="1" name=""/>
+        <p:cNvGrpSpPr/>
+        <p:nvPr/>
+      </p:nvGrpSpPr>
+      <p:grpSpPr>
+        <a:xfrm>
+          <a:off x="0" y="0"/>
+          <a:ext cx="0" cy="0"/>
+          <a:chOff x="0" y="0"/>
+          <a:chExt cx="0" cy="0"/>
+        </a:xfrm>
+      </p:grpSpPr>
+      <p:sp>
+        <p:nvSpPr>
+          <p:cNvPr id="2" name="标题 1"/>
+          <p:cNvSpPr>
+            <a:spLocks noGrp="1"/>
+          </p:cNvSpPr>
+          <p:nvPr>
+            <p:ph type="title"/>
+          </p:nvPr>
+        </p:nvSpPr>
+        <p:spPr>
+          <a:xfrm>
+            <a:off x="512885" y="285994"/>
+            <a:ext cx="9319272" cy="373429"/>
+          </a:xfrm>
+        </p:spPr>
+        <p:txBody>
+          <a:bodyPr>
+            <a:noAutofit/>
+          </a:bodyPr>
+          <a:lstStyle/>
+          <a:p>
+            <a:r>
+              <a:rPr lang="en-US" altLang="zh-CN" sz="2400" dirty="0"/>
+              <a:t>2.idea</a:t>
+            </a:r>
+            <a:endParaRPr lang="zh-CN" altLang="en-US" sz="2400" dirty="0"/>
+          </a:p>
+        </p:txBody>
+      </p:sp>
+      <p:pic>
+        <p:nvPicPr>
+          <p:cNvPr id="6" name="图片 5">
+            <a:extLst>
+              <a:ext uri="{FF2B5EF4-FFF2-40B4-BE49-F238E27FC236}">
+                <a16:creationId xmlns:a16="http://schemas.microsoft.com/office/drawing/2014/main" id="{B95B8C0D-8DAD-43A3-86D8-E0700ED4D445}"/>
+              </a:ext>
+            </a:extLst>
+          </p:cNvPr>
+          <p:cNvPicPr>
+            <a:picLocks noChangeAspect="1"/>
+          </p:cNvPicPr>
+          <p:nvPr/>
+        </p:nvPicPr>
+        <p:blipFill>
+          <a:blip r:embed="rId2"/>
+          <a:stretch>
+            <a:fillRect/>
+          </a:stretch>
+        </p:blipFill>
+        <p:spPr>
+          <a:xfrm>
+            <a:off x="671660" y="994722"/>
+            <a:ext cx="5494496" cy="3680779"/>
+          </a:xfrm>
+          <a:prstGeom prst="rect">
+            <a:avLst/>
+          </a:prstGeom>
+        </p:spPr>
+      </p:pic>
+      <p:pic>
+        <p:nvPicPr>
+          <p:cNvPr id="7" name="图片 6">
+            <a:extLst>
+              <a:ext uri="{FF2B5EF4-FFF2-40B4-BE49-F238E27FC236}">
+                <a16:creationId xmlns:a16="http://schemas.microsoft.com/office/drawing/2014/main" id="{E997DE78-8F56-48E6-A7A8-E6FD15A88822}"/>
+              </a:ext>
+            </a:extLst>
+          </p:cNvPr>
+          <p:cNvPicPr>
+            <a:picLocks noChangeAspect="1"/>
+          </p:cNvPicPr>
+          <p:nvPr/>
+        </p:nvPicPr>
+        <p:blipFill>
+          <a:blip r:embed="rId3"/>
+          <a:stretch>
+            <a:fillRect/>
+          </a:stretch>
+        </p:blipFill>
+        <p:spPr>
+          <a:xfrm>
+            <a:off x="6163275" y="1344281"/>
+            <a:ext cx="5128704" cy="3170195"/>
+          </a:xfrm>
+          <a:prstGeom prst="rect">
+            <a:avLst/>
+          </a:prstGeom>
+        </p:spPr>
+      </p:pic>
+      <p:sp>
+        <p:nvSpPr>
+          <p:cNvPr id="8" name="文本框 7">
+            <a:extLst>
+              <a:ext uri="{FF2B5EF4-FFF2-40B4-BE49-F238E27FC236}">
+                <a16:creationId xmlns:a16="http://schemas.microsoft.com/office/drawing/2014/main" id="{EE1A3ED1-BEF7-4BFB-8466-FEFD02C3BC0A}"/>
+              </a:ext>
+            </a:extLst>
+          </p:cNvPr>
+          <p:cNvSpPr txBox="1"/>
+          <p:nvPr/>
+        </p:nvSpPr>
+        <p:spPr>
+          <a:xfrm>
+            <a:off x="1623101" y="4669478"/>
+            <a:ext cx="3855563" cy="307777"/>
+          </a:xfrm>
+          <a:prstGeom prst="rect">
+            <a:avLst/>
+          </a:prstGeom>
+          <a:noFill/>
+        </p:spPr>
+        <p:txBody>
+          <a:bodyPr wrap="square" rtlCol="0">
+            <a:spAutoFit/>
+          </a:bodyPr>
+          <a:lstStyle/>
+          <a:p>
+            <a:r>
+              <a:rPr lang="zh-CN" altLang="en-US" sz="1400" dirty="0"/>
+              <a:t>每一个文件都将产生</a:t>
+            </a:r>
+            <a:r>
+              <a:rPr lang="en-US" altLang="zh-CN" sz="1400" dirty="0"/>
+              <a:t>Q=3</a:t>
+            </a:r>
+            <a:r>
+              <a:rPr lang="zh-CN" altLang="en-US" sz="1400" dirty="0"/>
+              <a:t>个中间值</a:t>
+            </a:r>
+          </a:p>
+        </p:txBody>
+      </p:sp>
+      <p:sp>
+        <p:nvSpPr>
+          <p:cNvPr id="9" name="文本框 8">
+            <a:extLst>
+              <a:ext uri="{FF2B5EF4-FFF2-40B4-BE49-F238E27FC236}">
+                <a16:creationId xmlns:a16="http://schemas.microsoft.com/office/drawing/2014/main" id="{25BA8ADE-DDEA-4949-9704-B52B9C86F2A0}"/>
+              </a:ext>
+            </a:extLst>
+          </p:cNvPr>
+          <p:cNvSpPr txBox="1"/>
+          <p:nvPr/>
+        </p:nvSpPr>
+        <p:spPr>
+          <a:xfrm>
+            <a:off x="7729980" y="4588965"/>
+            <a:ext cx="3855563" cy="307777"/>
+          </a:xfrm>
+          <a:prstGeom prst="rect">
+            <a:avLst/>
+          </a:prstGeom>
+          <a:noFill/>
+        </p:spPr>
+        <p:txBody>
+          <a:bodyPr wrap="square" rtlCol="0">
+            <a:spAutoFit/>
+          </a:bodyPr>
+          <a:lstStyle/>
+          <a:p>
+            <a:r>
+              <a:rPr lang="zh-CN" altLang="en-US" sz="1400" dirty="0"/>
+              <a:t>广播</a:t>
+            </a:r>
+            <a:r>
+              <a:rPr lang="en-US" altLang="zh-CN" sz="1400" dirty="0" err="1"/>
+              <a:t>μK</a:t>
+            </a:r>
+            <a:r>
+              <a:rPr lang="en-US" altLang="zh-CN" sz="1400" dirty="0"/>
+              <a:t>=2</a:t>
+            </a:r>
+            <a:r>
+              <a:rPr lang="zh-CN" altLang="en-US" sz="1400" dirty="0"/>
+              <a:t>个线性组合</a:t>
+            </a:r>
+            <a:endParaRPr lang="en-US" altLang="zh-CN" sz="1400" dirty="0"/>
+          </a:p>
+        </p:txBody>
+      </p:sp>
+      <p:sp>
+        <p:nvSpPr>
+          <p:cNvPr id="10" name="文本框 9">
+            <a:extLst>
+              <a:ext uri="{FF2B5EF4-FFF2-40B4-BE49-F238E27FC236}">
+                <a16:creationId xmlns:a16="http://schemas.microsoft.com/office/drawing/2014/main" id="{90188B76-14A0-4DC4-AFFB-84BF4C54F074}"/>
+              </a:ext>
+            </a:extLst>
+          </p:cNvPr>
+          <p:cNvSpPr txBox="1"/>
+          <p:nvPr/>
+        </p:nvSpPr>
+        <p:spPr>
+          <a:xfrm>
+            <a:off x="1111094" y="5199334"/>
+            <a:ext cx="9935852" cy="1200329"/>
+          </a:xfrm>
+          <a:prstGeom prst="rect">
+            <a:avLst/>
+          </a:prstGeom>
+          <a:noFill/>
+        </p:spPr>
+        <p:txBody>
+          <a:bodyPr wrap="square" rtlCol="0">
+            <a:spAutoFit/>
+          </a:bodyPr>
+          <a:lstStyle/>
+          <a:p>
+            <a:pPr marL="285750" indent="-285750">
+              <a:buFont typeface="Arial" panose="020B0604020202020204" pitchFamily="34" charset="0"/>
+              <a:buChar char="•"/>
+            </a:pPr>
+            <a:r>
+              <a:rPr lang="zh-CN" altLang="en-US" dirty="0" smtClean="0"/>
+              <a:t>换成矩阵乘法，用</a:t>
+            </a:r>
+            <a:r>
+              <a:rPr lang="en-US" altLang="zh-CN" dirty="0" smtClean="0"/>
+              <a:t>MDS</a:t>
+            </a:r>
+            <a:r>
+              <a:rPr lang="zh-CN" altLang="en-US" dirty="0" smtClean="0"/>
+              <a:t>码</a:t>
+            </a:r>
+            <a:endParaRPr lang="en-US" altLang="zh-CN" dirty="0" smtClean="0"/>
+          </a:p>
+          <a:p>
+            <a:pPr marL="285750" indent="-285750">
+              <a:buFont typeface="Arial" panose="020B0604020202020204" pitchFamily="34" charset="0"/>
+              <a:buChar char="•"/>
+            </a:pPr>
+            <a:r>
+              <a:rPr lang="zh-CN" altLang="en-US" dirty="0" smtClean="0"/>
+              <a:t>考虑</a:t>
+            </a:r>
+            <a:r>
+              <a:rPr lang="en-US" altLang="zh-CN" dirty="0" smtClean="0"/>
+              <a:t>stragglers</a:t>
+            </a:r>
+            <a:r>
+              <a:rPr lang="zh-CN" altLang="en-US" dirty="0" smtClean="0"/>
+              <a:t>，考虑前</a:t>
+            </a:r>
+            <a:r>
+              <a:rPr lang="en-US" altLang="zh-CN" dirty="0" smtClean="0"/>
+              <a:t>q</a:t>
+            </a:r>
+            <a:r>
+              <a:rPr lang="zh-CN" altLang="en-US" dirty="0" smtClean="0"/>
+              <a:t>个率先发送给</a:t>
+            </a:r>
+            <a:r>
+              <a:rPr lang="en-US" altLang="zh-CN" dirty="0" err="1" smtClean="0"/>
+              <a:t>ap</a:t>
+            </a:r>
+            <a:r>
+              <a:rPr lang="zh-CN" altLang="en-US" dirty="0" smtClean="0"/>
+              <a:t>的节点</a:t>
+            </a:r>
+            <a:endParaRPr lang="en-US" altLang="zh-CN" dirty="0" smtClean="0"/>
+          </a:p>
+          <a:p>
+            <a:pPr marL="285750" indent="-285750">
+              <a:buFont typeface="Arial" panose="020B0604020202020204" pitchFamily="34" charset="0"/>
+              <a:buChar char="•"/>
+            </a:pPr>
+            <a:r>
+              <a:rPr lang="zh-CN" altLang="en-US" dirty="0" smtClean="0"/>
+              <a:t>用次序统计量，时间期望和传输量的</a:t>
+            </a:r>
+            <a:r>
+              <a:rPr lang="en-US" altLang="zh-CN" dirty="0" smtClean="0"/>
+              <a:t>tradeoff(</a:t>
+            </a:r>
+            <a:r>
+              <a:rPr lang="zh-CN" altLang="en-US" dirty="0" smtClean="0"/>
+              <a:t>以</a:t>
+            </a:r>
+            <a:r>
+              <a:rPr lang="en-US" altLang="zh-CN" dirty="0" smtClean="0"/>
+              <a:t>q</a:t>
+            </a:r>
+            <a:r>
+              <a:rPr lang="zh-CN" altLang="en-US" dirty="0" smtClean="0"/>
+              <a:t>为输入</a:t>
+            </a:r>
+            <a:r>
+              <a:rPr lang="en-US" altLang="zh-CN" dirty="0" smtClean="0"/>
+              <a:t>)</a:t>
+            </a:r>
+          </a:p>
+          <a:p>
+            <a:pPr marL="285750" indent="-285750">
+              <a:buFont typeface="Arial" panose="020B0604020202020204" pitchFamily="34" charset="0"/>
+              <a:buChar char="•"/>
+            </a:pPr>
+            <a:r>
+              <a:rPr lang="zh-CN" altLang="en-US" dirty="0" smtClean="0"/>
+              <a:t>适用性是问题。</a:t>
+            </a:r>
+            <a:endParaRPr lang="en-US" altLang="zh-CN" dirty="0"/>
+          </a:p>
+        </p:txBody>
+      </p:sp>
+    </p:spTree>
+    <p:extLst>
+      <p:ext uri="{BB962C8B-B14F-4D97-AF65-F5344CB8AC3E}">
+        <p14:creationId xmlns:p14="http://schemas.microsoft.com/office/powerpoint/2010/main" val="1204417080"/>
+      </p:ext>
+    </p:extLst>
+  </p:cSld>
+  <p:clrMapOvr>
+    <a:masterClrMapping/>
+  </p:clrMapOvr>
+</p:sld>
+</file>
+
+<file path=ppt/slides/slide18.xml><?xml version="1.0" encoding="utf-8"?>
+<p:sld xmlns:a="http://schemas.openxmlformats.org/drawingml/2006/main" xmlns:r="http://schemas.openxmlformats.org/officeDocument/2006/relationships" xmlns:p="http://schemas.openxmlformats.org/presentationml/2006/main">
+  <p:cSld>
+    <p:spTree>
+      <p:nvGrpSpPr>
+        <p:cNvPr id="1" name=""/>
+        <p:cNvGrpSpPr/>
+        <p:nvPr/>
+      </p:nvGrpSpPr>
+      <p:grpSpPr>
+        <a:xfrm>
+          <a:off x="0" y="0"/>
+          <a:ext cx="0" cy="0"/>
+          <a:chOff x="0" y="0"/>
+          <a:chExt cx="0" cy="0"/>
+        </a:xfrm>
+      </p:grpSpPr>
+      <p:sp>
+        <p:nvSpPr>
+          <p:cNvPr id="2" name="标题 1"/>
+          <p:cNvSpPr>
+            <a:spLocks noGrp="1"/>
+          </p:cNvSpPr>
+          <p:nvPr>
+            <p:ph type="title"/>
+          </p:nvPr>
+        </p:nvSpPr>
+        <p:spPr>
+          <a:xfrm>
+            <a:off x="512885" y="285994"/>
+            <a:ext cx="9319272" cy="373429"/>
+          </a:xfrm>
+        </p:spPr>
+        <p:txBody>
+          <a:bodyPr>
+            <a:noAutofit/>
+          </a:bodyPr>
+          <a:lstStyle/>
+          <a:p>
+            <a:r>
+              <a:rPr lang="en-US" altLang="zh-CN" sz="2400" dirty="0"/>
+              <a:t>2.idea</a:t>
+            </a:r>
+            <a:endParaRPr lang="zh-CN" altLang="en-US" sz="2400" dirty="0"/>
+          </a:p>
+        </p:txBody>
+      </p:sp>
+      <p:sp>
+        <p:nvSpPr>
+          <p:cNvPr id="10" name="文本框 9">
+            <a:extLst>
+              <a:ext uri="{FF2B5EF4-FFF2-40B4-BE49-F238E27FC236}">
+                <a16:creationId xmlns:a16="http://schemas.microsoft.com/office/drawing/2014/main" id="{90188B76-14A0-4DC4-AFFB-84BF4C54F074}"/>
+              </a:ext>
+            </a:extLst>
+          </p:cNvPr>
+          <p:cNvSpPr txBox="1"/>
+          <p:nvPr/>
+        </p:nvSpPr>
+        <p:spPr>
+          <a:xfrm>
+            <a:off x="618392" y="794933"/>
+            <a:ext cx="9935852" cy="4524315"/>
+          </a:xfrm>
+          <a:prstGeom prst="rect">
+            <a:avLst/>
+          </a:prstGeom>
+          <a:noFill/>
+        </p:spPr>
+        <p:txBody>
+          <a:bodyPr wrap="square" rtlCol="0">
+            <a:spAutoFit/>
+          </a:bodyPr>
+          <a:lstStyle/>
+          <a:p>
+            <a:pPr marL="285750" indent="-285750">
+              <a:buFont typeface="Arial" panose="020B0604020202020204" pitchFamily="34" charset="0"/>
+              <a:buChar char="•"/>
+            </a:pPr>
+            <a:r>
+              <a:rPr lang="zh-CN" altLang="en-US" dirty="0" smtClean="0"/>
+              <a:t>手机导航系统，每个用户需要找到两点之间最短的路径。输入为两点的地址，每个用户的中间值为基于该用户所拥有的数据集的所有可能的路线，每个用户需要找到最短的路径</a:t>
+            </a:r>
+            <a:r>
+              <a:rPr lang="en-US" altLang="zh-CN" dirty="0" smtClean="0"/>
+              <a:t>(</a:t>
+            </a:r>
+            <a:r>
+              <a:rPr lang="zh-CN" altLang="en-US" dirty="0" smtClean="0"/>
+              <a:t>需要基于两点的所有的路径</a:t>
+            </a:r>
+            <a:r>
+              <a:rPr lang="en-US" altLang="zh-CN" dirty="0" smtClean="0"/>
+              <a:t>)</a:t>
+            </a:r>
+            <a:r>
+              <a:rPr lang="zh-CN" altLang="en-US" dirty="0" smtClean="0"/>
+              <a:t>。</a:t>
+            </a:r>
+            <a:endParaRPr lang="en-US" altLang="zh-CN" dirty="0"/>
+          </a:p>
+          <a:p>
+            <a:pPr marL="285750" indent="-285750">
+              <a:buFont typeface="Arial" panose="020B0604020202020204" pitchFamily="34" charset="0"/>
+              <a:buChar char="•"/>
+            </a:pPr>
+            <a:endParaRPr lang="en-US" altLang="zh-CN" dirty="0" smtClean="0"/>
+          </a:p>
+          <a:p>
+            <a:pPr marL="285750" indent="-285750">
+              <a:buFont typeface="Arial" panose="020B0604020202020204" pitchFamily="34" charset="0"/>
+              <a:buChar char="•"/>
+            </a:pPr>
+            <a:r>
+              <a:rPr lang="zh-CN" altLang="en-US" dirty="0" smtClean="0"/>
+              <a:t>图像识别系统，输入可以是图像的特征，中间值是输入的特征与所有图片的特征比对，整个数据集是目标的特征库。每个用户要找到输入特征与某个特征最接近的图。</a:t>
+            </a:r>
+            <a:r>
+              <a:rPr lang="en-US" altLang="zh-CN" dirty="0" smtClean="0"/>
+              <a:t>(</a:t>
+            </a:r>
+            <a:r>
+              <a:rPr lang="zh-CN" altLang="en-US" dirty="0" smtClean="0"/>
+              <a:t>需要基于输入图像的所有比对</a:t>
+            </a:r>
+            <a:r>
+              <a:rPr lang="en-US" altLang="zh-CN" dirty="0" smtClean="0"/>
+              <a:t>)</a:t>
+            </a:r>
+          </a:p>
+          <a:p>
+            <a:pPr marL="285750" indent="-285750">
+              <a:buFont typeface="Arial" panose="020B0604020202020204" pitchFamily="34" charset="0"/>
+              <a:buChar char="•"/>
+            </a:pPr>
+            <a:endParaRPr lang="en-US" altLang="zh-CN" dirty="0"/>
+          </a:p>
+          <a:p>
+            <a:pPr marL="285750" indent="-285750">
+              <a:buFont typeface="Arial" panose="020B0604020202020204" pitchFamily="34" charset="0"/>
+              <a:buChar char="•"/>
+            </a:pPr>
+            <a:r>
+              <a:rPr lang="zh-CN" altLang="en-US" dirty="0" smtClean="0"/>
+              <a:t>过滤系统。比如想订饭店，输入为用户喜欢的饭店类型，中间值为基于该用户数据集的所有饭店的信息（地址、电话、图片）。每个用户要得到所有的饭店信息</a:t>
+            </a:r>
+            <a:endParaRPr lang="en-US" altLang="zh-CN" dirty="0" smtClean="0"/>
+          </a:p>
+          <a:p>
+            <a:pPr marL="285750" indent="-285750">
+              <a:buFont typeface="Arial" panose="020B0604020202020204" pitchFamily="34" charset="0"/>
+              <a:buChar char="•"/>
+            </a:pPr>
+            <a:endParaRPr lang="en-US" altLang="zh-CN" dirty="0"/>
+          </a:p>
+          <a:p>
+            <a:pPr marL="285750" indent="-285750">
+              <a:buFont typeface="Arial" panose="020B0604020202020204" pitchFamily="34" charset="0"/>
+              <a:buChar char="•"/>
+            </a:pPr>
+            <a:endParaRPr lang="en-US" altLang="zh-CN" dirty="0"/>
+          </a:p>
+          <a:p>
+            <a:pPr marL="285750" indent="-285750">
+              <a:buFont typeface="Arial" panose="020B0604020202020204" pitchFamily="34" charset="0"/>
+              <a:buChar char="•"/>
+            </a:pPr>
+            <a:r>
+              <a:rPr lang="zh-CN" altLang="en-US" dirty="0" smtClean="0"/>
+              <a:t>矩阵运算（更底层）？</a:t>
+            </a:r>
+            <a:endParaRPr lang="en-US" altLang="zh-CN" dirty="0" smtClean="0"/>
+          </a:p>
+          <a:p>
+            <a:pPr marL="285750" indent="-285750">
+              <a:buFont typeface="Arial" panose="020B0604020202020204" pitchFamily="34" charset="0"/>
+              <a:buChar char="•"/>
+            </a:pPr>
+            <a:r>
+              <a:rPr lang="zh-CN" altLang="en-US" dirty="0" smtClean="0"/>
+              <a:t>每个用户都有任务，如果考虑</a:t>
+            </a:r>
+            <a:r>
+              <a:rPr lang="en-US" altLang="zh-CN" dirty="0" smtClean="0"/>
+              <a:t>stragglers</a:t>
+            </a:r>
+            <a:r>
+              <a:rPr lang="zh-CN" altLang="en-US" dirty="0" smtClean="0"/>
+              <a:t>，有一些慢用户就得不到反馈。</a:t>
+            </a:r>
+            <a:endParaRPr lang="en-US" altLang="zh-CN" dirty="0" smtClean="0"/>
+          </a:p>
+          <a:p>
+            <a:pPr marL="285750" indent="-285750">
+              <a:buFont typeface="Arial" panose="020B0604020202020204" pitchFamily="34" charset="0"/>
+              <a:buChar char="•"/>
+            </a:pPr>
+            <a:r>
+              <a:rPr lang="zh-CN" altLang="en-US" dirty="0" smtClean="0"/>
+              <a:t>主要问题还是</a:t>
+            </a:r>
+            <a:r>
+              <a:rPr lang="en-US" altLang="zh-CN" dirty="0" smtClean="0"/>
+              <a:t>straggler</a:t>
+            </a:r>
+            <a:r>
+              <a:rPr lang="zh-CN" altLang="en-US" dirty="0" smtClean="0"/>
+              <a:t>问题</a:t>
+            </a:r>
+            <a:r>
+              <a:rPr lang="en-US" altLang="zh-CN" dirty="0" smtClean="0"/>
+              <a:t>(</a:t>
+            </a:r>
+            <a:r>
+              <a:rPr lang="zh-CN" altLang="en-US" dirty="0" smtClean="0"/>
+              <a:t>矩阵计算</a:t>
+            </a:r>
+            <a:r>
+              <a:rPr lang="en-US" altLang="zh-CN" dirty="0" smtClean="0"/>
+              <a:t>)</a:t>
+            </a:r>
+            <a:r>
+              <a:rPr lang="zh-CN" altLang="en-US" dirty="0" smtClean="0"/>
+              <a:t>是把所有节点看成一个整体。无线框架下注重的是每个用户</a:t>
+            </a:r>
+            <a:r>
+              <a:rPr lang="en-US" altLang="zh-CN" dirty="0" smtClean="0"/>
+              <a:t>(</a:t>
+            </a:r>
+            <a:r>
+              <a:rPr lang="zh-CN" altLang="en-US" dirty="0" smtClean="0"/>
+              <a:t>节点</a:t>
+            </a:r>
+            <a:r>
+              <a:rPr lang="en-US" altLang="zh-CN" dirty="0" smtClean="0"/>
+              <a:t>)</a:t>
+            </a:r>
+            <a:r>
+              <a:rPr lang="zh-CN" altLang="en-US" dirty="0" smtClean="0"/>
+              <a:t>的任务。</a:t>
+            </a:r>
+            <a:endParaRPr lang="en-US" altLang="zh-CN" dirty="0"/>
+          </a:p>
+        </p:txBody>
+      </p:sp>
+    </p:spTree>
+    <p:extLst>
+      <p:ext uri="{BB962C8B-B14F-4D97-AF65-F5344CB8AC3E}">
+        <p14:creationId xmlns:p14="http://schemas.microsoft.com/office/powerpoint/2010/main" val="1302011762"/>
+      </p:ext>
+    </p:extLst>
+  </p:cSld>
+  <p:clrMapOvr>
+    <a:masterClrMapping/>
+  </p:clrMapOvr>
+</p:sld>
+</file>
+
+<file path=ppt/slides/slide19.xml><?xml version="1.0" encoding="utf-8"?>
+<p:sld xmlns:a="http://schemas.openxmlformats.org/drawingml/2006/main" xmlns:r="http://schemas.openxmlformats.org/officeDocument/2006/relationships" xmlns:p="http://schemas.openxmlformats.org/presentationml/2006/main">
+  <p:cSld>
+    <p:spTree>
+      <p:nvGrpSpPr>
+        <p:cNvPr id="1" name=""/>
+        <p:cNvGrpSpPr/>
+        <p:nvPr/>
+      </p:nvGrpSpPr>
+      <p:grpSpPr>
+        <a:xfrm>
+          <a:off x="0" y="0"/>
+          <a:ext cx="0" cy="0"/>
+          <a:chOff x="0" y="0"/>
+          <a:chExt cx="0" cy="0"/>
+        </a:xfrm>
+      </p:grpSpPr>
+      <p:pic>
+        <p:nvPicPr>
+          <p:cNvPr id="6" name="图片 5">
+            <a:extLst>
+              <a:ext uri="{FF2B5EF4-FFF2-40B4-BE49-F238E27FC236}">
+                <a16:creationId xmlns:a16="http://schemas.microsoft.com/office/drawing/2014/main" id="{B95B8C0D-8DAD-43A3-86D8-E0700ED4D445}"/>
+              </a:ext>
+            </a:extLst>
+          </p:cNvPr>
+          <p:cNvPicPr>
+            <a:picLocks noChangeAspect="1"/>
+          </p:cNvPicPr>
+          <p:nvPr/>
+        </p:nvPicPr>
+        <p:blipFill>
+          <a:blip r:embed="rId2"/>
+          <a:stretch>
+            <a:fillRect/>
+          </a:stretch>
+        </p:blipFill>
+        <p:spPr>
+          <a:xfrm>
+            <a:off x="620011" y="472708"/>
+            <a:ext cx="4552510" cy="3049740"/>
+          </a:xfrm>
+          <a:prstGeom prst="rect">
+            <a:avLst/>
+          </a:prstGeom>
+        </p:spPr>
+      </p:pic>
+      <p:pic>
+        <p:nvPicPr>
+          <p:cNvPr id="7" name="图片 6">
+            <a:extLst>
+              <a:ext uri="{FF2B5EF4-FFF2-40B4-BE49-F238E27FC236}">
+                <a16:creationId xmlns:a16="http://schemas.microsoft.com/office/drawing/2014/main" id="{E997DE78-8F56-48E6-A7A8-E6FD15A88822}"/>
+              </a:ext>
+            </a:extLst>
+          </p:cNvPr>
+          <p:cNvPicPr>
+            <a:picLocks noChangeAspect="1"/>
+          </p:cNvPicPr>
+          <p:nvPr/>
+        </p:nvPicPr>
+        <p:blipFill>
+          <a:blip r:embed="rId3"/>
+          <a:stretch>
+            <a:fillRect/>
+          </a:stretch>
+        </p:blipFill>
+        <p:spPr>
+          <a:xfrm>
+            <a:off x="6189653" y="799033"/>
+            <a:ext cx="4482113" cy="2770519"/>
+          </a:xfrm>
+          <a:prstGeom prst="rect">
+            <a:avLst/>
+          </a:prstGeom>
+        </p:spPr>
+      </p:pic>
+      <p:pic>
+        <p:nvPicPr>
+          <p:cNvPr id="11" name="图片 10"/>
+          <p:cNvPicPr>
+            <a:picLocks noChangeAspect="1"/>
+          </p:cNvPicPr>
+          <p:nvPr/>
+        </p:nvPicPr>
+        <p:blipFill>
+          <a:blip r:embed="rId4"/>
+          <a:stretch>
+            <a:fillRect/>
+          </a:stretch>
+        </p:blipFill>
+        <p:spPr>
+          <a:xfrm>
+            <a:off x="879116" y="3522448"/>
+            <a:ext cx="3745638" cy="3228106"/>
+          </a:xfrm>
+          <a:prstGeom prst="rect">
+            <a:avLst/>
+          </a:prstGeom>
+        </p:spPr>
+      </p:pic>
+      <p:sp>
+        <p:nvSpPr>
+          <p:cNvPr id="12" name="文本框 11"/>
+          <p:cNvSpPr txBox="1"/>
+          <p:nvPr/>
+        </p:nvSpPr>
+        <p:spPr>
+          <a:xfrm>
+            <a:off x="5172520" y="2286000"/>
+            <a:ext cx="533687" cy="707886"/>
+          </a:xfrm>
+          <a:prstGeom prst="rect">
+            <a:avLst/>
+          </a:prstGeom>
+          <a:noFill/>
+        </p:spPr>
+        <p:txBody>
+          <a:bodyPr wrap="square" rtlCol="0">
+            <a:spAutoFit/>
+          </a:bodyPr>
+          <a:lstStyle/>
+          <a:p>
+            <a:r>
+              <a:rPr lang="en-US" altLang="zh-CN" sz="4000" b="1" dirty="0" smtClean="0"/>
+              <a:t>+</a:t>
+            </a:r>
+            <a:endParaRPr lang="zh-CN" altLang="en-US" b="1" dirty="0"/>
+          </a:p>
+        </p:txBody>
+      </p:sp>
+      <p:sp>
+        <p:nvSpPr>
+          <p:cNvPr id="15" name="文本框 14"/>
+          <p:cNvSpPr txBox="1"/>
+          <p:nvPr/>
+        </p:nvSpPr>
+        <p:spPr>
+          <a:xfrm>
+            <a:off x="5172520" y="5136501"/>
+            <a:ext cx="533687" cy="707886"/>
+          </a:xfrm>
+          <a:prstGeom prst="rect">
+            <a:avLst/>
+          </a:prstGeom>
+          <a:noFill/>
+        </p:spPr>
+        <p:txBody>
+          <a:bodyPr wrap="square" rtlCol="0">
+            <a:spAutoFit/>
+          </a:bodyPr>
+          <a:lstStyle/>
+          <a:p>
+            <a:r>
+              <a:rPr lang="en-US" altLang="zh-CN" sz="4000" b="1" dirty="0" smtClean="0"/>
+              <a:t>+</a:t>
+            </a:r>
+            <a:endParaRPr lang="zh-CN" altLang="en-US" b="1" dirty="0"/>
+          </a:p>
+        </p:txBody>
+      </p:sp>
+      <p:sp>
+        <p:nvSpPr>
+          <p:cNvPr id="16" name="文本框 15"/>
+          <p:cNvSpPr txBox="1"/>
+          <p:nvPr/>
+        </p:nvSpPr>
+        <p:spPr>
+          <a:xfrm>
+            <a:off x="6409593" y="5305778"/>
+            <a:ext cx="4387361" cy="369332"/>
+          </a:xfrm>
+          <a:prstGeom prst="rect">
+            <a:avLst/>
+          </a:prstGeom>
+          <a:noFill/>
+        </p:spPr>
+        <p:txBody>
+          <a:bodyPr wrap="square" rtlCol="0">
+            <a:spAutoFit/>
+          </a:bodyPr>
+          <a:lstStyle/>
+          <a:p>
+            <a:r>
+              <a:rPr lang="en-US" altLang="zh-CN" b="1" dirty="0" smtClean="0"/>
+              <a:t>Heterogeneous function</a:t>
+            </a:r>
+            <a:r>
+              <a:rPr lang="zh-CN" altLang="en-US" b="1" dirty="0"/>
+              <a:t> </a:t>
+            </a:r>
+            <a:r>
+              <a:rPr lang="en-US" altLang="zh-CN" b="1" dirty="0" smtClean="0"/>
+              <a:t>and file placement</a:t>
+            </a:r>
+            <a:endParaRPr lang="zh-CN" altLang="en-US" b="1" dirty="0"/>
+          </a:p>
+        </p:txBody>
+      </p:sp>
+      <p:sp>
+        <p:nvSpPr>
+          <p:cNvPr id="2" name="标题 1"/>
+          <p:cNvSpPr>
+            <a:spLocks noGrp="1"/>
+          </p:cNvSpPr>
+          <p:nvPr>
+            <p:ph type="title"/>
+          </p:nvPr>
+        </p:nvSpPr>
+        <p:spPr>
+          <a:xfrm>
+            <a:off x="512885" y="285994"/>
+            <a:ext cx="9319272" cy="373429"/>
+          </a:xfrm>
+        </p:spPr>
+        <p:txBody>
+          <a:bodyPr>
+            <a:noAutofit/>
+          </a:bodyPr>
+          <a:lstStyle/>
+          <a:p>
+            <a:r>
+              <a:rPr lang="en-US" altLang="zh-CN" sz="2400" dirty="0" smtClean="0"/>
+              <a:t>2.idea</a:t>
+            </a:r>
+            <a:r>
+              <a:rPr lang="zh-CN" altLang="en-US" sz="2400" dirty="0" smtClean="0"/>
+              <a:t>方向</a:t>
+            </a:r>
+            <a:r>
+              <a:rPr lang="en-US" altLang="zh-CN" sz="2400" dirty="0" smtClean="0"/>
+              <a:t>2</a:t>
+            </a:r>
+            <a:endParaRPr lang="zh-CN" altLang="en-US" sz="2400" dirty="0"/>
+          </a:p>
+        </p:txBody>
+      </p:sp>
+    </p:spTree>
+    <p:extLst>
+      <p:ext uri="{BB962C8B-B14F-4D97-AF65-F5344CB8AC3E}">
+        <p14:creationId xmlns:p14="http://schemas.microsoft.com/office/powerpoint/2010/main" val="2286601816"/>
+      </p:ext>
+    </p:extLst>
+  </p:cSld>
+  <p:clrMapOvr>
+    <a:masterClrMapping/>
+  </p:clrMapOvr>
 </p:sld>
 </file>
 
@@ -4730,6 +6303,1580 @@
     <p:extLst>
       <p:ext uri="{BB962C8B-B14F-4D97-AF65-F5344CB8AC3E}">
         <p14:creationId xmlns:p14="http://schemas.microsoft.com/office/powerpoint/2010/main" val="1808530932"/>
+      </p:ext>
+    </p:extLst>
+  </p:cSld>
+  <p:clrMapOvr>
+    <a:masterClrMapping/>
+  </p:clrMapOvr>
+</p:sld>
+</file>
+
+<file path=ppt/slides/slide20.xml><?xml version="1.0" encoding="utf-8"?>
+<p:sld xmlns:a="http://schemas.openxmlformats.org/drawingml/2006/main" xmlns:r="http://schemas.openxmlformats.org/officeDocument/2006/relationships" xmlns:p="http://schemas.openxmlformats.org/presentationml/2006/main">
+  <p:cSld>
+    <p:spTree>
+      <p:nvGrpSpPr>
+        <p:cNvPr id="1" name=""/>
+        <p:cNvGrpSpPr/>
+        <p:nvPr/>
+      </p:nvGrpSpPr>
+      <p:grpSpPr>
+        <a:xfrm>
+          <a:off x="0" y="0"/>
+          <a:ext cx="0" cy="0"/>
+          <a:chOff x="0" y="0"/>
+          <a:chExt cx="0" cy="0"/>
+        </a:xfrm>
+      </p:grpSpPr>
+      <mc:AlternateContent xmlns:mc="http://schemas.openxmlformats.org/markup-compatibility/2006">
+        <mc:Choice xmlns:a14="http://schemas.microsoft.com/office/drawing/2010/main" Requires="a14">
+          <p:sp>
+            <p:nvSpPr>
+              <p:cNvPr id="3" name="内容占位符 2"/>
+              <p:cNvSpPr>
+                <a:spLocks noGrp="1"/>
+              </p:cNvSpPr>
+              <p:nvPr>
+                <p:ph idx="1"/>
+              </p:nvPr>
+            </p:nvSpPr>
+            <p:spPr>
+              <a:xfrm>
+                <a:off x="776654" y="761756"/>
+                <a:ext cx="10515600" cy="4351338"/>
+              </a:xfrm>
+            </p:spPr>
+            <p:txBody>
+              <a:bodyPr>
+                <a:normAutofit/>
+              </a:bodyPr>
+              <a:lstStyle/>
+              <a:p>
+                <a:r>
+                  <a:rPr lang="en-US" altLang="zh-CN" sz="1800" dirty="0" smtClean="0"/>
+                  <a:t>CDC  (</a:t>
+                </a:r>
+                <a:r>
+                  <a:rPr lang="zh-CN" altLang="en-US" sz="1800" dirty="0" smtClean="0"/>
+                  <a:t>用</a:t>
+                </a:r>
+                <a:r>
+                  <a:rPr lang="en-US" altLang="zh-CN" sz="1800" dirty="0" smtClean="0"/>
+                  <a:t>QN</a:t>
+                </a:r>
+                <a:r>
+                  <a:rPr lang="zh-CN" altLang="en-US" sz="1800" dirty="0" smtClean="0"/>
+                  <a:t>归一化</a:t>
+                </a:r>
+                <a:r>
+                  <a:rPr lang="en-US" altLang="zh-CN" sz="1800" dirty="0" smtClean="0"/>
+                  <a:t>)</a:t>
+                </a:r>
+              </a:p>
+              <a:p>
+                <a:pPr marL="0" indent="0">
+                  <a:buNone/>
+                </a:pPr>
+                <a14:m>
+                  <m:oMath xmlns:m="http://schemas.openxmlformats.org/officeDocument/2006/math">
+                    <m:sSub>
+                      <m:sSubPr>
+                        <m:ctrlPr>
+                          <a:rPr lang="en-US" altLang="zh-CN" sz="1800" i="1">
+                            <a:latin typeface="Cambria Math" panose="02040503050406030204" pitchFamily="18" charset="0"/>
+                          </a:rPr>
+                        </m:ctrlPr>
+                      </m:sSubPr>
+                      <m:e>
+                        <m:r>
+                          <a:rPr lang="en-US" altLang="zh-CN" sz="1800" i="1">
+                            <a:latin typeface="Cambria Math" panose="02040503050406030204" pitchFamily="18" charset="0"/>
+                          </a:rPr>
+                          <m:t>𝐿</m:t>
+                        </m:r>
+                      </m:e>
+                      <m:sub>
+                        <m:r>
+                          <m:rPr>
+                            <m:sty m:val="p"/>
+                          </m:rPr>
+                          <a:rPr lang="en-US" altLang="zh-CN" sz="1800" i="1">
+                            <a:latin typeface="Cambria Math" panose="02040503050406030204" pitchFamily="18" charset="0"/>
+                          </a:rPr>
+                          <m:t>c</m:t>
+                        </m:r>
+                        <m:r>
+                          <a:rPr lang="en-US" altLang="zh-CN" sz="1800" i="1">
+                            <a:latin typeface="Cambria Math" panose="02040503050406030204" pitchFamily="18" charset="0"/>
+                          </a:rPr>
+                          <m:t>𝑜𝑑𝑒𝑑</m:t>
+                        </m:r>
+                      </m:sub>
+                    </m:sSub>
+                    <m:d>
+                      <m:dPr>
+                        <m:ctrlPr>
+                          <a:rPr lang="en-US" altLang="zh-CN" sz="1800" i="1">
+                            <a:latin typeface="Cambria Math" panose="02040503050406030204" pitchFamily="18" charset="0"/>
+                          </a:rPr>
+                        </m:ctrlPr>
+                      </m:dPr>
+                      <m:e>
+                        <m:r>
+                          <m:rPr>
+                            <m:sty m:val="p"/>
+                          </m:rPr>
+                          <a:rPr lang="en-US" altLang="zh-CN" sz="1800">
+                            <a:latin typeface="Cambria Math" panose="02040503050406030204" pitchFamily="18" charset="0"/>
+                          </a:rPr>
+                          <m:t>r</m:t>
+                        </m:r>
+                      </m:e>
+                    </m:d>
+                    <m:r>
+                      <a:rPr lang="en-US" altLang="zh-CN" sz="1800">
+                        <a:latin typeface="Cambria Math" panose="02040503050406030204" pitchFamily="18" charset="0"/>
+                      </a:rPr>
+                      <m:t>=</m:t>
+                    </m:r>
+                    <m:f>
+                      <m:fPr>
+                        <m:ctrlPr>
+                          <a:rPr lang="en-US" altLang="zh-CN" sz="1800" i="1">
+                            <a:latin typeface="Cambria Math" panose="02040503050406030204" pitchFamily="18" charset="0"/>
+                          </a:rPr>
+                        </m:ctrlPr>
+                      </m:fPr>
+                      <m:num>
+                        <m:r>
+                          <a:rPr lang="en-US" altLang="zh-CN" sz="1800" i="1">
+                            <a:latin typeface="Cambria Math" panose="02040503050406030204" pitchFamily="18" charset="0"/>
+                          </a:rPr>
+                          <m:t>1</m:t>
+                        </m:r>
+                      </m:num>
+                      <m:den>
+                        <m:r>
+                          <a:rPr lang="en-US" altLang="zh-CN" sz="1800" i="1">
+                            <a:latin typeface="Cambria Math" panose="02040503050406030204" pitchFamily="18" charset="0"/>
+                          </a:rPr>
+                          <m:t>𝑟</m:t>
+                        </m:r>
+                      </m:den>
+                    </m:f>
+                    <m:r>
+                      <a:rPr lang="en-US" altLang="zh-CN" sz="1800">
+                        <a:latin typeface="Cambria Math" panose="02040503050406030204" pitchFamily="18" charset="0"/>
+                      </a:rPr>
+                      <m:t>(1−</m:t>
+                    </m:r>
+                    <m:f>
+                      <m:fPr>
+                        <m:ctrlPr>
+                          <a:rPr lang="en-US" altLang="zh-CN" sz="1800" i="1">
+                            <a:latin typeface="Cambria Math" panose="02040503050406030204" pitchFamily="18" charset="0"/>
+                          </a:rPr>
+                        </m:ctrlPr>
+                      </m:fPr>
+                      <m:num>
+                        <m:r>
+                          <m:rPr>
+                            <m:sty m:val="p"/>
+                          </m:rPr>
+                          <a:rPr lang="en-US" altLang="zh-CN" sz="1800">
+                            <a:latin typeface="Cambria Math" panose="02040503050406030204" pitchFamily="18" charset="0"/>
+                          </a:rPr>
+                          <m:t>r</m:t>
+                        </m:r>
+                      </m:num>
+                      <m:den>
+                        <m:r>
+                          <m:rPr>
+                            <m:sty m:val="p"/>
+                          </m:rPr>
+                          <a:rPr lang="en-US" altLang="zh-CN" sz="1800">
+                            <a:latin typeface="Cambria Math" panose="02040503050406030204" pitchFamily="18" charset="0"/>
+                          </a:rPr>
+                          <m:t>k</m:t>
+                        </m:r>
+                      </m:den>
+                    </m:f>
+                    <m:r>
+                      <a:rPr lang="en-US" altLang="zh-CN" sz="1800">
+                        <a:latin typeface="Cambria Math" panose="02040503050406030204" pitchFamily="18" charset="0"/>
+                      </a:rPr>
+                      <m:t>)</m:t>
+                    </m:r>
+                  </m:oMath>
+                </a14:m>
+                <a:r>
+                  <a:rPr lang="en-US" altLang="zh-CN" sz="1800" dirty="0" smtClean="0"/>
+                  <a:t>      </a:t>
+                </a:r>
+                <a14:m>
+                  <m:oMath xmlns:m="http://schemas.openxmlformats.org/officeDocument/2006/math">
+                    <m:d>
+                      <m:dPr>
+                        <m:ctrlPr>
+                          <a:rPr lang="en-US" altLang="zh-CN" sz="1800" i="1" dirty="0">
+                            <a:latin typeface="Cambria Math" panose="02040503050406030204" pitchFamily="18" charset="0"/>
+                          </a:rPr>
+                        </m:ctrlPr>
+                      </m:dPr>
+                      <m:e>
+                        <m:f>
+                          <m:fPr>
+                            <m:type m:val="noBar"/>
+                            <m:ctrlPr>
+                              <a:rPr lang="en-US" altLang="zh-CN" sz="1800" i="1" dirty="0">
+                                <a:latin typeface="Cambria Math" panose="02040503050406030204" pitchFamily="18" charset="0"/>
+                              </a:rPr>
+                            </m:ctrlPr>
+                          </m:fPr>
+                          <m:num>
+                            <m:r>
+                              <a:rPr lang="en-US" altLang="zh-CN" sz="1800" i="1" dirty="0">
+                                <a:latin typeface="Cambria Math" panose="02040503050406030204" pitchFamily="18" charset="0"/>
+                              </a:rPr>
+                              <m:t>𝑘</m:t>
+                            </m:r>
+                          </m:num>
+                          <m:den>
+                            <m:r>
+                              <a:rPr lang="en-US" altLang="zh-CN" sz="1800" i="1" dirty="0">
+                                <a:latin typeface="Cambria Math" panose="02040503050406030204" pitchFamily="18" charset="0"/>
+                              </a:rPr>
+                              <m:t>𝑟</m:t>
+                            </m:r>
+                            <m:r>
+                              <a:rPr lang="en-US" altLang="zh-CN" sz="1800" i="1" dirty="0">
+                                <a:latin typeface="Cambria Math" panose="02040503050406030204" pitchFamily="18" charset="0"/>
+                              </a:rPr>
+                              <m:t>+1</m:t>
+                            </m:r>
+                          </m:den>
+                        </m:f>
+                      </m:e>
+                    </m:d>
+                    <m:r>
+                      <a:rPr lang="en-US" altLang="zh-CN" sz="1800" i="1" dirty="0">
+                        <a:latin typeface="Cambria Math" panose="02040503050406030204" pitchFamily="18" charset="0"/>
+                      </a:rPr>
+                      <m:t> </m:t>
+                    </m:r>
+                    <m:f>
+                      <m:fPr>
+                        <m:ctrlPr>
+                          <a:rPr lang="en-US" altLang="zh-CN" sz="1800" i="1" dirty="0">
+                            <a:latin typeface="Cambria Math" panose="02040503050406030204" pitchFamily="18" charset="0"/>
+                          </a:rPr>
+                        </m:ctrlPr>
+                      </m:fPr>
+                      <m:num>
+                        <m:r>
+                          <a:rPr lang="en-US" altLang="zh-CN" sz="1800" i="1" dirty="0">
+                            <a:latin typeface="Cambria Math" panose="02040503050406030204" pitchFamily="18" charset="0"/>
+                          </a:rPr>
+                          <m:t>𝐵</m:t>
+                        </m:r>
+                      </m:num>
+                      <m:den>
+                        <m:r>
+                          <a:rPr lang="en-US" altLang="zh-CN" sz="1800" i="1" dirty="0">
+                            <a:latin typeface="Cambria Math" panose="02040503050406030204" pitchFamily="18" charset="0"/>
+                          </a:rPr>
+                          <m:t>𝑟</m:t>
+                        </m:r>
+                      </m:den>
+                    </m:f>
+                    <m:d>
+                      <m:dPr>
+                        <m:ctrlPr>
+                          <a:rPr lang="en-US" altLang="zh-CN" sz="1800" i="1" dirty="0">
+                            <a:latin typeface="Cambria Math" panose="02040503050406030204" pitchFamily="18" charset="0"/>
+                          </a:rPr>
+                        </m:ctrlPr>
+                      </m:dPr>
+                      <m:e>
+                        <m:r>
+                          <a:rPr lang="en-US" altLang="zh-CN" sz="1800" i="1" dirty="0">
+                            <a:latin typeface="Cambria Math" panose="02040503050406030204" pitchFamily="18" charset="0"/>
+                          </a:rPr>
+                          <m:t>𝑟</m:t>
+                        </m:r>
+                        <m:r>
+                          <a:rPr lang="en-US" altLang="zh-CN" sz="1800" i="1" dirty="0">
+                            <a:latin typeface="Cambria Math" panose="02040503050406030204" pitchFamily="18" charset="0"/>
+                          </a:rPr>
+                          <m:t>+1</m:t>
+                        </m:r>
+                      </m:e>
+                    </m:d>
+                    <m:r>
+                      <a:rPr lang="en-US" altLang="zh-CN" sz="1800" i="1" dirty="0">
+                        <a:latin typeface="Cambria Math" panose="02040503050406030204" pitchFamily="18" charset="0"/>
+                      </a:rPr>
+                      <m:t> </m:t>
+                    </m:r>
+                    <m:f>
+                      <m:fPr>
+                        <m:ctrlPr>
+                          <a:rPr lang="en-US" altLang="zh-CN" sz="1800" i="1" dirty="0">
+                            <a:latin typeface="Cambria Math" panose="02040503050406030204" pitchFamily="18" charset="0"/>
+                          </a:rPr>
+                        </m:ctrlPr>
+                      </m:fPr>
+                      <m:num>
+                        <m:r>
+                          <a:rPr lang="en-US" altLang="zh-CN" sz="1800" i="1" dirty="0">
+                            <a:latin typeface="Cambria Math" panose="02040503050406030204" pitchFamily="18" charset="0"/>
+                          </a:rPr>
+                          <m:t>𝑄</m:t>
+                        </m:r>
+                      </m:num>
+                      <m:den>
+                        <m:r>
+                          <a:rPr lang="en-US" altLang="zh-CN" sz="1800" i="1" dirty="0">
+                            <a:latin typeface="Cambria Math" panose="02040503050406030204" pitchFamily="18" charset="0"/>
+                          </a:rPr>
+                          <m:t>𝐾</m:t>
+                        </m:r>
+                      </m:den>
+                    </m:f>
+                    <m:r>
+                      <a:rPr lang="en-US" altLang="zh-CN" sz="1800" dirty="0">
+                        <a:latin typeface="Cambria Math" panose="02040503050406030204" pitchFamily="18" charset="0"/>
+                      </a:rPr>
+                      <m:t>=</m:t>
+                    </m:r>
+                    <m:d>
+                      <m:dPr>
+                        <m:ctrlPr>
+                          <a:rPr lang="en-US" altLang="zh-CN" sz="1800" i="1" dirty="0">
+                            <a:latin typeface="Cambria Math" panose="02040503050406030204" pitchFamily="18" charset="0"/>
+                          </a:rPr>
+                        </m:ctrlPr>
+                      </m:dPr>
+                      <m:e>
+                        <m:f>
+                          <m:fPr>
+                            <m:type m:val="noBar"/>
+                            <m:ctrlPr>
+                              <a:rPr lang="en-US" altLang="zh-CN" sz="1800" i="1" dirty="0">
+                                <a:latin typeface="Cambria Math" panose="02040503050406030204" pitchFamily="18" charset="0"/>
+                              </a:rPr>
+                            </m:ctrlPr>
+                          </m:fPr>
+                          <m:num>
+                            <m:r>
+                              <a:rPr lang="en-US" altLang="zh-CN" sz="1800" i="1" dirty="0">
+                                <a:latin typeface="Cambria Math" panose="02040503050406030204" pitchFamily="18" charset="0"/>
+                              </a:rPr>
+                              <m:t>𝑘</m:t>
+                            </m:r>
+                          </m:num>
+                          <m:den>
+                            <m:r>
+                              <a:rPr lang="en-US" altLang="zh-CN" sz="1800" i="1" dirty="0">
+                                <a:latin typeface="Cambria Math" panose="02040503050406030204" pitchFamily="18" charset="0"/>
+                              </a:rPr>
+                              <m:t>𝑟</m:t>
+                            </m:r>
+                            <m:r>
+                              <a:rPr lang="en-US" altLang="zh-CN" sz="1800" i="1" dirty="0">
+                                <a:latin typeface="Cambria Math" panose="02040503050406030204" pitchFamily="18" charset="0"/>
+                              </a:rPr>
+                              <m:t>+1</m:t>
+                            </m:r>
+                          </m:den>
+                        </m:f>
+                      </m:e>
+                    </m:d>
+                    <m:r>
+                      <a:rPr lang="en-US" altLang="zh-CN" sz="1800" i="1" dirty="0">
+                        <a:latin typeface="Cambria Math" panose="02040503050406030204" pitchFamily="18" charset="0"/>
+                      </a:rPr>
+                      <m:t> </m:t>
+                    </m:r>
+                    <m:f>
+                      <m:fPr>
+                        <m:ctrlPr>
+                          <a:rPr lang="en-US" altLang="zh-CN" sz="1800" i="1" dirty="0">
+                            <a:latin typeface="Cambria Math" panose="02040503050406030204" pitchFamily="18" charset="0"/>
+                          </a:rPr>
+                        </m:ctrlPr>
+                      </m:fPr>
+                      <m:num>
+                        <m:r>
+                          <a:rPr lang="en-US" altLang="zh-CN" sz="1800" i="1" dirty="0">
+                            <a:latin typeface="Cambria Math" panose="02040503050406030204" pitchFamily="18" charset="0"/>
+                          </a:rPr>
+                          <m:t>𝑁</m:t>
+                        </m:r>
+                      </m:num>
+                      <m:den>
+                        <m:r>
+                          <a:rPr lang="en-US" altLang="zh-CN" sz="1800" i="1" dirty="0">
+                            <a:latin typeface="Cambria Math" panose="02040503050406030204" pitchFamily="18" charset="0"/>
+                          </a:rPr>
+                          <m:t>𝑟</m:t>
+                        </m:r>
+                        <m:d>
+                          <m:dPr>
+                            <m:ctrlPr>
+                              <a:rPr lang="en-US" altLang="zh-CN" sz="1800" i="1" dirty="0">
+                                <a:latin typeface="Cambria Math" panose="02040503050406030204" pitchFamily="18" charset="0"/>
+                              </a:rPr>
+                            </m:ctrlPr>
+                          </m:dPr>
+                          <m:e>
+                            <m:f>
+                              <m:fPr>
+                                <m:type m:val="noBar"/>
+                                <m:ctrlPr>
+                                  <a:rPr lang="en-US" altLang="zh-CN" sz="1800" i="1" dirty="0">
+                                    <a:latin typeface="Cambria Math" panose="02040503050406030204" pitchFamily="18" charset="0"/>
+                                  </a:rPr>
+                                </m:ctrlPr>
+                              </m:fPr>
+                              <m:num>
+                                <m:r>
+                                  <a:rPr lang="en-US" altLang="zh-CN" sz="1800" i="1" dirty="0">
+                                    <a:latin typeface="Cambria Math" panose="02040503050406030204" pitchFamily="18" charset="0"/>
+                                  </a:rPr>
+                                  <m:t>𝑘</m:t>
+                                </m:r>
+                              </m:num>
+                              <m:den>
+                                <m:r>
+                                  <a:rPr lang="en-US" altLang="zh-CN" sz="1800" i="1" dirty="0">
+                                    <a:latin typeface="Cambria Math" panose="02040503050406030204" pitchFamily="18" charset="0"/>
+                                  </a:rPr>
+                                  <m:t>𝑟</m:t>
+                                </m:r>
+                              </m:den>
+                            </m:f>
+                          </m:e>
+                        </m:d>
+                      </m:den>
+                    </m:f>
+                    <m:d>
+                      <m:dPr>
+                        <m:ctrlPr>
+                          <a:rPr lang="en-US" altLang="zh-CN" sz="1800" i="1" dirty="0">
+                            <a:latin typeface="Cambria Math" panose="02040503050406030204" pitchFamily="18" charset="0"/>
+                          </a:rPr>
+                        </m:ctrlPr>
+                      </m:dPr>
+                      <m:e>
+                        <m:r>
+                          <a:rPr lang="en-US" altLang="zh-CN" sz="1800" i="1" dirty="0">
+                            <a:latin typeface="Cambria Math" panose="02040503050406030204" pitchFamily="18" charset="0"/>
+                          </a:rPr>
+                          <m:t>𝑟</m:t>
+                        </m:r>
+                        <m:r>
+                          <a:rPr lang="en-US" altLang="zh-CN" sz="1800" i="1" dirty="0">
+                            <a:latin typeface="Cambria Math" panose="02040503050406030204" pitchFamily="18" charset="0"/>
+                          </a:rPr>
+                          <m:t>+1</m:t>
+                        </m:r>
+                      </m:e>
+                    </m:d>
+                    <m:r>
+                      <a:rPr lang="en-US" altLang="zh-CN" sz="1800" i="1" dirty="0">
+                        <a:latin typeface="Cambria Math" panose="02040503050406030204" pitchFamily="18" charset="0"/>
+                      </a:rPr>
+                      <m:t> </m:t>
+                    </m:r>
+                    <m:f>
+                      <m:fPr>
+                        <m:ctrlPr>
+                          <a:rPr lang="en-US" altLang="zh-CN" sz="1800" i="1" dirty="0">
+                            <a:latin typeface="Cambria Math" panose="02040503050406030204" pitchFamily="18" charset="0"/>
+                          </a:rPr>
+                        </m:ctrlPr>
+                      </m:fPr>
+                      <m:num>
+                        <m:r>
+                          <a:rPr lang="en-US" altLang="zh-CN" sz="1800" i="1" dirty="0">
+                            <a:latin typeface="Cambria Math" panose="02040503050406030204" pitchFamily="18" charset="0"/>
+                          </a:rPr>
+                          <m:t>𝑄</m:t>
+                        </m:r>
+                      </m:num>
+                      <m:den>
+                        <m:r>
+                          <a:rPr lang="en-US" altLang="zh-CN" sz="1800" i="1" dirty="0">
+                            <a:latin typeface="Cambria Math" panose="02040503050406030204" pitchFamily="18" charset="0"/>
+                          </a:rPr>
+                          <m:t>𝐾</m:t>
+                        </m:r>
+                      </m:den>
+                    </m:f>
+                    <m:r>
+                      <a:rPr lang="en-US" altLang="zh-CN" sz="1800" i="1" dirty="0">
+                        <a:latin typeface="Cambria Math" panose="02040503050406030204" pitchFamily="18" charset="0"/>
+                      </a:rPr>
+                      <m:t>=</m:t>
+                    </m:r>
+                    <m:r>
+                      <a:rPr lang="en-US" altLang="zh-CN" sz="1800" i="1" dirty="0" smtClean="0">
+                        <a:solidFill>
+                          <a:srgbClr val="FF0000"/>
+                        </a:solidFill>
+                        <a:latin typeface="Cambria Math" panose="02040503050406030204" pitchFamily="18" charset="0"/>
+                      </a:rPr>
+                      <m:t>𝑁𝑄</m:t>
+                    </m:r>
+                    <m:f>
+                      <m:fPr>
+                        <m:ctrlPr>
+                          <a:rPr lang="en-US" altLang="zh-CN" sz="1800" i="1" dirty="0">
+                            <a:latin typeface="Cambria Math" panose="02040503050406030204" pitchFamily="18" charset="0"/>
+                          </a:rPr>
+                        </m:ctrlPr>
+                      </m:fPr>
+                      <m:num>
+                        <m:r>
+                          <a:rPr lang="en-US" altLang="zh-CN" sz="1800" i="1" dirty="0">
+                            <a:latin typeface="Cambria Math" panose="02040503050406030204" pitchFamily="18" charset="0"/>
+                          </a:rPr>
+                          <m:t>𝐾</m:t>
+                        </m:r>
+                        <m:r>
+                          <a:rPr lang="en-US" altLang="zh-CN" sz="1800" i="1" dirty="0">
+                            <a:latin typeface="Cambria Math" panose="02040503050406030204" pitchFamily="18" charset="0"/>
+                          </a:rPr>
+                          <m:t>−</m:t>
+                        </m:r>
+                        <m:r>
+                          <a:rPr lang="en-US" altLang="zh-CN" sz="1800" i="1" dirty="0">
+                            <a:latin typeface="Cambria Math" panose="02040503050406030204" pitchFamily="18" charset="0"/>
+                          </a:rPr>
+                          <m:t>𝑟</m:t>
+                        </m:r>
+                      </m:num>
+                      <m:den>
+                        <m:r>
+                          <a:rPr lang="en-US" altLang="zh-CN" sz="1800" i="1" dirty="0">
+                            <a:latin typeface="Cambria Math" panose="02040503050406030204" pitchFamily="18" charset="0"/>
+                          </a:rPr>
+                          <m:t>𝑟</m:t>
+                        </m:r>
+                        <m:r>
+                          <a:rPr lang="en-US" altLang="zh-CN" sz="1800" i="1" dirty="0">
+                            <a:latin typeface="Cambria Math" panose="02040503050406030204" pitchFamily="18" charset="0"/>
+                          </a:rPr>
+                          <m:t>(</m:t>
+                        </m:r>
+                        <m:r>
+                          <a:rPr lang="en-US" altLang="zh-CN" sz="1800" i="1" dirty="0">
+                            <a:latin typeface="Cambria Math" panose="02040503050406030204" pitchFamily="18" charset="0"/>
+                          </a:rPr>
+                          <m:t>𝑟</m:t>
+                        </m:r>
+                        <m:r>
+                          <a:rPr lang="en-US" altLang="zh-CN" sz="1800" i="1" dirty="0">
+                            <a:latin typeface="Cambria Math" panose="02040503050406030204" pitchFamily="18" charset="0"/>
+                          </a:rPr>
+                          <m:t>+1)</m:t>
+                        </m:r>
+                      </m:den>
+                    </m:f>
+                    <m:r>
+                      <a:rPr lang="en-US" altLang="zh-CN" sz="1800" i="1" dirty="0">
+                        <a:latin typeface="Cambria Math" panose="02040503050406030204" pitchFamily="18" charset="0"/>
+                      </a:rPr>
+                      <m:t>(</m:t>
+                    </m:r>
+                    <m:r>
+                      <a:rPr lang="en-US" altLang="zh-CN" sz="1800" i="1" dirty="0">
+                        <a:latin typeface="Cambria Math" panose="02040503050406030204" pitchFamily="18" charset="0"/>
+                      </a:rPr>
+                      <m:t>𝑟</m:t>
+                    </m:r>
+                    <m:r>
+                      <a:rPr lang="en-US" altLang="zh-CN" sz="1800" i="1" dirty="0">
+                        <a:latin typeface="Cambria Math" panose="02040503050406030204" pitchFamily="18" charset="0"/>
+                      </a:rPr>
+                      <m:t>+1)</m:t>
+                    </m:r>
+                  </m:oMath>
+                </a14:m>
+                <a:r>
+                  <a:rPr lang="en-US" altLang="zh-CN" sz="1800" dirty="0"/>
+                  <a:t> </a:t>
+                </a:r>
+                <a14:m>
+                  <m:oMath xmlns:m="http://schemas.openxmlformats.org/officeDocument/2006/math">
+                    <m:f>
+                      <m:fPr>
+                        <m:ctrlPr>
+                          <a:rPr lang="en-US" altLang="zh-CN" sz="1800" i="1" dirty="0">
+                            <a:latin typeface="Cambria Math" panose="02040503050406030204" pitchFamily="18" charset="0"/>
+                          </a:rPr>
+                        </m:ctrlPr>
+                      </m:fPr>
+                      <m:num>
+                        <m:r>
+                          <a:rPr lang="en-US" altLang="zh-CN" sz="1800" i="1" dirty="0">
+                            <a:latin typeface="Cambria Math" panose="02040503050406030204" pitchFamily="18" charset="0"/>
+                          </a:rPr>
+                          <m:t>1</m:t>
+                        </m:r>
+                      </m:num>
+                      <m:den>
+                        <m:r>
+                          <a:rPr lang="en-US" altLang="zh-CN" sz="1800" i="1" dirty="0">
+                            <a:latin typeface="Cambria Math" panose="02040503050406030204" pitchFamily="18" charset="0"/>
+                          </a:rPr>
+                          <m:t>𝐾</m:t>
+                        </m:r>
+                      </m:den>
+                    </m:f>
+                  </m:oMath>
+                </a14:m>
+                <a:endParaRPr lang="en-US" altLang="zh-CN" sz="1800" dirty="0" smtClean="0"/>
+              </a:p>
+              <a:p>
+                <a:pPr marL="0" indent="0">
+                  <a:buNone/>
+                </a:pPr>
+                <a:endParaRPr lang="en-US" altLang="zh-CN" sz="1800" dirty="0"/>
+              </a:p>
+              <a:p>
+                <a:r>
+                  <a:rPr lang="zh-CN" altLang="en-US" sz="1800" dirty="0" smtClean="0"/>
+                  <a:t>上行下行</a:t>
+                </a:r>
+                <a:r>
+                  <a:rPr lang="en-US" altLang="zh-CN" sz="1800" dirty="0" smtClean="0"/>
+                  <a:t>(Q=K</a:t>
+                </a:r>
+                <a:r>
+                  <a:rPr lang="zh-CN" altLang="en-US" sz="1800" dirty="0" smtClean="0"/>
+                  <a:t>，每个用户处理一个</a:t>
+                </a:r>
+                <a:r>
+                  <a:rPr lang="en-US" altLang="zh-CN" sz="1800" dirty="0" smtClean="0"/>
+                  <a:t>output function</a:t>
+                </a:r>
+                <a:r>
+                  <a:rPr lang="zh-CN" altLang="en-US" sz="1800" dirty="0" smtClean="0"/>
+                  <a:t>，用</a:t>
+                </a:r>
+                <a:r>
+                  <a:rPr lang="en-US" altLang="zh-CN" sz="1800" dirty="0" smtClean="0"/>
+                  <a:t>N</a:t>
+                </a:r>
+                <a:r>
+                  <a:rPr lang="zh-CN" altLang="en-US" sz="1800" dirty="0" smtClean="0"/>
+                  <a:t>归一化</a:t>
+                </a:r>
+                <a:r>
+                  <a:rPr lang="en-US" altLang="zh-CN" sz="1800" dirty="0" smtClean="0"/>
+                  <a:t>)</a:t>
+                </a:r>
+              </a:p>
+              <a:p>
+                <a:pPr marL="0" indent="0">
+                  <a:buNone/>
+                </a:pPr>
+                <a14:m>
+                  <m:oMath xmlns:m="http://schemas.openxmlformats.org/officeDocument/2006/math">
+                    <m:sSub>
+                      <m:sSubPr>
+                        <m:ctrlPr>
+                          <a:rPr lang="en-US" altLang="zh-CN" sz="1800" i="1">
+                            <a:latin typeface="Cambria Math" panose="02040503050406030204" pitchFamily="18" charset="0"/>
+                          </a:rPr>
+                        </m:ctrlPr>
+                      </m:sSubPr>
+                      <m:e>
+                        <m:r>
+                          <a:rPr lang="en-US" altLang="zh-CN" sz="1800" i="1">
+                            <a:latin typeface="Cambria Math" panose="02040503050406030204" pitchFamily="18" charset="0"/>
+                          </a:rPr>
+                          <m:t>𝐿</m:t>
+                        </m:r>
+                      </m:e>
+                      <m:sub>
+                        <m:r>
+                          <m:rPr>
+                            <m:sty m:val="p"/>
+                          </m:rPr>
+                          <a:rPr lang="en-US" altLang="zh-CN" sz="1800" i="1">
+                            <a:latin typeface="Cambria Math" panose="02040503050406030204" pitchFamily="18" charset="0"/>
+                          </a:rPr>
+                          <m:t>c</m:t>
+                        </m:r>
+                        <m:r>
+                          <a:rPr lang="en-US" altLang="zh-CN" sz="1800" i="1">
+                            <a:latin typeface="Cambria Math" panose="02040503050406030204" pitchFamily="18" charset="0"/>
+                          </a:rPr>
+                          <m:t>𝑜𝑑𝑒𝑑</m:t>
+                        </m:r>
+                      </m:sub>
+                    </m:sSub>
+                    <m:d>
+                      <m:dPr>
+                        <m:ctrlPr>
+                          <a:rPr lang="en-US" altLang="zh-CN" sz="1800" i="1">
+                            <a:latin typeface="Cambria Math" panose="02040503050406030204" pitchFamily="18" charset="0"/>
+                          </a:rPr>
+                        </m:ctrlPr>
+                      </m:dPr>
+                      <m:e>
+                        <m:r>
+                          <m:rPr>
+                            <m:sty m:val="p"/>
+                          </m:rPr>
+                          <a:rPr lang="en-US" altLang="zh-CN" sz="1800">
+                            <a:latin typeface="Cambria Math" panose="02040503050406030204" pitchFamily="18" charset="0"/>
+                          </a:rPr>
+                          <m:t>r</m:t>
+                        </m:r>
+                      </m:e>
+                    </m:d>
+                    <m:r>
+                      <a:rPr lang="en-US" altLang="zh-CN" sz="1800">
+                        <a:latin typeface="Cambria Math" panose="02040503050406030204" pitchFamily="18" charset="0"/>
+                      </a:rPr>
+                      <m:t>=</m:t>
+                    </m:r>
+                    <m:r>
+                      <a:rPr lang="en-US" altLang="zh-CN" sz="1800" i="1" smtClean="0">
+                        <a:latin typeface="Cambria Math" panose="02040503050406030204" pitchFamily="18" charset="0"/>
+                      </a:rPr>
+                      <m:t> </m:t>
+                    </m:r>
+                    <m:r>
+                      <a:rPr lang="en-US" altLang="zh-CN" sz="1800">
+                        <a:latin typeface="Cambria Math" panose="02040503050406030204" pitchFamily="18" charset="0"/>
+                      </a:rPr>
+                      <m:t>(</m:t>
+                    </m:r>
+                    <m:f>
+                      <m:fPr>
+                        <m:ctrlPr>
+                          <a:rPr lang="en-US" altLang="zh-CN" sz="1800" i="1">
+                            <a:latin typeface="Cambria Math" panose="02040503050406030204" pitchFamily="18" charset="0"/>
+                          </a:rPr>
+                        </m:ctrlPr>
+                      </m:fPr>
+                      <m:num>
+                        <m:r>
+                          <a:rPr lang="en-US" altLang="zh-CN" sz="1800" i="1">
+                            <a:latin typeface="Cambria Math" panose="02040503050406030204" pitchFamily="18" charset="0"/>
+                          </a:rPr>
+                          <m:t>1</m:t>
+                        </m:r>
+                      </m:num>
+                      <m:den>
+                        <m:r>
+                          <m:rPr>
+                            <m:sty m:val="p"/>
+                          </m:rPr>
+                          <a:rPr lang="en-US" altLang="zh-CN" sz="1800" i="1">
+                            <a:latin typeface="Cambria Math" panose="02040503050406030204" pitchFamily="18" charset="0"/>
+                          </a:rPr>
+                          <m:t>μ</m:t>
+                        </m:r>
+                      </m:den>
+                    </m:f>
+                    <m:r>
+                      <a:rPr lang="en-US" altLang="zh-CN" sz="1800" i="1">
+                        <a:latin typeface="Cambria Math" panose="02040503050406030204" pitchFamily="18" charset="0"/>
+                      </a:rPr>
+                      <m:t>-</m:t>
+                    </m:r>
+                    <m:r>
+                      <a:rPr lang="en-US" altLang="zh-CN" sz="1800" i="1">
+                        <a:latin typeface="Cambria Math" panose="02040503050406030204" pitchFamily="18" charset="0"/>
+                      </a:rPr>
+                      <m:t>1</m:t>
+                    </m:r>
+                    <m:r>
+                      <a:rPr lang="en-US" altLang="zh-CN" sz="1800">
+                        <a:latin typeface="Cambria Math" panose="02040503050406030204" pitchFamily="18" charset="0"/>
+                      </a:rPr>
+                      <m:t>)</m:t>
+                    </m:r>
+                  </m:oMath>
+                </a14:m>
+                <a:r>
+                  <a:rPr lang="en-US" altLang="zh-CN" sz="1800" dirty="0"/>
+                  <a:t> </a:t>
+                </a:r>
+                <a:r>
+                  <a:rPr lang="en-US" altLang="zh-CN" sz="1800" dirty="0" smtClean="0"/>
+                  <a:t>     </a:t>
+                </a:r>
+                <a14:m>
+                  <m:oMath xmlns:m="http://schemas.openxmlformats.org/officeDocument/2006/math">
+                    <m:d>
+                      <m:dPr>
+                        <m:ctrlPr>
+                          <a:rPr lang="en-US" altLang="zh-CN" sz="1800" i="1" dirty="0">
+                            <a:latin typeface="Cambria Math" panose="02040503050406030204" pitchFamily="18" charset="0"/>
+                          </a:rPr>
+                        </m:ctrlPr>
+                      </m:dPr>
+                      <m:e>
+                        <m:f>
+                          <m:fPr>
+                            <m:type m:val="noBar"/>
+                            <m:ctrlPr>
+                              <a:rPr lang="en-US" altLang="zh-CN" sz="1800" i="1" dirty="0">
+                                <a:latin typeface="Cambria Math" panose="02040503050406030204" pitchFamily="18" charset="0"/>
+                              </a:rPr>
+                            </m:ctrlPr>
+                          </m:fPr>
+                          <m:num>
+                            <m:r>
+                              <a:rPr lang="en-US" altLang="zh-CN" sz="1800" i="1" dirty="0">
+                                <a:latin typeface="Cambria Math" panose="02040503050406030204" pitchFamily="18" charset="0"/>
+                              </a:rPr>
+                              <m:t>𝑘</m:t>
+                            </m:r>
+                          </m:num>
+                          <m:den>
+                            <m:r>
+                              <a:rPr lang="en-US" altLang="zh-CN" sz="1800" i="1" dirty="0">
+                                <a:latin typeface="Cambria Math" panose="02040503050406030204" pitchFamily="18" charset="0"/>
+                              </a:rPr>
+                              <m:t>𝑟</m:t>
+                            </m:r>
+                            <m:r>
+                              <a:rPr lang="en-US" altLang="zh-CN" sz="1800" i="1" dirty="0">
+                                <a:latin typeface="Cambria Math" panose="02040503050406030204" pitchFamily="18" charset="0"/>
+                              </a:rPr>
+                              <m:t>+1</m:t>
+                            </m:r>
+                          </m:den>
+                        </m:f>
+                      </m:e>
+                    </m:d>
+                    <m:r>
+                      <a:rPr lang="en-US" altLang="zh-CN" sz="1800" i="1" dirty="0">
+                        <a:latin typeface="Cambria Math" panose="02040503050406030204" pitchFamily="18" charset="0"/>
+                      </a:rPr>
+                      <m:t> </m:t>
+                    </m:r>
+                    <m:f>
+                      <m:fPr>
+                        <m:ctrlPr>
+                          <a:rPr lang="en-US" altLang="zh-CN" sz="1800" i="1" dirty="0">
+                            <a:latin typeface="Cambria Math" panose="02040503050406030204" pitchFamily="18" charset="0"/>
+                          </a:rPr>
+                        </m:ctrlPr>
+                      </m:fPr>
+                      <m:num>
+                        <m:r>
+                          <a:rPr lang="en-US" altLang="zh-CN" sz="1800" i="1" dirty="0">
+                            <a:latin typeface="Cambria Math" panose="02040503050406030204" pitchFamily="18" charset="0"/>
+                          </a:rPr>
+                          <m:t>𝐵</m:t>
+                        </m:r>
+                      </m:num>
+                      <m:den>
+                        <m:r>
+                          <a:rPr lang="en-US" altLang="zh-CN" sz="1800" i="1" dirty="0">
+                            <a:latin typeface="Cambria Math" panose="02040503050406030204" pitchFamily="18" charset="0"/>
+                          </a:rPr>
+                          <m:t>𝑟</m:t>
+                        </m:r>
+                      </m:den>
+                    </m:f>
+                    <m:d>
+                      <m:dPr>
+                        <m:ctrlPr>
+                          <a:rPr lang="en-US" altLang="zh-CN" sz="1800" i="1" dirty="0">
+                            <a:latin typeface="Cambria Math" panose="02040503050406030204" pitchFamily="18" charset="0"/>
+                          </a:rPr>
+                        </m:ctrlPr>
+                      </m:dPr>
+                      <m:e>
+                        <m:r>
+                          <a:rPr lang="en-US" altLang="zh-CN" sz="1800" i="1" dirty="0">
+                            <a:latin typeface="Cambria Math" panose="02040503050406030204" pitchFamily="18" charset="0"/>
+                          </a:rPr>
+                          <m:t>𝑟</m:t>
+                        </m:r>
+                        <m:r>
+                          <a:rPr lang="en-US" altLang="zh-CN" sz="1800" i="1" dirty="0">
+                            <a:latin typeface="Cambria Math" panose="02040503050406030204" pitchFamily="18" charset="0"/>
+                          </a:rPr>
+                          <m:t>+1</m:t>
+                        </m:r>
+                      </m:e>
+                    </m:d>
+                    <m:r>
+                      <a:rPr lang="en-US" altLang="zh-CN" sz="1800" i="1" dirty="0">
+                        <a:latin typeface="Cambria Math" panose="02040503050406030204" pitchFamily="18" charset="0"/>
+                      </a:rPr>
+                      <m:t> </m:t>
+                    </m:r>
+                    <m:f>
+                      <m:fPr>
+                        <m:ctrlPr>
+                          <a:rPr lang="en-US" altLang="zh-CN" sz="1800" i="1" dirty="0">
+                            <a:latin typeface="Cambria Math" panose="02040503050406030204" pitchFamily="18" charset="0"/>
+                          </a:rPr>
+                        </m:ctrlPr>
+                      </m:fPr>
+                      <m:num>
+                        <m:r>
+                          <a:rPr lang="en-US" altLang="zh-CN" sz="1800" i="1" dirty="0">
+                            <a:latin typeface="Cambria Math" panose="02040503050406030204" pitchFamily="18" charset="0"/>
+                          </a:rPr>
+                          <m:t>𝑄</m:t>
+                        </m:r>
+                      </m:num>
+                      <m:den>
+                        <m:r>
+                          <a:rPr lang="en-US" altLang="zh-CN" sz="1800" i="1" dirty="0">
+                            <a:latin typeface="Cambria Math" panose="02040503050406030204" pitchFamily="18" charset="0"/>
+                          </a:rPr>
+                          <m:t>𝐾</m:t>
+                        </m:r>
+                      </m:den>
+                    </m:f>
+                    <m:r>
+                      <a:rPr lang="en-US" altLang="zh-CN" sz="1800" dirty="0">
+                        <a:latin typeface="Cambria Math" panose="02040503050406030204" pitchFamily="18" charset="0"/>
+                      </a:rPr>
+                      <m:t>=</m:t>
+                    </m:r>
+                    <m:d>
+                      <m:dPr>
+                        <m:ctrlPr>
+                          <a:rPr lang="en-US" altLang="zh-CN" sz="1800" i="1" dirty="0">
+                            <a:latin typeface="Cambria Math" panose="02040503050406030204" pitchFamily="18" charset="0"/>
+                          </a:rPr>
+                        </m:ctrlPr>
+                      </m:dPr>
+                      <m:e>
+                        <m:f>
+                          <m:fPr>
+                            <m:type m:val="noBar"/>
+                            <m:ctrlPr>
+                              <a:rPr lang="en-US" altLang="zh-CN" sz="1800" i="1" dirty="0">
+                                <a:latin typeface="Cambria Math" panose="02040503050406030204" pitchFamily="18" charset="0"/>
+                              </a:rPr>
+                            </m:ctrlPr>
+                          </m:fPr>
+                          <m:num>
+                            <m:r>
+                              <a:rPr lang="en-US" altLang="zh-CN" sz="1800" i="1" dirty="0">
+                                <a:latin typeface="Cambria Math" panose="02040503050406030204" pitchFamily="18" charset="0"/>
+                              </a:rPr>
+                              <m:t>𝑘</m:t>
+                            </m:r>
+                          </m:num>
+                          <m:den>
+                            <m:r>
+                              <a:rPr lang="en-US" altLang="zh-CN" sz="1800" i="1" dirty="0">
+                                <a:latin typeface="Cambria Math" panose="02040503050406030204" pitchFamily="18" charset="0"/>
+                              </a:rPr>
+                              <m:t>𝑟</m:t>
+                            </m:r>
+                            <m:r>
+                              <a:rPr lang="en-US" altLang="zh-CN" sz="1800" i="1" dirty="0">
+                                <a:latin typeface="Cambria Math" panose="02040503050406030204" pitchFamily="18" charset="0"/>
+                              </a:rPr>
+                              <m:t>+1</m:t>
+                            </m:r>
+                          </m:den>
+                        </m:f>
+                      </m:e>
+                    </m:d>
+                    <m:r>
+                      <a:rPr lang="en-US" altLang="zh-CN" sz="1800" i="1" dirty="0">
+                        <a:latin typeface="Cambria Math" panose="02040503050406030204" pitchFamily="18" charset="0"/>
+                      </a:rPr>
+                      <m:t> </m:t>
+                    </m:r>
+                    <m:f>
+                      <m:fPr>
+                        <m:ctrlPr>
+                          <a:rPr lang="en-US" altLang="zh-CN" sz="1800" i="1" dirty="0">
+                            <a:latin typeface="Cambria Math" panose="02040503050406030204" pitchFamily="18" charset="0"/>
+                          </a:rPr>
+                        </m:ctrlPr>
+                      </m:fPr>
+                      <m:num>
+                        <m:r>
+                          <a:rPr lang="en-US" altLang="zh-CN" sz="1800" i="1" dirty="0">
+                            <a:latin typeface="Cambria Math" panose="02040503050406030204" pitchFamily="18" charset="0"/>
+                          </a:rPr>
+                          <m:t>𝑁</m:t>
+                        </m:r>
+                      </m:num>
+                      <m:den>
+                        <m:r>
+                          <a:rPr lang="en-US" altLang="zh-CN" sz="1800" i="1" dirty="0">
+                            <a:latin typeface="Cambria Math" panose="02040503050406030204" pitchFamily="18" charset="0"/>
+                          </a:rPr>
+                          <m:t>𝑟</m:t>
+                        </m:r>
+                        <m:d>
+                          <m:dPr>
+                            <m:ctrlPr>
+                              <a:rPr lang="en-US" altLang="zh-CN" sz="1800" i="1" dirty="0">
+                                <a:latin typeface="Cambria Math" panose="02040503050406030204" pitchFamily="18" charset="0"/>
+                              </a:rPr>
+                            </m:ctrlPr>
+                          </m:dPr>
+                          <m:e>
+                            <m:f>
+                              <m:fPr>
+                                <m:type m:val="noBar"/>
+                                <m:ctrlPr>
+                                  <a:rPr lang="en-US" altLang="zh-CN" sz="1800" i="1" dirty="0">
+                                    <a:latin typeface="Cambria Math" panose="02040503050406030204" pitchFamily="18" charset="0"/>
+                                  </a:rPr>
+                                </m:ctrlPr>
+                              </m:fPr>
+                              <m:num>
+                                <m:r>
+                                  <a:rPr lang="en-US" altLang="zh-CN" sz="1800" i="1" dirty="0">
+                                    <a:latin typeface="Cambria Math" panose="02040503050406030204" pitchFamily="18" charset="0"/>
+                                  </a:rPr>
+                                  <m:t>𝑘</m:t>
+                                </m:r>
+                              </m:num>
+                              <m:den>
+                                <m:r>
+                                  <a:rPr lang="en-US" altLang="zh-CN" sz="1800" i="1" dirty="0">
+                                    <a:latin typeface="Cambria Math" panose="02040503050406030204" pitchFamily="18" charset="0"/>
+                                  </a:rPr>
+                                  <m:t>𝑟</m:t>
+                                </m:r>
+                              </m:den>
+                            </m:f>
+                          </m:e>
+                        </m:d>
+                      </m:den>
+                    </m:f>
+                    <m:d>
+                      <m:dPr>
+                        <m:ctrlPr>
+                          <a:rPr lang="en-US" altLang="zh-CN" sz="1800" i="1" dirty="0">
+                            <a:latin typeface="Cambria Math" panose="02040503050406030204" pitchFamily="18" charset="0"/>
+                          </a:rPr>
+                        </m:ctrlPr>
+                      </m:dPr>
+                      <m:e>
+                        <m:r>
+                          <a:rPr lang="en-US" altLang="zh-CN" sz="1800" i="1" dirty="0">
+                            <a:latin typeface="Cambria Math" panose="02040503050406030204" pitchFamily="18" charset="0"/>
+                          </a:rPr>
+                          <m:t>𝑟</m:t>
+                        </m:r>
+                        <m:r>
+                          <a:rPr lang="en-US" altLang="zh-CN" sz="1800" i="1" dirty="0">
+                            <a:latin typeface="Cambria Math" panose="02040503050406030204" pitchFamily="18" charset="0"/>
+                          </a:rPr>
+                          <m:t>+1</m:t>
+                        </m:r>
+                      </m:e>
+                    </m:d>
+                    <m:r>
+                      <a:rPr lang="en-US" altLang="zh-CN" sz="1800" i="1" dirty="0">
+                        <a:latin typeface="Cambria Math" panose="02040503050406030204" pitchFamily="18" charset="0"/>
+                      </a:rPr>
+                      <m:t> </m:t>
+                    </m:r>
+                    <m:f>
+                      <m:fPr>
+                        <m:ctrlPr>
+                          <a:rPr lang="en-US" altLang="zh-CN" sz="1800" i="1" dirty="0">
+                            <a:latin typeface="Cambria Math" panose="02040503050406030204" pitchFamily="18" charset="0"/>
+                          </a:rPr>
+                        </m:ctrlPr>
+                      </m:fPr>
+                      <m:num>
+                        <m:r>
+                          <a:rPr lang="en-US" altLang="zh-CN" sz="1800" i="1" dirty="0">
+                            <a:latin typeface="Cambria Math" panose="02040503050406030204" pitchFamily="18" charset="0"/>
+                          </a:rPr>
+                          <m:t>𝑄</m:t>
+                        </m:r>
+                      </m:num>
+                      <m:den>
+                        <m:r>
+                          <a:rPr lang="en-US" altLang="zh-CN" sz="1800" i="1" dirty="0">
+                            <a:latin typeface="Cambria Math" panose="02040503050406030204" pitchFamily="18" charset="0"/>
+                          </a:rPr>
+                          <m:t>𝐾</m:t>
+                        </m:r>
+                      </m:den>
+                    </m:f>
+                    <m:r>
+                      <a:rPr lang="en-US" altLang="zh-CN" sz="1800" i="1" dirty="0">
+                        <a:latin typeface="Cambria Math" panose="02040503050406030204" pitchFamily="18" charset="0"/>
+                      </a:rPr>
+                      <m:t>=</m:t>
+                    </m:r>
+                    <m:r>
+                      <a:rPr lang="en-US" altLang="zh-CN" sz="1800" i="1" dirty="0">
+                        <a:latin typeface="Cambria Math" panose="02040503050406030204" pitchFamily="18" charset="0"/>
+                      </a:rPr>
+                      <m:t>𝑁𝑄</m:t>
+                    </m:r>
+                    <m:f>
+                      <m:fPr>
+                        <m:ctrlPr>
+                          <a:rPr lang="en-US" altLang="zh-CN" sz="1800" i="1" dirty="0">
+                            <a:latin typeface="Cambria Math" panose="02040503050406030204" pitchFamily="18" charset="0"/>
+                          </a:rPr>
+                        </m:ctrlPr>
+                      </m:fPr>
+                      <m:num>
+                        <m:r>
+                          <a:rPr lang="en-US" altLang="zh-CN" sz="1800" i="1" dirty="0">
+                            <a:latin typeface="Cambria Math" panose="02040503050406030204" pitchFamily="18" charset="0"/>
+                          </a:rPr>
+                          <m:t>𝐾</m:t>
+                        </m:r>
+                        <m:r>
+                          <a:rPr lang="en-US" altLang="zh-CN" sz="1800" i="1" dirty="0">
+                            <a:latin typeface="Cambria Math" panose="02040503050406030204" pitchFamily="18" charset="0"/>
+                          </a:rPr>
+                          <m:t>−</m:t>
+                        </m:r>
+                        <m:r>
+                          <a:rPr lang="en-US" altLang="zh-CN" sz="1800" i="1" dirty="0">
+                            <a:latin typeface="Cambria Math" panose="02040503050406030204" pitchFamily="18" charset="0"/>
+                          </a:rPr>
+                          <m:t>𝑟</m:t>
+                        </m:r>
+                      </m:num>
+                      <m:den>
+                        <m:r>
+                          <a:rPr lang="en-US" altLang="zh-CN" sz="1800" i="1" dirty="0">
+                            <a:latin typeface="Cambria Math" panose="02040503050406030204" pitchFamily="18" charset="0"/>
+                          </a:rPr>
+                          <m:t>𝑟</m:t>
+                        </m:r>
+                        <m:r>
+                          <a:rPr lang="en-US" altLang="zh-CN" sz="1800" i="1" dirty="0">
+                            <a:latin typeface="Cambria Math" panose="02040503050406030204" pitchFamily="18" charset="0"/>
+                          </a:rPr>
+                          <m:t>(</m:t>
+                        </m:r>
+                        <m:r>
+                          <a:rPr lang="en-US" altLang="zh-CN" sz="1800" i="1" dirty="0">
+                            <a:latin typeface="Cambria Math" panose="02040503050406030204" pitchFamily="18" charset="0"/>
+                          </a:rPr>
+                          <m:t>𝑟</m:t>
+                        </m:r>
+                        <m:r>
+                          <a:rPr lang="en-US" altLang="zh-CN" sz="1800" i="1" dirty="0">
+                            <a:latin typeface="Cambria Math" panose="02040503050406030204" pitchFamily="18" charset="0"/>
+                          </a:rPr>
+                          <m:t>+1)</m:t>
+                        </m:r>
+                      </m:den>
+                    </m:f>
+                    <m:r>
+                      <a:rPr lang="en-US" altLang="zh-CN" sz="1800" i="1" dirty="0">
+                        <a:latin typeface="Cambria Math" panose="02040503050406030204" pitchFamily="18" charset="0"/>
+                      </a:rPr>
+                      <m:t>(</m:t>
+                    </m:r>
+                    <m:r>
+                      <a:rPr lang="en-US" altLang="zh-CN" sz="1800" i="1" dirty="0">
+                        <a:latin typeface="Cambria Math" panose="02040503050406030204" pitchFamily="18" charset="0"/>
+                      </a:rPr>
+                      <m:t>𝑟</m:t>
+                    </m:r>
+                    <m:r>
+                      <a:rPr lang="en-US" altLang="zh-CN" sz="1800" i="1" dirty="0">
+                        <a:latin typeface="Cambria Math" panose="02040503050406030204" pitchFamily="18" charset="0"/>
+                      </a:rPr>
+                      <m:t>+1)</m:t>
+                    </m:r>
+                  </m:oMath>
+                </a14:m>
+                <a:r>
+                  <a:rPr lang="en-US" altLang="zh-CN" sz="1800" dirty="0"/>
+                  <a:t> </a:t>
+                </a:r>
+                <a14:m>
+                  <m:oMath xmlns:m="http://schemas.openxmlformats.org/officeDocument/2006/math">
+                    <m:f>
+                      <m:fPr>
+                        <m:ctrlPr>
+                          <a:rPr lang="en-US" altLang="zh-CN" sz="1800" i="1" dirty="0">
+                            <a:latin typeface="Cambria Math" panose="02040503050406030204" pitchFamily="18" charset="0"/>
+                          </a:rPr>
+                        </m:ctrlPr>
+                      </m:fPr>
+                      <m:num>
+                        <m:r>
+                          <a:rPr lang="en-US" altLang="zh-CN" sz="1800" i="1" dirty="0">
+                            <a:latin typeface="Cambria Math" panose="02040503050406030204" pitchFamily="18" charset="0"/>
+                          </a:rPr>
+                          <m:t>1</m:t>
+                        </m:r>
+                      </m:num>
+                      <m:den>
+                        <m:r>
+                          <a:rPr lang="en-US" altLang="zh-CN" sz="1800" i="1" dirty="0">
+                            <a:latin typeface="Cambria Math" panose="02040503050406030204" pitchFamily="18" charset="0"/>
+                          </a:rPr>
+                          <m:t>𝐾</m:t>
+                        </m:r>
+                      </m:den>
+                    </m:f>
+                  </m:oMath>
+                </a14:m>
+                <a:r>
+                  <a:rPr lang="en-US" altLang="zh-CN" sz="1800" dirty="0" smtClean="0"/>
+                  <a:t>=</a:t>
+                </a:r>
+                <a14:m>
+                  <m:oMath xmlns:m="http://schemas.openxmlformats.org/officeDocument/2006/math">
+                    <m:r>
+                      <m:rPr>
+                        <m:sty m:val="p"/>
+                      </m:rPr>
+                      <a:rPr lang="en-US" altLang="zh-CN" sz="1800" dirty="0" smtClean="0">
+                        <a:solidFill>
+                          <a:srgbClr val="FF0000"/>
+                        </a:solidFill>
+                        <a:latin typeface="Cambria Math" panose="02040503050406030204" pitchFamily="18" charset="0"/>
+                      </a:rPr>
+                      <m:t>N</m:t>
+                    </m:r>
+                    <m:r>
+                      <a:rPr lang="en-US" altLang="zh-CN" sz="1800" b="0" i="0" dirty="0" smtClean="0">
+                        <a:latin typeface="Cambria Math" panose="02040503050406030204" pitchFamily="18" charset="0"/>
+                      </a:rPr>
+                      <m:t>(</m:t>
+                    </m:r>
+                    <m:f>
+                      <m:fPr>
+                        <m:ctrlPr>
+                          <a:rPr lang="en-US" altLang="zh-CN" sz="1800" i="1" dirty="0">
+                            <a:latin typeface="Cambria Math" panose="02040503050406030204" pitchFamily="18" charset="0"/>
+                          </a:rPr>
+                        </m:ctrlPr>
+                      </m:fPr>
+                      <m:num>
+                        <m:r>
+                          <a:rPr lang="en-US" altLang="zh-CN" sz="1800" i="1" dirty="0">
+                            <a:latin typeface="Cambria Math" panose="02040503050406030204" pitchFamily="18" charset="0"/>
+                          </a:rPr>
+                          <m:t>𝐾</m:t>
+                        </m:r>
+                        <m:r>
+                          <a:rPr lang="en-US" altLang="zh-CN" sz="1800" i="1" dirty="0">
+                            <a:latin typeface="Cambria Math" panose="02040503050406030204" pitchFamily="18" charset="0"/>
+                          </a:rPr>
+                          <m:t>−</m:t>
+                        </m:r>
+                        <m:r>
+                          <a:rPr lang="en-US" altLang="zh-CN" sz="1800" i="1" dirty="0">
+                            <a:latin typeface="Cambria Math" panose="02040503050406030204" pitchFamily="18" charset="0"/>
+                          </a:rPr>
+                          <m:t>𝑟</m:t>
+                        </m:r>
+                      </m:num>
+                      <m:den>
+                        <m:r>
+                          <a:rPr lang="en-US" altLang="zh-CN" sz="1800" i="1" dirty="0" smtClean="0">
+                            <a:latin typeface="Cambria Math" panose="02040503050406030204" pitchFamily="18" charset="0"/>
+                          </a:rPr>
+                          <m:t>𝑟</m:t>
+                        </m:r>
+                      </m:den>
+                    </m:f>
+                    <m:r>
+                      <a:rPr lang="en-US" altLang="zh-CN" sz="1800" b="0" i="1" dirty="0" smtClean="0">
+                        <a:latin typeface="Cambria Math" panose="02040503050406030204" pitchFamily="18" charset="0"/>
+                      </a:rPr>
+                      <m:t>)</m:t>
+                    </m:r>
+                  </m:oMath>
+                </a14:m>
+                <a:endParaRPr lang="en-US" altLang="zh-CN" sz="1800" dirty="0" smtClean="0"/>
+              </a:p>
+              <a:p>
+                <a:pPr marL="0" indent="0">
+                  <a:buNone/>
+                </a:pPr>
+                <a:endParaRPr lang="en-US" altLang="zh-CN" sz="1800" dirty="0"/>
+              </a:p>
+              <a:p>
+                <a:pPr marL="0" indent="0">
+                  <a:buNone/>
+                </a:pPr>
+                <a14:m>
+                  <m:oMath xmlns:m="http://schemas.openxmlformats.org/officeDocument/2006/math">
+                    <m:f>
+                      <m:fPr>
+                        <m:ctrlPr>
+                          <a:rPr lang="en-US" altLang="zh-CN" sz="1800" i="1">
+                            <a:latin typeface="Cambria Math" panose="02040503050406030204" pitchFamily="18" charset="0"/>
+                          </a:rPr>
+                        </m:ctrlPr>
+                      </m:fPr>
+                      <m:num>
+                        <m:r>
+                          <a:rPr lang="en-US" altLang="zh-CN" sz="1800" i="1">
+                            <a:latin typeface="Cambria Math" panose="02040503050406030204" pitchFamily="18" charset="0"/>
+                          </a:rPr>
+                          <m:t>1</m:t>
+                        </m:r>
+                      </m:num>
+                      <m:den>
+                        <m:r>
+                          <a:rPr lang="en-US" altLang="zh-CN" sz="1800" i="1">
+                            <a:latin typeface="Cambria Math" panose="02040503050406030204" pitchFamily="18" charset="0"/>
+                          </a:rPr>
+                          <m:t>𝑟</m:t>
+                        </m:r>
+                      </m:den>
+                    </m:f>
+                    <m:d>
+                      <m:dPr>
+                        <m:ctrlPr>
+                          <a:rPr lang="en-US" altLang="zh-CN" sz="1800" i="1">
+                            <a:latin typeface="Cambria Math" panose="02040503050406030204" pitchFamily="18" charset="0"/>
+                          </a:rPr>
+                        </m:ctrlPr>
+                      </m:dPr>
+                      <m:e>
+                        <m:r>
+                          <a:rPr lang="en-US" altLang="zh-CN" sz="1800">
+                            <a:latin typeface="Cambria Math" panose="02040503050406030204" pitchFamily="18" charset="0"/>
+                          </a:rPr>
+                          <m:t>1−</m:t>
+                        </m:r>
+                        <m:f>
+                          <m:fPr>
+                            <m:ctrlPr>
+                              <a:rPr lang="en-US" altLang="zh-CN" sz="1800" i="1">
+                                <a:latin typeface="Cambria Math" panose="02040503050406030204" pitchFamily="18" charset="0"/>
+                              </a:rPr>
+                            </m:ctrlPr>
+                          </m:fPr>
+                          <m:num>
+                            <m:r>
+                              <m:rPr>
+                                <m:sty m:val="p"/>
+                              </m:rPr>
+                              <a:rPr lang="en-US" altLang="zh-CN" sz="1800">
+                                <a:latin typeface="Cambria Math" panose="02040503050406030204" pitchFamily="18" charset="0"/>
+                              </a:rPr>
+                              <m:t>r</m:t>
+                            </m:r>
+                          </m:num>
+                          <m:den>
+                            <m:r>
+                              <m:rPr>
+                                <m:sty m:val="p"/>
+                              </m:rPr>
+                              <a:rPr lang="en-US" altLang="zh-CN" sz="1800">
+                                <a:latin typeface="Cambria Math" panose="02040503050406030204" pitchFamily="18" charset="0"/>
+                              </a:rPr>
+                              <m:t>k</m:t>
+                            </m:r>
+                          </m:den>
+                        </m:f>
+                      </m:e>
+                    </m:d>
+                    <m:r>
+                      <a:rPr lang="en-US" altLang="zh-CN" sz="1800" i="1">
+                        <a:latin typeface="Cambria Math" panose="02040503050406030204" pitchFamily="18" charset="0"/>
+                      </a:rPr>
+                      <m:t>=</m:t>
+                    </m:r>
+                    <m:f>
+                      <m:fPr>
+                        <m:ctrlPr>
+                          <a:rPr lang="en-US" altLang="zh-CN" sz="1800" i="1">
+                            <a:latin typeface="Cambria Math" panose="02040503050406030204" pitchFamily="18" charset="0"/>
+                          </a:rPr>
+                        </m:ctrlPr>
+                      </m:fPr>
+                      <m:num>
+                        <m:r>
+                          <a:rPr lang="en-US" altLang="zh-CN" sz="1800" i="1">
+                            <a:latin typeface="Cambria Math" panose="02040503050406030204" pitchFamily="18" charset="0"/>
+                          </a:rPr>
+                          <m:t>1</m:t>
+                        </m:r>
+                      </m:num>
+                      <m:den>
+                        <m:r>
+                          <m:rPr>
+                            <m:sty m:val="p"/>
+                          </m:rPr>
+                          <a:rPr lang="en-US" altLang="zh-CN" sz="1800" i="1">
+                            <a:latin typeface="Cambria Math" panose="02040503050406030204" pitchFamily="18" charset="0"/>
+                          </a:rPr>
+                          <m:t>k</m:t>
+                        </m:r>
+                      </m:den>
+                    </m:f>
+                    <m:r>
+                      <a:rPr lang="en-US" altLang="zh-CN" sz="1800" b="0" i="1" smtClean="0">
+                        <a:latin typeface="Cambria Math" panose="02040503050406030204" pitchFamily="18" charset="0"/>
+                      </a:rPr>
+                      <m:t>(</m:t>
+                    </m:r>
+                    <m:r>
+                      <m:rPr>
+                        <m:sty m:val="p"/>
+                      </m:rPr>
+                      <a:rPr lang="en-US" altLang="zh-CN" sz="1800" i="1">
+                        <a:latin typeface="Cambria Math" panose="02040503050406030204" pitchFamily="18" charset="0"/>
+                      </a:rPr>
+                      <m:t>μ</m:t>
+                    </m:r>
+                    <m:r>
+                      <a:rPr lang="en-US" altLang="zh-CN" sz="1800" i="1" smtClean="0">
+                        <a:latin typeface="Cambria Math" panose="02040503050406030204" pitchFamily="18" charset="0"/>
+                      </a:rPr>
+                      <m:t>-</m:t>
+                    </m:r>
+                    <m:r>
+                      <a:rPr lang="en-US" altLang="zh-CN" sz="1800" i="1">
+                        <a:latin typeface="Cambria Math" panose="02040503050406030204" pitchFamily="18" charset="0"/>
+                      </a:rPr>
+                      <m:t>1</m:t>
+                    </m:r>
+                    <m:r>
+                      <a:rPr lang="en-US" altLang="zh-CN" sz="1800" b="0" i="1" smtClean="0">
+                        <a:latin typeface="Cambria Math" panose="02040503050406030204" pitchFamily="18" charset="0"/>
+                      </a:rPr>
+                      <m:t>) </m:t>
+                    </m:r>
+                  </m:oMath>
+                </a14:m>
+                <a:r>
+                  <a:rPr lang="en-US" altLang="zh-CN" sz="1800" dirty="0" smtClean="0"/>
+                  <a:t>=</a:t>
+                </a:r>
+                <a:r>
+                  <a:rPr lang="en-US" altLang="zh-CN" sz="1800" dirty="0"/>
+                  <a:t> </a:t>
+                </a:r>
+                <a14:m>
+                  <m:oMath xmlns:m="http://schemas.openxmlformats.org/officeDocument/2006/math">
+                    <m:r>
+                      <a:rPr lang="en-US" altLang="zh-CN" sz="1800">
+                        <a:latin typeface="Cambria Math" panose="02040503050406030204" pitchFamily="18" charset="0"/>
+                      </a:rPr>
+                      <m:t>(</m:t>
+                    </m:r>
+                    <m:f>
+                      <m:fPr>
+                        <m:ctrlPr>
+                          <a:rPr lang="en-US" altLang="zh-CN" sz="1800" i="1">
+                            <a:latin typeface="Cambria Math" panose="02040503050406030204" pitchFamily="18" charset="0"/>
+                          </a:rPr>
+                        </m:ctrlPr>
+                      </m:fPr>
+                      <m:num>
+                        <m:r>
+                          <a:rPr lang="en-US" altLang="zh-CN" sz="1800" i="1">
+                            <a:latin typeface="Cambria Math" panose="02040503050406030204" pitchFamily="18" charset="0"/>
+                          </a:rPr>
+                          <m:t>1</m:t>
+                        </m:r>
+                      </m:num>
+                      <m:den>
+                        <m:r>
+                          <m:rPr>
+                            <m:sty m:val="p"/>
+                          </m:rPr>
+                          <a:rPr lang="en-US" altLang="zh-CN" sz="1800" i="1">
+                            <a:latin typeface="Cambria Math" panose="02040503050406030204" pitchFamily="18" charset="0"/>
+                          </a:rPr>
+                          <m:t>μ</m:t>
+                        </m:r>
+                      </m:den>
+                    </m:f>
+                    <m:r>
+                      <a:rPr lang="en-US" altLang="zh-CN" sz="1800" i="1">
+                        <a:latin typeface="Cambria Math" panose="02040503050406030204" pitchFamily="18" charset="0"/>
+                      </a:rPr>
+                      <m:t>−1</m:t>
+                    </m:r>
+                    <m:r>
+                      <a:rPr lang="en-US" altLang="zh-CN" sz="1800">
+                        <a:latin typeface="Cambria Math" panose="02040503050406030204" pitchFamily="18" charset="0"/>
+                      </a:rPr>
+                      <m:t>)</m:t>
+                    </m:r>
+                  </m:oMath>
+                </a14:m>
+                <a:r>
+                  <a:rPr lang="zh-CN" altLang="en-US" sz="1800" dirty="0" smtClean="0"/>
+                  <a:t>当</a:t>
+                </a:r>
+                <a:r>
+                  <a:rPr lang="en-US" altLang="zh-CN" sz="1800" dirty="0" smtClean="0"/>
+                  <a:t>Q=K</a:t>
+                </a:r>
+                <a:r>
+                  <a:rPr lang="zh-CN" altLang="en-US" sz="1800" dirty="0" smtClean="0"/>
+                  <a:t>时</a:t>
+                </a:r>
+                <a:endParaRPr lang="zh-CN" altLang="en-US" sz="1800" dirty="0"/>
+              </a:p>
+            </p:txBody>
+          </p:sp>
+        </mc:Choice>
+        <mc:Fallback>
+          <p:sp>
+            <p:nvSpPr>
+              <p:cNvPr id="3" name="内容占位符 2"/>
+              <p:cNvSpPr>
+                <a:spLocks noGrp="1" noRot="1" noChangeAspect="1" noMove="1" noResize="1" noEditPoints="1" noAdjustHandles="1" noChangeArrowheads="1" noChangeShapeType="1" noTextEdit="1"/>
+              </p:cNvSpPr>
+              <p:nvPr>
+                <p:ph idx="1"/>
+              </p:nvPr>
+            </p:nvSpPr>
+            <p:spPr>
+              <a:xfrm>
+                <a:off x="776654" y="761756"/>
+                <a:ext cx="10515600" cy="4351338"/>
+              </a:xfrm>
+              <a:blipFill>
+                <a:blip r:embed="rId2"/>
+                <a:stretch>
+                  <a:fillRect l="-348" t="-1821"/>
+                </a:stretch>
+              </a:blipFill>
+            </p:spPr>
+            <p:txBody>
+              <a:bodyPr/>
+              <a:lstStyle/>
+              <a:p>
+                <a:r>
+                  <a:rPr lang="zh-CN" altLang="en-US">
+                    <a:noFill/>
+                  </a:rPr>
+                  <a:t> </a:t>
+                </a:r>
+              </a:p>
+            </p:txBody>
+          </p:sp>
+        </mc:Fallback>
+      </mc:AlternateContent>
+    </p:spTree>
+    <p:extLst>
+      <p:ext uri="{BB962C8B-B14F-4D97-AF65-F5344CB8AC3E}">
+        <p14:creationId xmlns:p14="http://schemas.microsoft.com/office/powerpoint/2010/main" val="2279629214"/>
       </p:ext>
     </p:extLst>
   </p:cSld>
@@ -10446,6 +13593,13 @@
   <p:clrMapOvr>
     <a:masterClrMapping/>
   </p:clrMapOvr>
+  <p:timing>
+    <p:tnLst>
+      <p:par>
+        <p:cTn id="1" dur="indefinite" restart="never" nodeType="tmRoot"/>
+      </p:par>
+    </p:tnLst>
+  </p:timing>
 </p:sld>
 </file>
 
@@ -12032,6 +15186,13 @@
   <p:clrMapOvr>
     <a:masterClrMapping/>
   </p:clrMapOvr>
+  <p:timing>
+    <p:tnLst>
+      <p:par>
+        <p:cTn id="1" dur="indefinite" restart="never" nodeType="tmRoot"/>
+      </p:par>
+    </p:tnLst>
+  </p:timing>
 </p:sld>
 </file>
 

--- a/EE/ppt/review.pptx
+++ b/EE/ppt/review.pptx
@@ -228,7 +228,7 @@
           <a:p>
             <a:fld id="{48CB6AEF-4D10-491F-9E5E-43649C734968}" type="datetimeFigureOut">
               <a:rPr lang="zh-CN" altLang="en-US" smtClean="0"/>
-              <a:t>2019/11/20</a:t>
+              <a:t>2019/12/19</a:t>
             </a:fld>
             <a:endParaRPr lang="zh-CN" altLang="en-US"/>
           </a:p>
@@ -684,7 +684,7 @@
           <a:p>
             <a:fld id="{256367BE-FCF9-4078-A470-30B7DC5F97E0}" type="datetimeFigureOut">
               <a:rPr lang="zh-CN" altLang="en-US" smtClean="0"/>
-              <a:t>2019/11/20</a:t>
+              <a:t>2019/12/19</a:t>
             </a:fld>
             <a:endParaRPr lang="zh-CN" altLang="en-US"/>
           </a:p>
@@ -852,7 +852,7 @@
           <a:p>
             <a:fld id="{256367BE-FCF9-4078-A470-30B7DC5F97E0}" type="datetimeFigureOut">
               <a:rPr lang="zh-CN" altLang="en-US" smtClean="0"/>
-              <a:t>2019/11/20</a:t>
+              <a:t>2019/12/19</a:t>
             </a:fld>
             <a:endParaRPr lang="zh-CN" altLang="en-US"/>
           </a:p>
@@ -1030,7 +1030,7 @@
           <a:p>
             <a:fld id="{256367BE-FCF9-4078-A470-30B7DC5F97E0}" type="datetimeFigureOut">
               <a:rPr lang="zh-CN" altLang="en-US" smtClean="0"/>
-              <a:t>2019/11/20</a:t>
+              <a:t>2019/12/19</a:t>
             </a:fld>
             <a:endParaRPr lang="zh-CN" altLang="en-US"/>
           </a:p>
@@ -1198,7 +1198,7 @@
           <a:p>
             <a:fld id="{256367BE-FCF9-4078-A470-30B7DC5F97E0}" type="datetimeFigureOut">
               <a:rPr lang="zh-CN" altLang="en-US" smtClean="0"/>
-              <a:t>2019/11/20</a:t>
+              <a:t>2019/12/19</a:t>
             </a:fld>
             <a:endParaRPr lang="zh-CN" altLang="en-US"/>
           </a:p>
@@ -1443,7 +1443,7 @@
           <a:p>
             <a:fld id="{256367BE-FCF9-4078-A470-30B7DC5F97E0}" type="datetimeFigureOut">
               <a:rPr lang="zh-CN" altLang="en-US" smtClean="0"/>
-              <a:t>2019/11/20</a:t>
+              <a:t>2019/12/19</a:t>
             </a:fld>
             <a:endParaRPr lang="zh-CN" altLang="en-US"/>
           </a:p>
@@ -1672,7 +1672,7 @@
           <a:p>
             <a:fld id="{256367BE-FCF9-4078-A470-30B7DC5F97E0}" type="datetimeFigureOut">
               <a:rPr lang="zh-CN" altLang="en-US" smtClean="0"/>
-              <a:t>2019/11/20</a:t>
+              <a:t>2019/12/19</a:t>
             </a:fld>
             <a:endParaRPr lang="zh-CN" altLang="en-US"/>
           </a:p>
@@ -2036,7 +2036,7 @@
           <a:p>
             <a:fld id="{256367BE-FCF9-4078-A470-30B7DC5F97E0}" type="datetimeFigureOut">
               <a:rPr lang="zh-CN" altLang="en-US" smtClean="0"/>
-              <a:t>2019/11/20</a:t>
+              <a:t>2019/12/19</a:t>
             </a:fld>
             <a:endParaRPr lang="zh-CN" altLang="en-US"/>
           </a:p>
@@ -2153,7 +2153,7 @@
           <a:p>
             <a:fld id="{256367BE-FCF9-4078-A470-30B7DC5F97E0}" type="datetimeFigureOut">
               <a:rPr lang="zh-CN" altLang="en-US" smtClean="0"/>
-              <a:t>2019/11/20</a:t>
+              <a:t>2019/12/19</a:t>
             </a:fld>
             <a:endParaRPr lang="zh-CN" altLang="en-US"/>
           </a:p>
@@ -2248,7 +2248,7 @@
           <a:p>
             <a:fld id="{256367BE-FCF9-4078-A470-30B7DC5F97E0}" type="datetimeFigureOut">
               <a:rPr lang="zh-CN" altLang="en-US" smtClean="0"/>
-              <a:t>2019/11/20</a:t>
+              <a:t>2019/12/19</a:t>
             </a:fld>
             <a:endParaRPr lang="zh-CN" altLang="en-US"/>
           </a:p>
@@ -2523,7 +2523,7 @@
           <a:p>
             <a:fld id="{256367BE-FCF9-4078-A470-30B7DC5F97E0}" type="datetimeFigureOut">
               <a:rPr lang="zh-CN" altLang="en-US" smtClean="0"/>
-              <a:t>2019/11/20</a:t>
+              <a:t>2019/12/19</a:t>
             </a:fld>
             <a:endParaRPr lang="zh-CN" altLang="en-US"/>
           </a:p>
@@ -2775,7 +2775,7 @@
           <a:p>
             <a:fld id="{256367BE-FCF9-4078-A470-30B7DC5F97E0}" type="datetimeFigureOut">
               <a:rPr lang="zh-CN" altLang="en-US" smtClean="0"/>
-              <a:t>2019/11/20</a:t>
+              <a:t>2019/12/19</a:t>
             </a:fld>
             <a:endParaRPr lang="zh-CN" altLang="en-US"/>
           </a:p>
@@ -2986,7 +2986,7 @@
           <a:p>
             <a:fld id="{256367BE-FCF9-4078-A470-30B7DC5F97E0}" type="datetimeFigureOut">
               <a:rPr lang="zh-CN" altLang="en-US" smtClean="0"/>
-              <a:t>2019/11/20</a:t>
+              <a:t>2019/12/19</a:t>
             </a:fld>
             <a:endParaRPr lang="zh-CN" altLang="en-US"/>
           </a:p>
@@ -7090,13 +7090,7 @@
                       <a:rPr lang="en-US" altLang="zh-CN" sz="1800" i="1">
                         <a:latin typeface="Cambria Math" panose="02040503050406030204" pitchFamily="18" charset="0"/>
                       </a:rPr>
-                      <m:t>-</m:t>
-                    </m:r>
-                    <m:r>
-                      <a:rPr lang="en-US" altLang="zh-CN" sz="1800" i="1">
-                        <a:latin typeface="Cambria Math" panose="02040503050406030204" pitchFamily="18" charset="0"/>
-                      </a:rPr>
-                      <m:t>1</m:t>
+                      <m:t>−1</m:t>
                     </m:r>
                     <m:r>
                       <a:rPr lang="en-US" altLang="zh-CN" sz="1800">
@@ -7731,20 +7725,39 @@
                       </a:rPr>
                       <m:t>(</m:t>
                     </m:r>
-                    <m:r>
-                      <m:rPr>
-                        <m:sty m:val="p"/>
-                      </m:rPr>
-                      <a:rPr lang="en-US" altLang="zh-CN" sz="1800" i="1">
-                        <a:latin typeface="Cambria Math" panose="02040503050406030204" pitchFamily="18" charset="0"/>
-                      </a:rPr>
-                      <m:t>μ</m:t>
-                    </m:r>
+                    <m:f>
+                      <m:fPr>
+                        <m:ctrlPr>
+                          <a:rPr lang="en-US" altLang="zh-CN" sz="1800" i="1">
+                            <a:latin typeface="Cambria Math" panose="02040503050406030204" pitchFamily="18" charset="0"/>
+                          </a:rPr>
+                        </m:ctrlPr>
+                      </m:fPr>
+                      <m:num>
+                        <m:r>
+                          <a:rPr lang="en-US" altLang="zh-CN" sz="1800" i="1">
+                            <a:latin typeface="Cambria Math" panose="02040503050406030204" pitchFamily="18" charset="0"/>
+                          </a:rPr>
+                          <m:t>1</m:t>
+                        </m:r>
+                      </m:num>
+                      <m:den>
+                        <m:r>
+                          <m:rPr>
+                            <m:sty m:val="p"/>
+                          </m:rPr>
+                          <a:rPr lang="en-US" altLang="zh-CN" sz="1800" i="1">
+                            <a:latin typeface="Cambria Math" panose="02040503050406030204" pitchFamily="18" charset="0"/>
+                          </a:rPr>
+                          <m:t>μ</m:t>
+                        </m:r>
+                      </m:den>
+                    </m:f>
                     <m:r>
                       <a:rPr lang="en-US" altLang="zh-CN" sz="1800" i="1" smtClean="0">
                         <a:latin typeface="Cambria Math" panose="02040503050406030204" pitchFamily="18" charset="0"/>
                       </a:rPr>
-                      <m:t>-</m:t>
+                      <m:t>−</m:t>
                     </m:r>
                     <m:r>
                       <a:rPr lang="en-US" altLang="zh-CN" sz="1800" i="1">

--- a/EE/ppt/review.pptx
+++ b/EE/ppt/review.pptx
@@ -5,7 +5,7 @@
     <p:sldMasterId id="2147483648" r:id="rId1"/>
   </p:sldMasterIdLst>
   <p:notesMasterIdLst>
-    <p:notesMasterId r:id="rId22"/>
+    <p:notesMasterId r:id="rId24"/>
   </p:notesMasterIdLst>
   <p:sldIdLst>
     <p:sldId id="256" r:id="rId2"/>
@@ -28,6 +28,8 @@
     <p:sldId id="276" r:id="rId19"/>
     <p:sldId id="277" r:id="rId20"/>
     <p:sldId id="278" r:id="rId21"/>
+    <p:sldId id="279" r:id="rId22"/>
+    <p:sldId id="280" r:id="rId23"/>
   </p:sldIdLst>
   <p:sldSz cx="12192000" cy="6858000"/>
   <p:notesSz cx="6858000" cy="9144000"/>
@@ -228,7 +230,7 @@
           <a:p>
             <a:fld id="{48CB6AEF-4D10-491F-9E5E-43649C734968}" type="datetimeFigureOut">
               <a:rPr lang="zh-CN" altLang="en-US" smtClean="0"/>
-              <a:t>2019/12/19</a:t>
+              <a:t>2020/2/16</a:t>
             </a:fld>
             <a:endParaRPr lang="zh-CN" altLang="en-US"/>
           </a:p>
@@ -684,7 +686,7 @@
           <a:p>
             <a:fld id="{256367BE-FCF9-4078-A470-30B7DC5F97E0}" type="datetimeFigureOut">
               <a:rPr lang="zh-CN" altLang="en-US" smtClean="0"/>
-              <a:t>2019/12/19</a:t>
+              <a:t>2020/2/16</a:t>
             </a:fld>
             <a:endParaRPr lang="zh-CN" altLang="en-US"/>
           </a:p>
@@ -852,7 +854,7 @@
           <a:p>
             <a:fld id="{256367BE-FCF9-4078-A470-30B7DC5F97E0}" type="datetimeFigureOut">
               <a:rPr lang="zh-CN" altLang="en-US" smtClean="0"/>
-              <a:t>2019/12/19</a:t>
+              <a:t>2020/2/16</a:t>
             </a:fld>
             <a:endParaRPr lang="zh-CN" altLang="en-US"/>
           </a:p>
@@ -1030,7 +1032,7 @@
           <a:p>
             <a:fld id="{256367BE-FCF9-4078-A470-30B7DC5F97E0}" type="datetimeFigureOut">
               <a:rPr lang="zh-CN" altLang="en-US" smtClean="0"/>
-              <a:t>2019/12/19</a:t>
+              <a:t>2020/2/16</a:t>
             </a:fld>
             <a:endParaRPr lang="zh-CN" altLang="en-US"/>
           </a:p>
@@ -1198,7 +1200,7 @@
           <a:p>
             <a:fld id="{256367BE-FCF9-4078-A470-30B7DC5F97E0}" type="datetimeFigureOut">
               <a:rPr lang="zh-CN" altLang="en-US" smtClean="0"/>
-              <a:t>2019/12/19</a:t>
+              <a:t>2020/2/16</a:t>
             </a:fld>
             <a:endParaRPr lang="zh-CN" altLang="en-US"/>
           </a:p>
@@ -1443,7 +1445,7 @@
           <a:p>
             <a:fld id="{256367BE-FCF9-4078-A470-30B7DC5F97E0}" type="datetimeFigureOut">
               <a:rPr lang="zh-CN" altLang="en-US" smtClean="0"/>
-              <a:t>2019/12/19</a:t>
+              <a:t>2020/2/16</a:t>
             </a:fld>
             <a:endParaRPr lang="zh-CN" altLang="en-US"/>
           </a:p>
@@ -1672,7 +1674,7 @@
           <a:p>
             <a:fld id="{256367BE-FCF9-4078-A470-30B7DC5F97E0}" type="datetimeFigureOut">
               <a:rPr lang="zh-CN" altLang="en-US" smtClean="0"/>
-              <a:t>2019/12/19</a:t>
+              <a:t>2020/2/16</a:t>
             </a:fld>
             <a:endParaRPr lang="zh-CN" altLang="en-US"/>
           </a:p>
@@ -2036,7 +2038,7 @@
           <a:p>
             <a:fld id="{256367BE-FCF9-4078-A470-30B7DC5F97E0}" type="datetimeFigureOut">
               <a:rPr lang="zh-CN" altLang="en-US" smtClean="0"/>
-              <a:t>2019/12/19</a:t>
+              <a:t>2020/2/16</a:t>
             </a:fld>
             <a:endParaRPr lang="zh-CN" altLang="en-US"/>
           </a:p>
@@ -2153,7 +2155,7 @@
           <a:p>
             <a:fld id="{256367BE-FCF9-4078-A470-30B7DC5F97E0}" type="datetimeFigureOut">
               <a:rPr lang="zh-CN" altLang="en-US" smtClean="0"/>
-              <a:t>2019/12/19</a:t>
+              <a:t>2020/2/16</a:t>
             </a:fld>
             <a:endParaRPr lang="zh-CN" altLang="en-US"/>
           </a:p>
@@ -2248,7 +2250,7 @@
           <a:p>
             <a:fld id="{256367BE-FCF9-4078-A470-30B7DC5F97E0}" type="datetimeFigureOut">
               <a:rPr lang="zh-CN" altLang="en-US" smtClean="0"/>
-              <a:t>2019/12/19</a:t>
+              <a:t>2020/2/16</a:t>
             </a:fld>
             <a:endParaRPr lang="zh-CN" altLang="en-US"/>
           </a:p>
@@ -2523,7 +2525,7 @@
           <a:p>
             <a:fld id="{256367BE-FCF9-4078-A470-30B7DC5F97E0}" type="datetimeFigureOut">
               <a:rPr lang="zh-CN" altLang="en-US" smtClean="0"/>
-              <a:t>2019/12/19</a:t>
+              <a:t>2020/2/16</a:t>
             </a:fld>
             <a:endParaRPr lang="zh-CN" altLang="en-US"/>
           </a:p>
@@ -2775,7 +2777,7 @@
           <a:p>
             <a:fld id="{256367BE-FCF9-4078-A470-30B7DC5F97E0}" type="datetimeFigureOut">
               <a:rPr lang="zh-CN" altLang="en-US" smtClean="0"/>
-              <a:t>2019/12/19</a:t>
+              <a:t>2020/2/16</a:t>
             </a:fld>
             <a:endParaRPr lang="zh-CN" altLang="en-US"/>
           </a:p>
@@ -2986,7 +2988,7 @@
           <a:p>
             <a:fld id="{256367BE-FCF9-4078-A470-30B7DC5F97E0}" type="datetimeFigureOut">
               <a:rPr lang="zh-CN" altLang="en-US" smtClean="0"/>
-              <a:t>2019/12/19</a:t>
+              <a:t>2020/2/16</a:t>
             </a:fld>
             <a:endParaRPr lang="zh-CN" altLang="en-US"/>
           </a:p>
@@ -3877,13 +3879,6 @@
   <p:clrMapOvr>
     <a:masterClrMapping/>
   </p:clrMapOvr>
-  <p:timing>
-    <p:tnLst>
-      <p:par>
-        <p:cTn id="1" dur="indefinite" restart="never" nodeType="tmRoot"/>
-      </p:par>
-    </p:tnLst>
-  </p:timing>
 </p:sld>
 </file>
 
@@ -4189,13 +4184,6 @@
   <p:clrMapOvr>
     <a:masterClrMapping/>
   </p:clrMapOvr>
-  <p:timing>
-    <p:tnLst>
-      <p:par>
-        <p:cTn id="1" dur="indefinite" restart="never" nodeType="tmRoot"/>
-      </p:par>
-    </p:tnLst>
-  </p:timing>
 </p:sld>
 </file>
 
@@ -4662,13 +4650,6 @@
   <p:clrMapOvr>
     <a:masterClrMapping/>
   </p:clrMapOvr>
-  <p:timing>
-    <p:tnLst>
-      <p:par>
-        <p:cTn id="1" dur="indefinite" restart="never" nodeType="tmRoot"/>
-      </p:par>
-    </p:tnLst>
-  </p:timing>
 </p:sld>
 </file>
 
@@ -4831,14 +4812,14 @@
                   </m:oMath>
                 </a14:m>
                 <a:r>
-                  <a:rPr lang="zh-CN" altLang="en-US" dirty="0" smtClean="0"/>
+                  <a:rPr lang="zh-CN" altLang="en-US" dirty="0"/>
                   <a:t>移位指数分布</a:t>
                 </a:r>
-                <a:endParaRPr lang="en-US" altLang="zh-CN" dirty="0" smtClean="0"/>
+                <a:endParaRPr lang="en-US" altLang="zh-CN" dirty="0"/>
               </a:p>
               <a:p>
                 <a:r>
-                  <a:rPr lang="zh-CN" altLang="en-US" dirty="0" smtClean="0"/>
+                  <a:rPr lang="zh-CN" altLang="en-US" dirty="0"/>
                   <a:t>其期望为</a:t>
                 </a:r>
                 <a14:m>
@@ -4960,13 +4941,6 @@
   <p:clrMapOvr>
     <a:masterClrMapping/>
   </p:clrMapOvr>
-  <p:timing>
-    <p:tnLst>
-      <p:par>
-        <p:cTn id="1" dur="indefinite" restart="never" nodeType="tmRoot"/>
-      </p:par>
-    </p:tnLst>
-  </p:timing>
 </p:sld>
 </file>
 
@@ -5010,7 +4984,7 @@
           <a:lstStyle/>
           <a:p>
             <a:r>
-              <a:rPr lang="en-US" altLang="zh-CN" sz="2400" dirty="0" smtClean="0"/>
+              <a:rPr lang="en-US" altLang="zh-CN" sz="2400" dirty="0"/>
               <a:t>2.idea</a:t>
             </a:r>
             <a:endParaRPr lang="zh-CN" altLang="en-US" sz="2400" dirty="0"/>
@@ -5046,11 +5020,11 @@
           <a:lstStyle/>
           <a:p>
             <a:r>
-              <a:rPr lang="zh-CN" altLang="en-US" sz="1400" dirty="0" smtClean="0"/>
+              <a:rPr lang="zh-CN" altLang="en-US" sz="1400" dirty="0"/>
               <a:t>只用</a:t>
             </a:r>
             <a:r>
-              <a:rPr lang="en-US" altLang="zh-CN" sz="1400" dirty="0" smtClean="0"/>
+              <a:rPr lang="en-US" altLang="zh-CN" sz="1400" dirty="0"/>
               <a:t>CDC</a:t>
             </a:r>
             <a:endParaRPr lang="zh-CN" altLang="en-US" sz="1400" dirty="0"/>
@@ -5086,14 +5060,13 @@
           <a:lstStyle/>
           <a:p>
             <a:r>
-              <a:rPr lang="zh-CN" altLang="en-US" sz="1400" dirty="0" smtClean="0"/>
+              <a:rPr lang="zh-CN" altLang="en-US" sz="1400" dirty="0"/>
               <a:t>只用</a:t>
             </a:r>
             <a:r>
-              <a:rPr lang="en-US" altLang="zh-CN" sz="1400" dirty="0" smtClean="0"/>
+              <a:rPr lang="en-US" altLang="zh-CN" sz="1400" dirty="0"/>
               <a:t>MDS</a:t>
             </a:r>
-            <a:endParaRPr lang="en-US" altLang="zh-CN" sz="1400" dirty="0"/>
           </a:p>
         </p:txBody>
       </p:sp>
@@ -5192,22 +5165,21 @@
           <a:lstStyle/>
           <a:p>
             <a:r>
-              <a:rPr lang="en-US" altLang="zh-CN" sz="1400" dirty="0" smtClean="0"/>
+              <a:rPr lang="en-US" altLang="zh-CN" sz="1400" dirty="0"/>
               <a:t>CDC+MDS </a:t>
             </a:r>
             <a:r>
-              <a:rPr lang="zh-CN" altLang="en-US" sz="1400" dirty="0" smtClean="0"/>
+              <a:rPr lang="zh-CN" altLang="en-US" sz="1400" dirty="0"/>
               <a:t>考虑任意前</a:t>
             </a:r>
             <a:r>
-              <a:rPr lang="en-US" altLang="zh-CN" sz="1400" dirty="0" smtClean="0"/>
+              <a:rPr lang="en-US" altLang="zh-CN" sz="1400" dirty="0"/>
               <a:t>4</a:t>
             </a:r>
             <a:r>
-              <a:rPr lang="zh-CN" altLang="en-US" sz="1400" dirty="0" smtClean="0"/>
+              <a:rPr lang="zh-CN" altLang="en-US" sz="1400" dirty="0"/>
               <a:t>个完成</a:t>
             </a:r>
-            <a:endParaRPr lang="zh-CN" altLang="en-US" sz="1400" dirty="0"/>
           </a:p>
         </p:txBody>
       </p:sp>
@@ -5264,7 +5236,7 @@
           <a:lstStyle/>
           <a:p>
             <a:r>
-              <a:rPr lang="en-US" altLang="zh-CN" sz="2400" dirty="0" smtClean="0"/>
+              <a:rPr lang="en-US" altLang="zh-CN" sz="2400" dirty="0"/>
               <a:t>2.idea</a:t>
             </a:r>
             <a:endParaRPr lang="zh-CN" altLang="en-US" sz="2400" dirty="0"/>
@@ -5318,46 +5290,45 @@
           <a:lstStyle/>
           <a:p>
             <a:r>
-              <a:rPr lang="zh-CN" altLang="en-US" dirty="0" smtClean="0"/>
+              <a:rPr lang="zh-CN" altLang="en-US" dirty="0"/>
               <a:t>考虑计算量和传输量的权衡，以</a:t>
             </a:r>
             <a:r>
-              <a:rPr lang="en-US" altLang="zh-CN" dirty="0" smtClean="0"/>
+              <a:rPr lang="en-US" altLang="zh-CN" dirty="0"/>
               <a:t>q</a:t>
             </a:r>
             <a:r>
-              <a:rPr lang="zh-CN" altLang="en-US" dirty="0" smtClean="0"/>
+              <a:rPr lang="zh-CN" altLang="en-US" dirty="0"/>
               <a:t>为输入</a:t>
             </a:r>
-            <a:endParaRPr lang="en-US" altLang="zh-CN" dirty="0" smtClean="0"/>
-          </a:p>
-          <a:p>
-            <a:endParaRPr lang="en-US" altLang="zh-CN" dirty="0" smtClean="0"/>
-          </a:p>
-          <a:p>
             <a:endParaRPr lang="en-US" altLang="zh-CN" dirty="0"/>
           </a:p>
           <a:p>
-            <a:r>
-              <a:rPr lang="en-US" altLang="zh-CN" dirty="0" smtClean="0"/>
+            <a:endParaRPr lang="en-US" altLang="zh-CN" dirty="0"/>
+          </a:p>
+          <a:p>
+            <a:endParaRPr lang="en-US" altLang="zh-CN" dirty="0"/>
+          </a:p>
+          <a:p>
+            <a:r>
+              <a:rPr lang="en-US" altLang="zh-CN" dirty="0"/>
               <a:t>D</a:t>
             </a:r>
             <a:r>
-              <a:rPr lang="zh-CN" altLang="en-US" dirty="0" smtClean="0"/>
+              <a:rPr lang="zh-CN" altLang="en-US" dirty="0"/>
               <a:t>表示计算量，用次序统计量</a:t>
             </a:r>
-            <a:endParaRPr lang="en-US" altLang="zh-CN" dirty="0" smtClean="0"/>
-          </a:p>
-          <a:p>
-            <a:r>
-              <a:rPr lang="en-US" altLang="zh-CN" dirty="0" smtClean="0"/>
+            <a:endParaRPr lang="en-US" altLang="zh-CN" dirty="0"/>
+          </a:p>
+          <a:p>
+            <a:r>
+              <a:rPr lang="en-US" altLang="zh-CN" dirty="0"/>
               <a:t>L</a:t>
             </a:r>
             <a:r>
-              <a:rPr lang="zh-CN" altLang="en-US" dirty="0" smtClean="0"/>
+              <a:rPr lang="zh-CN" altLang="en-US" dirty="0"/>
               <a:t>表示传输量</a:t>
             </a:r>
-            <a:endParaRPr lang="zh-CN" altLang="en-US" dirty="0"/>
           </a:p>
         </p:txBody>
       </p:sp>
@@ -5605,18 +5576,18 @@
               <a:buChar char="•"/>
             </a:pPr>
             <a:r>
-              <a:rPr lang="zh-CN" altLang="en-US" dirty="0" smtClean="0"/>
+              <a:rPr lang="zh-CN" altLang="en-US" dirty="0"/>
               <a:t>换成矩阵乘法，用</a:t>
             </a:r>
             <a:r>
-              <a:rPr lang="en-US" altLang="zh-CN" dirty="0" smtClean="0"/>
+              <a:rPr lang="en-US" altLang="zh-CN" dirty="0"/>
               <a:t>MDS</a:t>
             </a:r>
             <a:r>
-              <a:rPr lang="zh-CN" altLang="en-US" dirty="0" smtClean="0"/>
+              <a:rPr lang="zh-CN" altLang="en-US" dirty="0"/>
               <a:t>码</a:t>
             </a:r>
-            <a:endParaRPr lang="en-US" altLang="zh-CN" dirty="0" smtClean="0"/>
+            <a:endParaRPr lang="en-US" altLang="zh-CN" dirty="0"/>
           </a:p>
           <a:p>
             <a:pPr marL="285750" indent="-285750">
@@ -5624,34 +5595,34 @@
               <a:buChar char="•"/>
             </a:pPr>
             <a:r>
-              <a:rPr lang="zh-CN" altLang="en-US" dirty="0" smtClean="0"/>
+              <a:rPr lang="zh-CN" altLang="en-US" dirty="0"/>
               <a:t>考虑</a:t>
             </a:r>
             <a:r>
-              <a:rPr lang="en-US" altLang="zh-CN" dirty="0" smtClean="0"/>
+              <a:rPr lang="en-US" altLang="zh-CN" dirty="0"/>
               <a:t>stragglers</a:t>
             </a:r>
             <a:r>
-              <a:rPr lang="zh-CN" altLang="en-US" dirty="0" smtClean="0"/>
+              <a:rPr lang="zh-CN" altLang="en-US" dirty="0"/>
               <a:t>，考虑前</a:t>
             </a:r>
             <a:r>
-              <a:rPr lang="en-US" altLang="zh-CN" dirty="0" smtClean="0"/>
+              <a:rPr lang="en-US" altLang="zh-CN" dirty="0"/>
               <a:t>q</a:t>
             </a:r>
             <a:r>
-              <a:rPr lang="zh-CN" altLang="en-US" dirty="0" smtClean="0"/>
+              <a:rPr lang="zh-CN" altLang="en-US" dirty="0"/>
               <a:t>个率先发送给</a:t>
             </a:r>
             <a:r>
-              <a:rPr lang="en-US" altLang="zh-CN" dirty="0" err="1" smtClean="0"/>
+              <a:rPr lang="en-US" altLang="zh-CN" dirty="0" err="1"/>
               <a:t>ap</a:t>
             </a:r>
             <a:r>
-              <a:rPr lang="zh-CN" altLang="en-US" dirty="0" smtClean="0"/>
+              <a:rPr lang="zh-CN" altLang="en-US" dirty="0"/>
               <a:t>的节点</a:t>
             </a:r>
-            <a:endParaRPr lang="en-US" altLang="zh-CN" dirty="0" smtClean="0"/>
+            <a:endParaRPr lang="en-US" altLang="zh-CN" dirty="0"/>
           </a:p>
           <a:p>
             <a:pPr marL="285750" indent="-285750">
@@ -5659,27 +5630,27 @@
               <a:buChar char="•"/>
             </a:pPr>
             <a:r>
-              <a:rPr lang="zh-CN" altLang="en-US" dirty="0" smtClean="0"/>
+              <a:rPr lang="zh-CN" altLang="en-US" dirty="0"/>
               <a:t>用次序统计量，时间期望和传输量的</a:t>
             </a:r>
             <a:r>
-              <a:rPr lang="en-US" altLang="zh-CN" dirty="0" smtClean="0"/>
+              <a:rPr lang="en-US" altLang="zh-CN" dirty="0"/>
               <a:t>tradeoff(</a:t>
             </a:r>
             <a:r>
-              <a:rPr lang="zh-CN" altLang="en-US" dirty="0" smtClean="0"/>
+              <a:rPr lang="zh-CN" altLang="en-US" dirty="0"/>
               <a:t>以</a:t>
             </a:r>
             <a:r>
-              <a:rPr lang="en-US" altLang="zh-CN" dirty="0" smtClean="0"/>
+              <a:rPr lang="en-US" altLang="zh-CN" dirty="0"/>
               <a:t>q</a:t>
             </a:r>
             <a:r>
-              <a:rPr lang="zh-CN" altLang="en-US" dirty="0" smtClean="0"/>
+              <a:rPr lang="zh-CN" altLang="en-US" dirty="0"/>
               <a:t>为输入</a:t>
             </a:r>
             <a:r>
-              <a:rPr lang="en-US" altLang="zh-CN" dirty="0" smtClean="0"/>
+              <a:rPr lang="en-US" altLang="zh-CN" dirty="0"/>
               <a:t>)</a:t>
             </a:r>
           </a:p>
@@ -5689,7 +5660,7 @@
               <a:buChar char="•"/>
             </a:pPr>
             <a:r>
-              <a:rPr lang="zh-CN" altLang="en-US" dirty="0" smtClean="0"/>
+              <a:rPr lang="zh-CN" altLang="en-US" dirty="0"/>
               <a:t>适用性是问题。</a:t>
             </a:r>
             <a:endParaRPr lang="en-US" altLang="zh-CN" dirty="0"/>
@@ -5789,55 +5760,26 @@
               <a:buChar char="•"/>
             </a:pPr>
             <a:r>
-              <a:rPr lang="zh-CN" altLang="en-US" dirty="0" smtClean="0"/>
+              <a:rPr lang="zh-CN" altLang="en-US" dirty="0"/>
               <a:t>手机导航系统，每个用户需要找到两点之间最短的路径。输入为两点的地址，每个用户的中间值为基于该用户所拥有的数据集的所有可能的路线，每个用户需要找到最短的路径</a:t>
             </a:r>
             <a:r>
-              <a:rPr lang="en-US" altLang="zh-CN" dirty="0" smtClean="0"/>
+              <a:rPr lang="en-US" altLang="zh-CN" dirty="0"/>
               <a:t>(</a:t>
             </a:r>
             <a:r>
-              <a:rPr lang="zh-CN" altLang="en-US" dirty="0" smtClean="0"/>
+              <a:rPr lang="zh-CN" altLang="en-US" dirty="0"/>
               <a:t>需要基于两点的所有的路径</a:t>
             </a:r>
             <a:r>
-              <a:rPr lang="en-US" altLang="zh-CN" dirty="0" smtClean="0"/>
+              <a:rPr lang="en-US" altLang="zh-CN" dirty="0"/>
               <a:t>)</a:t>
             </a:r>
             <a:r>
-              <a:rPr lang="zh-CN" altLang="en-US" dirty="0" smtClean="0"/>
+              <a:rPr lang="zh-CN" altLang="en-US" dirty="0"/>
               <a:t>。</a:t>
             </a:r>
             <a:endParaRPr lang="en-US" altLang="zh-CN" dirty="0"/>
-          </a:p>
-          <a:p>
-            <a:pPr marL="285750" indent="-285750">
-              <a:buFont typeface="Arial" panose="020B0604020202020204" pitchFamily="34" charset="0"/>
-              <a:buChar char="•"/>
-            </a:pPr>
-            <a:endParaRPr lang="en-US" altLang="zh-CN" dirty="0" smtClean="0"/>
-          </a:p>
-          <a:p>
-            <a:pPr marL="285750" indent="-285750">
-              <a:buFont typeface="Arial" panose="020B0604020202020204" pitchFamily="34" charset="0"/>
-              <a:buChar char="•"/>
-            </a:pPr>
-            <a:r>
-              <a:rPr lang="zh-CN" altLang="en-US" dirty="0" smtClean="0"/>
-              <a:t>图像识别系统，输入可以是图像的特征，中间值是输入的特征与所有图片的特征比对，整个数据集是目标的特征库。每个用户要找到输入特征与某个特征最接近的图。</a:t>
-            </a:r>
-            <a:r>
-              <a:rPr lang="en-US" altLang="zh-CN" dirty="0" smtClean="0"/>
-              <a:t>(</a:t>
-            </a:r>
-            <a:r>
-              <a:rPr lang="zh-CN" altLang="en-US" dirty="0" smtClean="0"/>
-              <a:t>需要基于输入图像的所有比对</a:t>
-            </a:r>
-            <a:r>
-              <a:rPr lang="en-US" altLang="zh-CN" dirty="0" smtClean="0"/>
-              <a:t>)</a:t>
-            </a:r>
           </a:p>
           <a:p>
             <a:pPr marL="285750" indent="-285750">
@@ -5852,10 +5794,21 @@
               <a:buChar char="•"/>
             </a:pPr>
             <a:r>
-              <a:rPr lang="zh-CN" altLang="en-US" dirty="0" smtClean="0"/>
-              <a:t>过滤系统。比如想订饭店，输入为用户喜欢的饭店类型，中间值为基于该用户数据集的所有饭店的信息（地址、电话、图片）。每个用户要得到所有的饭店信息</a:t>
-            </a:r>
-            <a:endParaRPr lang="en-US" altLang="zh-CN" dirty="0" smtClean="0"/>
+              <a:rPr lang="zh-CN" altLang="en-US" dirty="0"/>
+              <a:t>图像识别系统，输入可以是图像的特征，中间值是输入的特征与所有图片的特征比对，整个数据集是目标的特征库。每个用户要找到输入特征与某个特征最接近的图。</a:t>
+            </a:r>
+            <a:r>
+              <a:rPr lang="en-US" altLang="zh-CN" dirty="0"/>
+              <a:t>(</a:t>
+            </a:r>
+            <a:r>
+              <a:rPr lang="zh-CN" altLang="en-US" dirty="0"/>
+              <a:t>需要基于输入图像的所有比对</a:t>
+            </a:r>
+            <a:r>
+              <a:rPr lang="en-US" altLang="zh-CN" dirty="0"/>
+              <a:t>)</a:t>
+            </a:r>
           </a:p>
           <a:p>
             <a:pPr marL="285750" indent="-285750">
@@ -5869,6 +5822,10 @@
               <a:buFont typeface="Arial" panose="020B0604020202020204" pitchFamily="34" charset="0"/>
               <a:buChar char="•"/>
             </a:pPr>
+            <a:r>
+              <a:rPr lang="zh-CN" altLang="en-US" dirty="0"/>
+              <a:t>过滤系统。比如想订饭店，输入为用户喜欢的饭店类型，中间值为基于该用户数据集的所有饭店的信息（地址、电话、图片）。每个用户要得到所有的饭店信息</a:t>
+            </a:r>
             <a:endParaRPr lang="en-US" altLang="zh-CN" dirty="0"/>
           </a:p>
           <a:p>
@@ -5876,30 +5833,14 @@
               <a:buFont typeface="Arial" panose="020B0604020202020204" pitchFamily="34" charset="0"/>
               <a:buChar char="•"/>
             </a:pPr>
-            <a:r>
-              <a:rPr lang="zh-CN" altLang="en-US" dirty="0" smtClean="0"/>
-              <a:t>矩阵运算（更底层）？</a:t>
-            </a:r>
-            <a:endParaRPr lang="en-US" altLang="zh-CN" dirty="0" smtClean="0"/>
+            <a:endParaRPr lang="en-US" altLang="zh-CN" dirty="0"/>
           </a:p>
           <a:p>
             <a:pPr marL="285750" indent="-285750">
               <a:buFont typeface="Arial" panose="020B0604020202020204" pitchFamily="34" charset="0"/>
               <a:buChar char="•"/>
             </a:pPr>
-            <a:r>
-              <a:rPr lang="zh-CN" altLang="en-US" dirty="0" smtClean="0"/>
-              <a:t>每个用户都有任务，如果考虑</a:t>
-            </a:r>
-            <a:r>
-              <a:rPr lang="en-US" altLang="zh-CN" dirty="0" smtClean="0"/>
-              <a:t>stragglers</a:t>
-            </a:r>
-            <a:r>
-              <a:rPr lang="zh-CN" altLang="en-US" dirty="0" smtClean="0"/>
-              <a:t>，有一些慢用户就得不到反馈。</a:t>
-            </a:r>
-            <a:endParaRPr lang="en-US" altLang="zh-CN" dirty="0" smtClean="0"/>
+            <a:endParaRPr lang="en-US" altLang="zh-CN" dirty="0"/>
           </a:p>
           <a:p>
             <a:pPr marL="285750" indent="-285750">
@@ -5907,47 +5848,77 @@
               <a:buChar char="•"/>
             </a:pPr>
             <a:r>
-              <a:rPr lang="zh-CN" altLang="en-US" dirty="0" smtClean="0"/>
+              <a:rPr lang="zh-CN" altLang="en-US" dirty="0"/>
+              <a:t>矩阵运算（更底层）？</a:t>
+            </a:r>
+            <a:endParaRPr lang="en-US" altLang="zh-CN" dirty="0"/>
+          </a:p>
+          <a:p>
+            <a:pPr marL="285750" indent="-285750">
+              <a:buFont typeface="Arial" panose="020B0604020202020204" pitchFamily="34" charset="0"/>
+              <a:buChar char="•"/>
+            </a:pPr>
+            <a:r>
+              <a:rPr lang="zh-CN" altLang="en-US" dirty="0"/>
+              <a:t>每个用户都有任务，如果考虑</a:t>
+            </a:r>
+            <a:r>
+              <a:rPr lang="en-US" altLang="zh-CN" dirty="0"/>
+              <a:t>stragglers</a:t>
+            </a:r>
+            <a:r>
+              <a:rPr lang="zh-CN" altLang="en-US" dirty="0"/>
+              <a:t>，有一些慢用户就得不到反馈。</a:t>
+            </a:r>
+            <a:endParaRPr lang="en-US" altLang="zh-CN" dirty="0"/>
+          </a:p>
+          <a:p>
+            <a:pPr marL="285750" indent="-285750">
+              <a:buFont typeface="Arial" panose="020B0604020202020204" pitchFamily="34" charset="0"/>
+              <a:buChar char="•"/>
+            </a:pPr>
+            <a:r>
+              <a:rPr lang="zh-CN" altLang="en-US" dirty="0"/>
               <a:t>主要问题还是</a:t>
             </a:r>
             <a:r>
-              <a:rPr lang="en-US" altLang="zh-CN" dirty="0" smtClean="0"/>
+              <a:rPr lang="en-US" altLang="zh-CN" dirty="0"/>
               <a:t>straggler</a:t>
             </a:r>
             <a:r>
-              <a:rPr lang="zh-CN" altLang="en-US" dirty="0" smtClean="0"/>
+              <a:rPr lang="zh-CN" altLang="en-US" dirty="0"/>
               <a:t>问题</a:t>
             </a:r>
             <a:r>
-              <a:rPr lang="en-US" altLang="zh-CN" dirty="0" smtClean="0"/>
+              <a:rPr lang="en-US" altLang="zh-CN" dirty="0"/>
               <a:t>(</a:t>
             </a:r>
             <a:r>
-              <a:rPr lang="zh-CN" altLang="en-US" dirty="0" smtClean="0"/>
+              <a:rPr lang="zh-CN" altLang="en-US" dirty="0"/>
               <a:t>矩阵计算</a:t>
             </a:r>
             <a:r>
-              <a:rPr lang="en-US" altLang="zh-CN" dirty="0" smtClean="0"/>
+              <a:rPr lang="en-US" altLang="zh-CN" dirty="0"/>
               <a:t>)</a:t>
             </a:r>
             <a:r>
-              <a:rPr lang="zh-CN" altLang="en-US" dirty="0" smtClean="0"/>
+              <a:rPr lang="zh-CN" altLang="en-US" dirty="0"/>
               <a:t>是把所有节点看成一个整体。无线框架下注重的是每个用户</a:t>
             </a:r>
             <a:r>
-              <a:rPr lang="en-US" altLang="zh-CN" dirty="0" smtClean="0"/>
+              <a:rPr lang="en-US" altLang="zh-CN" dirty="0"/>
               <a:t>(</a:t>
             </a:r>
             <a:r>
-              <a:rPr lang="zh-CN" altLang="en-US" dirty="0" smtClean="0"/>
+              <a:rPr lang="zh-CN" altLang="en-US" dirty="0"/>
               <a:t>节点</a:t>
             </a:r>
             <a:r>
-              <a:rPr lang="en-US" altLang="zh-CN" dirty="0" smtClean="0"/>
+              <a:rPr lang="en-US" altLang="zh-CN" dirty="0"/>
               <a:t>)</a:t>
             </a:r>
             <a:r>
-              <a:rPr lang="zh-CN" altLang="en-US" dirty="0" smtClean="0"/>
+              <a:rPr lang="zh-CN" altLang="en-US" dirty="0"/>
               <a:t>的任务。</a:t>
             </a:r>
             <a:endParaRPr lang="en-US" altLang="zh-CN" dirty="0"/>
@@ -6091,7 +6062,7 @@
           <a:lstStyle/>
           <a:p>
             <a:r>
-              <a:rPr lang="en-US" altLang="zh-CN" sz="4000" b="1" dirty="0" smtClean="0"/>
+              <a:rPr lang="en-US" altLang="zh-CN" sz="4000" b="1" dirty="0"/>
               <a:t>+</a:t>
             </a:r>
             <a:endParaRPr lang="zh-CN" altLang="en-US" b="1" dirty="0"/>
@@ -6121,7 +6092,7 @@
           <a:lstStyle/>
           <a:p>
             <a:r>
-              <a:rPr lang="en-US" altLang="zh-CN" sz="4000" b="1" dirty="0" smtClean="0"/>
+              <a:rPr lang="en-US" altLang="zh-CN" sz="4000" b="1" dirty="0"/>
               <a:t>+</a:t>
             </a:r>
             <a:endParaRPr lang="zh-CN" altLang="en-US" b="1" dirty="0"/>
@@ -6151,7 +6122,7 @@
           <a:lstStyle/>
           <a:p>
             <a:r>
-              <a:rPr lang="en-US" altLang="zh-CN" b="1" dirty="0" smtClean="0"/>
+              <a:rPr lang="en-US" altLang="zh-CN" b="1" dirty="0"/>
               <a:t>Heterogeneous function</a:t>
             </a:r>
             <a:r>
@@ -6159,7 +6130,7 @@
               <a:t> </a:t>
             </a:r>
             <a:r>
-              <a:rPr lang="en-US" altLang="zh-CN" b="1" dirty="0" smtClean="0"/>
+              <a:rPr lang="en-US" altLang="zh-CN" b="1" dirty="0"/>
               <a:t>and file placement</a:t>
             </a:r>
             <a:endParaRPr lang="zh-CN" altLang="en-US" b="1" dirty="0"/>
@@ -6189,15 +6160,15 @@
           <a:lstStyle/>
           <a:p>
             <a:r>
-              <a:rPr lang="en-US" altLang="zh-CN" sz="2400" dirty="0" smtClean="0"/>
+              <a:rPr lang="en-US" altLang="zh-CN" sz="2400" dirty="0"/>
               <a:t>2.idea</a:t>
             </a:r>
             <a:r>
-              <a:rPr lang="zh-CN" altLang="en-US" sz="2400" dirty="0" smtClean="0"/>
+              <a:rPr lang="zh-CN" altLang="en-US" sz="2400" dirty="0"/>
               <a:t>方向</a:t>
             </a:r>
             <a:r>
-              <a:rPr lang="en-US" altLang="zh-CN" sz="2400" dirty="0" smtClean="0"/>
+              <a:rPr lang="en-US" altLang="zh-CN" sz="2400" dirty="0"/>
               <a:t>2</a:t>
             </a:r>
             <a:endParaRPr lang="zh-CN" altLang="en-US" sz="2400" dirty="0"/>
@@ -6329,8 +6300,8 @@
           <a:chExt cx="0" cy="0"/>
         </a:xfrm>
       </p:grpSpPr>
-      <mc:AlternateContent xmlns:mc="http://schemas.openxmlformats.org/markup-compatibility/2006">
-        <mc:Choice xmlns:a14="http://schemas.microsoft.com/office/drawing/2010/main" Requires="a14">
+      <mc:AlternateContent xmlns:mc="http://schemas.openxmlformats.org/markup-compatibility/2006" xmlns:a14="http://schemas.microsoft.com/office/drawing/2010/main">
+        <mc:Choice Requires="a14">
           <p:sp>
             <p:nvSpPr>
               <p:cNvPr id="3" name="内容占位符 2"/>
@@ -6354,23 +6325,23 @@
               <a:lstStyle/>
               <a:p>
                 <a:r>
-                  <a:rPr lang="en-US" altLang="zh-CN" sz="1800" dirty="0" smtClean="0"/>
+                  <a:rPr lang="en-US" altLang="zh-CN" sz="1800" dirty="0"/>
                   <a:t>CDC  (</a:t>
                 </a:r>
                 <a:r>
-                  <a:rPr lang="zh-CN" altLang="en-US" sz="1800" dirty="0" smtClean="0"/>
+                  <a:rPr lang="zh-CN" altLang="en-US" sz="1800" dirty="0"/>
                   <a:t>用</a:t>
                 </a:r>
                 <a:r>
-                  <a:rPr lang="en-US" altLang="zh-CN" sz="1800" dirty="0" smtClean="0"/>
+                  <a:rPr lang="en-US" altLang="zh-CN" sz="1800" dirty="0"/>
                   <a:t>QN</a:t>
                 </a:r>
                 <a:r>
-                  <a:rPr lang="zh-CN" altLang="en-US" sz="1800" dirty="0" smtClean="0"/>
+                  <a:rPr lang="zh-CN" altLang="en-US" sz="1800" dirty="0"/>
                   <a:t>归一化</a:t>
                 </a:r>
                 <a:r>
-                  <a:rPr lang="en-US" altLang="zh-CN" sz="1800" dirty="0" smtClean="0"/>
+                  <a:rPr lang="en-US" altLang="zh-CN" sz="1800" dirty="0"/>
                   <a:t>)</a:t>
                 </a:r>
               </a:p>
@@ -6511,7 +6482,7 @@
                   </m:oMath>
                 </a14:m>
                 <a:r>
-                  <a:rPr lang="en-US" altLang="zh-CN" sz="1800" dirty="0" smtClean="0"/>
+                  <a:rPr lang="en-US" altLang="zh-CN" sz="1800" dirty="0"/>
                   <a:t>      </a:t>
                 </a:r>
                 <a14:m>
@@ -6938,7 +6909,7 @@
                     </m:f>
                   </m:oMath>
                 </a14:m>
-                <a:endParaRPr lang="en-US" altLang="zh-CN" sz="1800" dirty="0" smtClean="0"/>
+                <a:endParaRPr lang="en-US" altLang="zh-CN" sz="1800" dirty="0"/>
               </a:p>
               <a:p>
                 <a:pPr marL="0" indent="0">
@@ -6948,35 +6919,35 @@
               </a:p>
               <a:p>
                 <a:r>
-                  <a:rPr lang="zh-CN" altLang="en-US" sz="1800" dirty="0" smtClean="0"/>
+                  <a:rPr lang="zh-CN" altLang="en-US" sz="1800" dirty="0"/>
                   <a:t>上行下行</a:t>
                 </a:r>
                 <a:r>
-                  <a:rPr lang="en-US" altLang="zh-CN" sz="1800" dirty="0" smtClean="0"/>
+                  <a:rPr lang="en-US" altLang="zh-CN" sz="1800" dirty="0"/>
                   <a:t>(Q=K</a:t>
                 </a:r>
                 <a:r>
-                  <a:rPr lang="zh-CN" altLang="en-US" sz="1800" dirty="0" smtClean="0"/>
+                  <a:rPr lang="zh-CN" altLang="en-US" sz="1800" dirty="0"/>
                   <a:t>，每个用户处理一个</a:t>
                 </a:r>
                 <a:r>
-                  <a:rPr lang="en-US" altLang="zh-CN" sz="1800" dirty="0" smtClean="0"/>
+                  <a:rPr lang="en-US" altLang="zh-CN" sz="1800" dirty="0"/>
                   <a:t>output function</a:t>
                 </a:r>
                 <a:r>
-                  <a:rPr lang="zh-CN" altLang="en-US" sz="1800" dirty="0" smtClean="0"/>
+                  <a:rPr lang="zh-CN" altLang="en-US" sz="1800" dirty="0"/>
                   <a:t>，用</a:t>
                 </a:r>
                 <a:r>
-                  <a:rPr lang="en-US" altLang="zh-CN" sz="1800" dirty="0" smtClean="0"/>
+                  <a:rPr lang="en-US" altLang="zh-CN" sz="1800" dirty="0"/>
                   <a:t>N</a:t>
                 </a:r>
                 <a:r>
-                  <a:rPr lang="zh-CN" altLang="en-US" sz="1800" dirty="0" smtClean="0"/>
+                  <a:rPr lang="zh-CN" altLang="en-US" sz="1800" dirty="0"/>
                   <a:t>归一化</a:t>
                 </a:r>
                 <a:r>
-                  <a:rPr lang="en-US" altLang="zh-CN" sz="1800" dirty="0" smtClean="0"/>
+                  <a:rPr lang="en-US" altLang="zh-CN" sz="1800" dirty="0"/>
                   <a:t>)</a:t>
                 </a:r>
               </a:p>
@@ -7102,11 +7073,7 @@
                 </a14:m>
                 <a:r>
                   <a:rPr lang="en-US" altLang="zh-CN" sz="1800" dirty="0"/>
-                  <a:t> </a:t>
-                </a:r>
-                <a:r>
-                  <a:rPr lang="en-US" altLang="zh-CN" sz="1800" dirty="0" smtClean="0"/>
-                  <a:t>     </a:t>
+                  <a:t>      </a:t>
                 </a:r>
                 <a14:m>
                   <m:oMath xmlns:m="http://schemas.openxmlformats.org/officeDocument/2006/math">
@@ -7530,7 +7497,7 @@
                   </m:oMath>
                 </a14:m>
                 <a:r>
-                  <a:rPr lang="en-US" altLang="zh-CN" sz="1800" dirty="0" smtClean="0"/>
+                  <a:rPr lang="en-US" altLang="zh-CN" sz="1800" dirty="0"/>
                   <a:t>=</a:t>
                 </a:r>
                 <a14:m>
@@ -7598,7 +7565,7 @@
                     </m:r>
                   </m:oMath>
                 </a14:m>
-                <a:endParaRPr lang="en-US" altLang="zh-CN" sz="1800" dirty="0" smtClean="0"/>
+                <a:endParaRPr lang="en-US" altLang="zh-CN" sz="1800" dirty="0"/>
               </a:p>
               <a:p>
                 <a:pPr marL="0" indent="0">
@@ -7774,12 +7741,8 @@
                   </m:oMath>
                 </a14:m>
                 <a:r>
-                  <a:rPr lang="en-US" altLang="zh-CN" sz="1800" dirty="0" smtClean="0"/>
-                  <a:t>=</a:t>
-                </a:r>
-                <a:r>
                   <a:rPr lang="en-US" altLang="zh-CN" sz="1800" dirty="0"/>
-                  <a:t> </a:t>
+                  <a:t>= </a:t>
                 </a:r>
                 <a14:m>
                   <m:oMath xmlns:m="http://schemas.openxmlformats.org/officeDocument/2006/math">
@@ -7832,23 +7795,22 @@
                   </m:oMath>
                 </a14:m>
                 <a:r>
-                  <a:rPr lang="zh-CN" altLang="en-US" sz="1800" dirty="0" smtClean="0"/>
+                  <a:rPr lang="zh-CN" altLang="en-US" sz="1800" dirty="0"/>
                   <a:t>当</a:t>
                 </a:r>
                 <a:r>
-                  <a:rPr lang="en-US" altLang="zh-CN" sz="1800" dirty="0" smtClean="0"/>
+                  <a:rPr lang="en-US" altLang="zh-CN" sz="1800" dirty="0"/>
                   <a:t>Q=K</a:t>
                 </a:r>
                 <a:r>
-                  <a:rPr lang="zh-CN" altLang="en-US" sz="1800" dirty="0" smtClean="0"/>
+                  <a:rPr lang="zh-CN" altLang="en-US" sz="1800" dirty="0"/>
                   <a:t>时</a:t>
                 </a:r>
-                <a:endParaRPr lang="zh-CN" altLang="en-US" sz="1800" dirty="0"/>
               </a:p>
             </p:txBody>
           </p:sp>
         </mc:Choice>
-        <mc:Fallback>
+        <mc:Fallback xmlns="">
           <p:sp>
             <p:nvSpPr>
               <p:cNvPr id="3" name="内容占位符 2"/>
@@ -7890,6 +7852,1843 @@
     <p:extLst>
       <p:ext uri="{BB962C8B-B14F-4D97-AF65-F5344CB8AC3E}">
         <p14:creationId xmlns:p14="http://schemas.microsoft.com/office/powerpoint/2010/main" val="2279629214"/>
+      </p:ext>
+    </p:extLst>
+  </p:cSld>
+  <p:clrMapOvr>
+    <a:masterClrMapping/>
+  </p:clrMapOvr>
+</p:sld>
+</file>
+
+<file path=ppt/slides/slide21.xml><?xml version="1.0" encoding="utf-8"?>
+<p:sld xmlns:a="http://schemas.openxmlformats.org/drawingml/2006/main" xmlns:r="http://schemas.openxmlformats.org/officeDocument/2006/relationships" xmlns:p="http://schemas.openxmlformats.org/presentationml/2006/main">
+  <p:cSld>
+    <p:spTree>
+      <p:nvGrpSpPr>
+        <p:cNvPr id="1" name=""/>
+        <p:cNvGrpSpPr/>
+        <p:nvPr/>
+      </p:nvGrpSpPr>
+      <p:grpSpPr>
+        <a:xfrm>
+          <a:off x="0" y="0"/>
+          <a:ext cx="0" cy="0"/>
+          <a:chOff x="0" y="0"/>
+          <a:chExt cx="0" cy="0"/>
+        </a:xfrm>
+      </p:grpSpPr>
+      <p:sp>
+        <p:nvSpPr>
+          <p:cNvPr id="3" name="内容占位符 2"/>
+          <p:cNvSpPr>
+            <a:spLocks noGrp="1"/>
+          </p:cNvSpPr>
+          <p:nvPr>
+            <p:ph idx="1"/>
+          </p:nvPr>
+        </p:nvSpPr>
+        <p:spPr>
+          <a:xfrm>
+            <a:off x="776654" y="761756"/>
+            <a:ext cx="10515600" cy="4351338"/>
+          </a:xfrm>
+        </p:spPr>
+        <p:txBody>
+          <a:bodyPr>
+            <a:normAutofit/>
+          </a:bodyPr>
+          <a:lstStyle/>
+          <a:p>
+            <a:pPr marL="0" indent="0">
+              <a:buNone/>
+            </a:pPr>
+            <a:r>
+              <a:rPr lang="en-US" altLang="zh-CN" sz="1800" dirty="0"/>
+              <a:t>(</a:t>
+            </a:r>
+            <a:r>
+              <a:rPr lang="en-US" altLang="zh-CN" sz="1800" dirty="0" err="1"/>
+              <a:t>n,k</a:t>
+            </a:r>
+            <a:r>
+              <a:rPr lang="en-US" altLang="zh-CN" sz="1800" dirty="0"/>
+              <a:t>)MDS</a:t>
+            </a:r>
+            <a:r>
+              <a:rPr lang="zh-CN" altLang="en-US" sz="1800" dirty="0"/>
+              <a:t>码</a:t>
+            </a:r>
+            <a:endParaRPr lang="en-US" altLang="zh-CN" sz="1800" dirty="0"/>
+          </a:p>
+          <a:p>
+            <a:pPr marL="0" indent="0">
+              <a:buNone/>
+            </a:pPr>
+            <a:r>
+              <a:rPr lang="zh-CN" altLang="en-US" sz="1800" dirty="0"/>
+              <a:t>设总的行数为</a:t>
+            </a:r>
+            <a:r>
+              <a:rPr lang="en-US" altLang="zh-CN" sz="1800" dirty="0"/>
+              <a:t>m</a:t>
+            </a:r>
+            <a:r>
+              <a:rPr lang="zh-CN" altLang="en-US" sz="1800" dirty="0"/>
+              <a:t>，有</a:t>
+            </a:r>
+            <a:r>
+              <a:rPr lang="en-US" altLang="zh-CN" sz="1800" dirty="0"/>
+              <a:t>n</a:t>
+            </a:r>
+            <a:r>
+              <a:rPr lang="zh-CN" altLang="en-US" sz="1800" dirty="0"/>
+              <a:t>个节点，考虑任意</a:t>
+            </a:r>
+            <a:r>
+              <a:rPr lang="en-US" altLang="zh-CN" sz="1800" dirty="0"/>
+              <a:t>k</a:t>
+            </a:r>
+            <a:r>
+              <a:rPr lang="zh-CN" altLang="en-US" sz="1800" dirty="0"/>
+              <a:t>个节点返回</a:t>
+            </a:r>
+            <a:endParaRPr lang="en-US" altLang="zh-CN" sz="1800" dirty="0"/>
+          </a:p>
+          <a:p>
+            <a:pPr marL="0" indent="0">
+              <a:buNone/>
+            </a:pPr>
+            <a:r>
+              <a:rPr lang="zh-CN" altLang="en-US" sz="1800" dirty="0"/>
+              <a:t>应是把总的数据分成</a:t>
+            </a:r>
+            <a:r>
+              <a:rPr lang="en-US" altLang="zh-CN" sz="1800" dirty="0"/>
+              <a:t>k</a:t>
+            </a:r>
+            <a:r>
+              <a:rPr lang="zh-CN" altLang="en-US" sz="1800" dirty="0"/>
+              <a:t>个部分，再编码成</a:t>
+            </a:r>
+            <a:r>
+              <a:rPr lang="en-US" altLang="zh-CN" sz="1800" dirty="0"/>
+              <a:t>n</a:t>
+            </a:r>
+            <a:r>
+              <a:rPr lang="zh-CN" altLang="en-US" sz="1800" dirty="0"/>
+              <a:t>个部分，每个部分的大小为</a:t>
+            </a:r>
+            <a:r>
+              <a:rPr lang="en-US" altLang="zh-CN" sz="1800" dirty="0"/>
+              <a:t>m/k</a:t>
+            </a:r>
+          </a:p>
+          <a:p>
+            <a:pPr marL="0" indent="0">
+              <a:buNone/>
+            </a:pPr>
+            <a:endParaRPr lang="en-US" altLang="zh-CN" sz="1800" dirty="0"/>
+          </a:p>
+          <a:p>
+            <a:pPr marL="0" indent="0">
+              <a:buNone/>
+            </a:pPr>
+            <a:r>
+              <a:rPr lang="zh-CN" altLang="en-US" sz="1800" dirty="0"/>
+              <a:t>则换成相应的行数</a:t>
+            </a:r>
+            <a:endParaRPr lang="en-US" altLang="zh-CN" sz="1800" dirty="0"/>
+          </a:p>
+          <a:p>
+            <a:pPr marL="0" indent="0">
+              <a:buNone/>
+            </a:pPr>
+            <a:r>
+              <a:rPr lang="en-US" altLang="zh-CN" sz="1800" dirty="0"/>
+              <a:t>(n*m/k , k*m/k)=(</a:t>
+            </a:r>
+            <a:r>
+              <a:rPr lang="en-US" altLang="zh-CN" sz="1800" dirty="0" err="1"/>
+              <a:t>mn</a:t>
+            </a:r>
+            <a:r>
+              <a:rPr lang="en-US" altLang="zh-CN" sz="1800" dirty="0"/>
+              <a:t>/k , m)=(</a:t>
+            </a:r>
+            <a:r>
+              <a:rPr lang="en-US" altLang="zh-CN" sz="1800" dirty="0" err="1"/>
+              <a:t>μn</a:t>
+            </a:r>
+            <a:r>
+              <a:rPr lang="en-US" altLang="zh-CN" sz="1800" dirty="0"/>
+              <a:t> ,</a:t>
+            </a:r>
+            <a:r>
+              <a:rPr lang="zh-CN" altLang="en-US" sz="1800" dirty="0"/>
+              <a:t> </a:t>
+            </a:r>
+            <a:r>
+              <a:rPr lang="en-US" altLang="zh-CN" sz="1800" dirty="0"/>
+              <a:t>m)</a:t>
+            </a:r>
+            <a:r>
+              <a:rPr lang="zh-CN" altLang="en-US" sz="1800" dirty="0"/>
+              <a:t>其中</a:t>
+            </a:r>
+            <a:r>
+              <a:rPr lang="en-US" altLang="zh-CN" sz="1800" dirty="0"/>
+              <a:t>μ=1/k</a:t>
+            </a:r>
+            <a:r>
+              <a:rPr lang="zh-CN" altLang="en-US" sz="1800" dirty="0"/>
+              <a:t>，</a:t>
+            </a:r>
+            <a:r>
+              <a:rPr lang="en-US" altLang="zh-CN" sz="1800" dirty="0"/>
+              <a:t>n</a:t>
+            </a:r>
+            <a:r>
+              <a:rPr lang="zh-CN" altLang="en-US" sz="1800"/>
+              <a:t>是总节点</a:t>
+            </a:r>
+            <a:endParaRPr lang="en-US" altLang="zh-CN" sz="1800" dirty="0"/>
+          </a:p>
+        </p:txBody>
+      </p:sp>
+    </p:spTree>
+    <p:extLst>
+      <p:ext uri="{BB962C8B-B14F-4D97-AF65-F5344CB8AC3E}">
+        <p14:creationId xmlns:p14="http://schemas.microsoft.com/office/powerpoint/2010/main" val="1088066409"/>
+      </p:ext>
+    </p:extLst>
+  </p:cSld>
+  <p:clrMapOvr>
+    <a:masterClrMapping/>
+  </p:clrMapOvr>
+</p:sld>
+</file>
+
+<file path=ppt/slides/slide22.xml><?xml version="1.0" encoding="utf-8"?>
+<p:sld xmlns:a="http://schemas.openxmlformats.org/drawingml/2006/main" xmlns:r="http://schemas.openxmlformats.org/officeDocument/2006/relationships" xmlns:p="http://schemas.openxmlformats.org/presentationml/2006/main">
+  <p:cSld>
+    <p:spTree>
+      <p:nvGrpSpPr>
+        <p:cNvPr id="1" name=""/>
+        <p:cNvGrpSpPr/>
+        <p:nvPr/>
+      </p:nvGrpSpPr>
+      <p:grpSpPr>
+        <a:xfrm>
+          <a:off x="0" y="0"/>
+          <a:ext cx="0" cy="0"/>
+          <a:chOff x="0" y="0"/>
+          <a:chExt cx="0" cy="0"/>
+        </a:xfrm>
+      </p:grpSpPr>
+      <mc:AlternateContent xmlns:mc="http://schemas.openxmlformats.org/markup-compatibility/2006">
+        <mc:Choice xmlns:a14="http://schemas.microsoft.com/office/drawing/2010/main" Requires="a14">
+          <p:sp>
+            <p:nvSpPr>
+              <p:cNvPr id="3" name="内容占位符 2"/>
+              <p:cNvSpPr>
+                <a:spLocks noGrp="1"/>
+              </p:cNvSpPr>
+              <p:nvPr>
+                <p:ph idx="1"/>
+              </p:nvPr>
+            </p:nvSpPr>
+            <p:spPr>
+              <a:xfrm>
+                <a:off x="776653" y="761756"/>
+                <a:ext cx="10799461" cy="4351338"/>
+              </a:xfrm>
+            </p:spPr>
+            <p:txBody>
+              <a:bodyPr>
+                <a:normAutofit fontScale="92500" lnSpcReduction="10000"/>
+              </a:bodyPr>
+              <a:lstStyle/>
+              <a:p>
+                <a:pPr marL="0" indent="0">
+                  <a:buNone/>
+                </a:pPr>
+                <a:r>
+                  <a:rPr lang="zh-CN" altLang="en-US" sz="1800" dirty="0"/>
+                  <a:t>关于</a:t>
+                </a:r>
+                <a:r>
+                  <a:rPr lang="en-US" altLang="zh-CN" sz="1800" dirty="0"/>
+                  <a:t>batch</a:t>
+                </a:r>
+                <a:r>
+                  <a:rPr lang="zh-CN" altLang="en-US" sz="1800" dirty="0"/>
+                  <a:t>的问题</a:t>
+                </a:r>
+                <a:endParaRPr lang="en-US" altLang="zh-CN" sz="1800" dirty="0"/>
+              </a:p>
+              <a:p>
+                <a:pPr marL="0" indent="0">
+                  <a:buNone/>
+                </a:pPr>
+                <a:r>
+                  <a:rPr lang="en-US" altLang="zh-CN" sz="1800" dirty="0"/>
+                  <a:t>CDC</a:t>
+                </a:r>
+              </a:p>
+              <a:p>
+                <a:pPr marL="0" indent="0">
+                  <a:buNone/>
+                </a:pPr>
+                <a14:m>
+                  <m:oMathPara xmlns:m="http://schemas.openxmlformats.org/officeDocument/2006/math">
+                    <m:oMathParaPr>
+                      <m:jc m:val="left"/>
+                    </m:oMathParaPr>
+                    <m:oMath xmlns:m="http://schemas.openxmlformats.org/officeDocument/2006/math">
+                      <m:r>
+                        <a:rPr lang="en-US" altLang="zh-CN" sz="1800" b="0" i="1" smtClean="0">
+                          <a:latin typeface="Cambria Math" panose="02040503050406030204" pitchFamily="18" charset="0"/>
+                        </a:rPr>
+                        <m:t>𝑟</m:t>
+                      </m:r>
+                      <m:r>
+                        <a:rPr lang="en-US" altLang="zh-CN" sz="1800" b="0" i="1" smtClean="0">
+                          <a:latin typeface="Cambria Math" panose="02040503050406030204" pitchFamily="18" charset="0"/>
+                        </a:rPr>
+                        <m:t>=</m:t>
+                      </m:r>
+                      <m:r>
+                        <a:rPr lang="en-US" altLang="zh-CN" sz="1800" i="1">
+                          <a:latin typeface="Cambria Math" panose="02040503050406030204" pitchFamily="18" charset="0"/>
+                        </a:rPr>
+                        <m:t>𝜇</m:t>
+                      </m:r>
+                      <m:r>
+                        <a:rPr lang="en-US" altLang="zh-CN" sz="1800" b="0" i="1" smtClean="0">
+                          <a:latin typeface="Cambria Math" panose="02040503050406030204" pitchFamily="18" charset="0"/>
+                        </a:rPr>
+                        <m:t>𝐾</m:t>
+                      </m:r>
+                      <m:r>
+                        <a:rPr lang="en-US" altLang="zh-CN" sz="1800" b="0" i="1" smtClean="0">
+                          <a:latin typeface="Cambria Math" panose="02040503050406030204" pitchFamily="18" charset="0"/>
+                        </a:rPr>
+                        <m:t>,  </m:t>
+                      </m:r>
+                      <m:r>
+                        <a:rPr lang="en-US" altLang="zh-CN" sz="1800" b="0" i="1" smtClean="0">
+                          <a:latin typeface="Cambria Math" panose="02040503050406030204" pitchFamily="18" charset="0"/>
+                        </a:rPr>
+                        <m:t>𝐵𝑎𝑡𝑐h</m:t>
+                      </m:r>
+                      <m:r>
+                        <a:rPr lang="en-US" altLang="zh-CN" sz="1800" b="0" i="1" smtClean="0">
+                          <a:latin typeface="Cambria Math" panose="02040503050406030204" pitchFamily="18" charset="0"/>
+                        </a:rPr>
+                        <m:t>=</m:t>
+                      </m:r>
+                      <m:f>
+                        <m:fPr>
+                          <m:ctrlPr>
+                            <a:rPr lang="en-US" altLang="zh-CN" sz="1800" b="0" i="1" smtClean="0">
+                              <a:latin typeface="Cambria Math" panose="02040503050406030204" pitchFamily="18" charset="0"/>
+                            </a:rPr>
+                          </m:ctrlPr>
+                        </m:fPr>
+                        <m:num>
+                          <m:r>
+                            <a:rPr lang="en-US" altLang="zh-CN" sz="1800" b="0" i="1" smtClean="0">
+                              <a:latin typeface="Cambria Math" panose="02040503050406030204" pitchFamily="18" charset="0"/>
+                            </a:rPr>
+                            <m:t>𝑁</m:t>
+                          </m:r>
+                        </m:num>
+                        <m:den>
+                          <m:d>
+                            <m:dPr>
+                              <m:ctrlPr>
+                                <a:rPr lang="en-US" altLang="zh-CN" sz="1800" i="1">
+                                  <a:latin typeface="Cambria Math" panose="02040503050406030204" pitchFamily="18" charset="0"/>
+                                </a:rPr>
+                              </m:ctrlPr>
+                            </m:dPr>
+                            <m:e>
+                              <m:f>
+                                <m:fPr>
+                                  <m:type m:val="noBar"/>
+                                  <m:ctrlPr>
+                                    <a:rPr lang="en-US" altLang="zh-CN" sz="1800" i="1">
+                                      <a:latin typeface="Cambria Math" panose="02040503050406030204" pitchFamily="18" charset="0"/>
+                                    </a:rPr>
+                                  </m:ctrlPr>
+                                </m:fPr>
+                                <m:num>
+                                  <m:r>
+                                    <a:rPr lang="en-US" altLang="zh-CN" sz="1800" i="1">
+                                      <a:latin typeface="Cambria Math" panose="02040503050406030204" pitchFamily="18" charset="0"/>
+                                    </a:rPr>
+                                    <m:t>𝑟</m:t>
+                                  </m:r>
+                                </m:num>
+                                <m:den>
+                                  <m:r>
+                                    <a:rPr lang="en-US" altLang="zh-CN" sz="1800" i="1">
+                                      <a:latin typeface="Cambria Math" panose="02040503050406030204" pitchFamily="18" charset="0"/>
+                                    </a:rPr>
+                                    <m:t>𝐾</m:t>
+                                  </m:r>
+                                </m:den>
+                              </m:f>
+                            </m:e>
+                          </m:d>
+                        </m:den>
+                      </m:f>
+                    </m:oMath>
+                  </m:oMathPara>
+                </a14:m>
+                <a:endParaRPr lang="en-US" altLang="zh-CN" sz="1800" b="0" i="1" dirty="0"/>
+              </a:p>
+              <a:p>
+                <a:pPr marL="0" indent="0">
+                  <a:buNone/>
+                </a:pPr>
+                <a14:m>
+                  <m:oMathPara xmlns:m="http://schemas.openxmlformats.org/officeDocument/2006/math">
+                    <m:oMathParaPr>
+                      <m:jc m:val="left"/>
+                    </m:oMathParaPr>
+                    <m:oMath xmlns:m="http://schemas.openxmlformats.org/officeDocument/2006/math">
+                      <m:r>
+                        <a:rPr lang="en-US" altLang="zh-CN" sz="1800" b="0" i="1" smtClean="0">
+                          <a:latin typeface="Cambria Math" panose="02040503050406030204" pitchFamily="18" charset="0"/>
+                        </a:rPr>
+                        <m:t>𝑀</m:t>
+                      </m:r>
+                      <m:r>
+                        <a:rPr lang="en-US" altLang="zh-CN" sz="1800" b="0" i="1" smtClean="0">
+                          <a:latin typeface="Cambria Math" panose="02040503050406030204" pitchFamily="18" charset="0"/>
+                        </a:rPr>
+                        <m:t>=</m:t>
+                      </m:r>
+                      <m:d>
+                        <m:dPr>
+                          <m:ctrlPr>
+                            <a:rPr lang="en-US" altLang="zh-CN" sz="1800" i="1">
+                              <a:latin typeface="Cambria Math" panose="02040503050406030204" pitchFamily="18" charset="0"/>
+                            </a:rPr>
+                          </m:ctrlPr>
+                        </m:dPr>
+                        <m:e>
+                          <m:f>
+                            <m:fPr>
+                              <m:type m:val="noBar"/>
+                              <m:ctrlPr>
+                                <a:rPr lang="en-US" altLang="zh-CN" sz="1800" i="1">
+                                  <a:latin typeface="Cambria Math" panose="02040503050406030204" pitchFamily="18" charset="0"/>
+                                </a:rPr>
+                              </m:ctrlPr>
+                            </m:fPr>
+                            <m:num>
+                              <m:r>
+                                <a:rPr lang="en-US" altLang="zh-CN" sz="1800" i="1">
+                                  <a:latin typeface="Cambria Math" panose="02040503050406030204" pitchFamily="18" charset="0"/>
+                                </a:rPr>
+                                <m:t>𝑟</m:t>
+                              </m:r>
+                              <m:r>
+                                <a:rPr lang="en-US" altLang="zh-CN" sz="1800" b="0" i="1" smtClean="0">
+                                  <a:latin typeface="Cambria Math" panose="02040503050406030204" pitchFamily="18" charset="0"/>
+                                </a:rPr>
+                                <m:t>−1</m:t>
+                              </m:r>
+                            </m:num>
+                            <m:den>
+                              <m:r>
+                                <a:rPr lang="en-US" altLang="zh-CN" sz="1800" i="1">
+                                  <a:latin typeface="Cambria Math" panose="02040503050406030204" pitchFamily="18" charset="0"/>
+                                </a:rPr>
+                                <m:t>𝐾</m:t>
+                              </m:r>
+                              <m:r>
+                                <a:rPr lang="en-US" altLang="zh-CN" sz="1800" b="0" i="1" smtClean="0">
+                                  <a:latin typeface="Cambria Math" panose="02040503050406030204" pitchFamily="18" charset="0"/>
+                                </a:rPr>
+                                <m:t>−1</m:t>
+                              </m:r>
+                            </m:den>
+                          </m:f>
+                        </m:e>
+                      </m:d>
+                      <m:f>
+                        <m:fPr>
+                          <m:ctrlPr>
+                            <a:rPr lang="en-US" altLang="zh-CN" sz="1800" i="1">
+                              <a:latin typeface="Cambria Math" panose="02040503050406030204" pitchFamily="18" charset="0"/>
+                            </a:rPr>
+                          </m:ctrlPr>
+                        </m:fPr>
+                        <m:num>
+                          <m:r>
+                            <a:rPr lang="en-US" altLang="zh-CN" sz="1800" i="1">
+                              <a:latin typeface="Cambria Math" panose="02040503050406030204" pitchFamily="18" charset="0"/>
+                            </a:rPr>
+                            <m:t>𝑁</m:t>
+                          </m:r>
+                        </m:num>
+                        <m:den>
+                          <m:d>
+                            <m:dPr>
+                              <m:ctrlPr>
+                                <a:rPr lang="en-US" altLang="zh-CN" sz="1800" i="1">
+                                  <a:latin typeface="Cambria Math" panose="02040503050406030204" pitchFamily="18" charset="0"/>
+                                </a:rPr>
+                              </m:ctrlPr>
+                            </m:dPr>
+                            <m:e>
+                              <m:f>
+                                <m:fPr>
+                                  <m:type m:val="noBar"/>
+                                  <m:ctrlPr>
+                                    <a:rPr lang="en-US" altLang="zh-CN" sz="1800" i="1">
+                                      <a:latin typeface="Cambria Math" panose="02040503050406030204" pitchFamily="18" charset="0"/>
+                                    </a:rPr>
+                                  </m:ctrlPr>
+                                </m:fPr>
+                                <m:num>
+                                  <m:r>
+                                    <a:rPr lang="en-US" altLang="zh-CN" sz="1800" i="1">
+                                      <a:latin typeface="Cambria Math" panose="02040503050406030204" pitchFamily="18" charset="0"/>
+                                    </a:rPr>
+                                    <m:t>𝑟</m:t>
+                                  </m:r>
+                                </m:num>
+                                <m:den>
+                                  <m:r>
+                                    <a:rPr lang="en-US" altLang="zh-CN" sz="1800" i="1">
+                                      <a:latin typeface="Cambria Math" panose="02040503050406030204" pitchFamily="18" charset="0"/>
+                                    </a:rPr>
+                                    <m:t>𝐾</m:t>
+                                  </m:r>
+                                </m:den>
+                              </m:f>
+                            </m:e>
+                          </m:d>
+                        </m:den>
+                      </m:f>
+                      <m:r>
+                        <a:rPr lang="en-US" altLang="zh-CN" sz="1800" b="0" i="0" smtClean="0">
+                          <a:latin typeface="Cambria Math" panose="02040503050406030204" pitchFamily="18" charset="0"/>
+                        </a:rPr>
+                        <m:t>=</m:t>
+                      </m:r>
+                      <m:f>
+                        <m:fPr>
+                          <m:ctrlPr>
+                            <a:rPr lang="en-US" altLang="zh-CN" sz="1800" b="0" i="1" smtClean="0">
+                              <a:latin typeface="Cambria Math" panose="02040503050406030204" pitchFamily="18" charset="0"/>
+                            </a:rPr>
+                          </m:ctrlPr>
+                        </m:fPr>
+                        <m:num>
+                          <m:r>
+                            <a:rPr lang="en-US" altLang="zh-CN" sz="1800" b="0" i="1" smtClean="0">
+                              <a:latin typeface="Cambria Math" panose="02040503050406030204" pitchFamily="18" charset="0"/>
+                            </a:rPr>
+                            <m:t>𝑟𝑁</m:t>
+                          </m:r>
+                        </m:num>
+                        <m:den>
+                          <m:r>
+                            <a:rPr lang="en-US" altLang="zh-CN" sz="1800" b="0" i="1" smtClean="0">
+                              <a:latin typeface="Cambria Math" panose="02040503050406030204" pitchFamily="18" charset="0"/>
+                            </a:rPr>
+                            <m:t>𝐾</m:t>
+                          </m:r>
+                        </m:den>
+                      </m:f>
+                    </m:oMath>
+                  </m:oMathPara>
+                </a14:m>
+                <a:endParaRPr lang="en-US" altLang="zh-CN" sz="1800" b="0" i="1" dirty="0"/>
+              </a:p>
+              <a:p>
+                <a:pPr marL="0" indent="0">
+                  <a:buNone/>
+                </a:pPr>
+                <a:r>
+                  <a:rPr lang="zh-CN" altLang="en-US" sz="1800" b="0" dirty="0"/>
+                  <a:t>广播大组有</a:t>
+                </a:r>
+                <a14:m>
+                  <m:oMath xmlns:m="http://schemas.openxmlformats.org/officeDocument/2006/math">
+                    <m:d>
+                      <m:dPr>
+                        <m:ctrlPr>
+                          <a:rPr lang="en-US" altLang="zh-CN" sz="1800" b="0" i="1" smtClean="0">
+                            <a:latin typeface="Cambria Math" panose="02040503050406030204" pitchFamily="18" charset="0"/>
+                          </a:rPr>
+                        </m:ctrlPr>
+                      </m:dPr>
+                      <m:e>
+                        <m:f>
+                          <m:fPr>
+                            <m:type m:val="noBar"/>
+                            <m:ctrlPr>
+                              <a:rPr lang="en-US" altLang="zh-CN" sz="1800" b="0" i="1" smtClean="0">
+                                <a:latin typeface="Cambria Math" panose="02040503050406030204" pitchFamily="18" charset="0"/>
+                              </a:rPr>
+                            </m:ctrlPr>
+                          </m:fPr>
+                          <m:num>
+                            <m:r>
+                              <a:rPr lang="en-US" altLang="zh-CN" sz="1800" b="0" i="1" smtClean="0">
+                                <a:latin typeface="Cambria Math" panose="02040503050406030204" pitchFamily="18" charset="0"/>
+                              </a:rPr>
+                              <m:t>𝑟</m:t>
+                            </m:r>
+                            <m:r>
+                              <a:rPr lang="en-US" altLang="zh-CN" sz="1800" b="0" i="1" smtClean="0">
+                                <a:latin typeface="Cambria Math" panose="02040503050406030204" pitchFamily="18" charset="0"/>
+                              </a:rPr>
+                              <m:t>+1</m:t>
+                            </m:r>
+                          </m:num>
+                          <m:den>
+                            <m:r>
+                              <a:rPr lang="en-US" altLang="zh-CN" sz="1800" b="0" i="1" smtClean="0">
+                                <a:latin typeface="Cambria Math" panose="02040503050406030204" pitchFamily="18" charset="0"/>
+                              </a:rPr>
+                              <m:t>𝐾</m:t>
+                            </m:r>
+                          </m:den>
+                        </m:f>
+                      </m:e>
+                    </m:d>
+                    <m:r>
+                      <a:rPr lang="zh-CN" altLang="en-US" sz="1800" i="1">
+                        <a:latin typeface="Cambria Math" panose="02040503050406030204" pitchFamily="18" charset="0"/>
+                      </a:rPr>
+                      <m:t>个</m:t>
+                    </m:r>
+                  </m:oMath>
+                </a14:m>
+                <a:r>
+                  <a:rPr lang="zh-CN" altLang="en-US" sz="1800" b="0" dirty="0"/>
+                  <a:t>，与</a:t>
+                </a:r>
+                <a:r>
+                  <a:rPr lang="zh-CN" altLang="en-US" sz="1800" dirty="0"/>
+                  <a:t>某个节点相关的广播大组有</a:t>
+                </a:r>
+                <a14:m>
+                  <m:oMath xmlns:m="http://schemas.openxmlformats.org/officeDocument/2006/math">
+                    <m:d>
+                      <m:dPr>
+                        <m:ctrlPr>
+                          <a:rPr lang="en-US" altLang="zh-CN" sz="1800" i="1">
+                            <a:latin typeface="Cambria Math" panose="02040503050406030204" pitchFamily="18" charset="0"/>
+                          </a:rPr>
+                        </m:ctrlPr>
+                      </m:dPr>
+                      <m:e>
+                        <m:f>
+                          <m:fPr>
+                            <m:type m:val="noBar"/>
+                            <m:ctrlPr>
+                              <a:rPr lang="en-US" altLang="zh-CN" sz="1800" i="1">
+                                <a:latin typeface="Cambria Math" panose="02040503050406030204" pitchFamily="18" charset="0"/>
+                              </a:rPr>
+                            </m:ctrlPr>
+                          </m:fPr>
+                          <m:num>
+                            <m:r>
+                              <a:rPr lang="en-US" altLang="zh-CN" sz="1800" i="1">
+                                <a:latin typeface="Cambria Math" panose="02040503050406030204" pitchFamily="18" charset="0"/>
+                              </a:rPr>
+                              <m:t>𝑟</m:t>
+                            </m:r>
+                          </m:num>
+                          <m:den>
+                            <m:r>
+                              <a:rPr lang="en-US" altLang="zh-CN" sz="1800" i="1">
+                                <a:latin typeface="Cambria Math" panose="02040503050406030204" pitchFamily="18" charset="0"/>
+                              </a:rPr>
+                              <m:t>𝐾</m:t>
+                            </m:r>
+                            <m:r>
+                              <a:rPr lang="en-US" altLang="zh-CN" sz="1800" b="0" i="1" smtClean="0">
+                                <a:latin typeface="Cambria Math" panose="02040503050406030204" pitchFamily="18" charset="0"/>
+                              </a:rPr>
+                              <m:t>−1</m:t>
+                            </m:r>
+                          </m:den>
+                        </m:f>
+                      </m:e>
+                    </m:d>
+                  </m:oMath>
+                </a14:m>
+                <a:r>
+                  <a:rPr lang="zh-CN" altLang="en-US" sz="1800" b="0" dirty="0"/>
+                  <a:t>，在每个广播大组，每个节点都会得到一个</a:t>
+                </a:r>
+                <a:r>
+                  <a:rPr lang="en-US" altLang="zh-CN" sz="1800" b="0" dirty="0"/>
+                  <a:t>batch</a:t>
+                </a:r>
+              </a:p>
+              <a:p>
+                <a:pPr marL="0" indent="0">
+                  <a:buNone/>
+                </a:pPr>
+                <a:r>
+                  <a:rPr lang="zh-CN" altLang="en-US" sz="1800" b="0" dirty="0">
+                    <a:solidFill>
+                      <a:srgbClr val="FF0000"/>
+                    </a:solidFill>
+                  </a:rPr>
+                  <a:t>所以对于某个节点，能够得到的全部中间值为</a:t>
+                </a:r>
+                <a14:m>
+                  <m:oMath xmlns:m="http://schemas.openxmlformats.org/officeDocument/2006/math">
+                    <m:d>
+                      <m:dPr>
+                        <m:ctrlPr>
+                          <a:rPr lang="en-US" altLang="zh-CN" sz="1800" i="1">
+                            <a:solidFill>
+                              <a:srgbClr val="FF0000"/>
+                            </a:solidFill>
+                            <a:latin typeface="Cambria Math" panose="02040503050406030204" pitchFamily="18" charset="0"/>
+                          </a:rPr>
+                        </m:ctrlPr>
+                      </m:dPr>
+                      <m:e>
+                        <m:f>
+                          <m:fPr>
+                            <m:type m:val="noBar"/>
+                            <m:ctrlPr>
+                              <a:rPr lang="en-US" altLang="zh-CN" sz="1800" i="1">
+                                <a:solidFill>
+                                  <a:srgbClr val="FF0000"/>
+                                </a:solidFill>
+                                <a:latin typeface="Cambria Math" panose="02040503050406030204" pitchFamily="18" charset="0"/>
+                              </a:rPr>
+                            </m:ctrlPr>
+                          </m:fPr>
+                          <m:num>
+                            <m:r>
+                              <a:rPr lang="en-US" altLang="zh-CN" sz="1800" i="1">
+                                <a:solidFill>
+                                  <a:srgbClr val="FF0000"/>
+                                </a:solidFill>
+                                <a:latin typeface="Cambria Math" panose="02040503050406030204" pitchFamily="18" charset="0"/>
+                              </a:rPr>
+                              <m:t>𝑟</m:t>
+                            </m:r>
+                          </m:num>
+                          <m:den>
+                            <m:r>
+                              <a:rPr lang="en-US" altLang="zh-CN" sz="1800" i="1">
+                                <a:solidFill>
+                                  <a:srgbClr val="FF0000"/>
+                                </a:solidFill>
+                                <a:latin typeface="Cambria Math" panose="02040503050406030204" pitchFamily="18" charset="0"/>
+                              </a:rPr>
+                              <m:t>𝐾</m:t>
+                            </m:r>
+                            <m:r>
+                              <a:rPr lang="en-US" altLang="zh-CN" sz="1800" i="1">
+                                <a:solidFill>
+                                  <a:srgbClr val="FF0000"/>
+                                </a:solidFill>
+                                <a:latin typeface="Cambria Math" panose="02040503050406030204" pitchFamily="18" charset="0"/>
+                              </a:rPr>
+                              <m:t>−1</m:t>
+                            </m:r>
+                          </m:den>
+                        </m:f>
+                      </m:e>
+                    </m:d>
+                    <m:r>
+                      <a:rPr lang="en-US" altLang="zh-CN" sz="1800" b="0" i="1" smtClean="0">
+                        <a:solidFill>
+                          <a:srgbClr val="FF0000"/>
+                        </a:solidFill>
+                        <a:latin typeface="Cambria Math" panose="02040503050406030204" pitchFamily="18" charset="0"/>
+                      </a:rPr>
+                      <m:t>𝐵𝑎𝑡𝑐h</m:t>
+                    </m:r>
+                    <m:r>
+                      <a:rPr lang="en-US" altLang="zh-CN" sz="1800" b="0" i="1" smtClean="0">
+                        <a:solidFill>
+                          <a:srgbClr val="FF0000"/>
+                        </a:solidFill>
+                        <a:latin typeface="Cambria Math" panose="02040503050406030204" pitchFamily="18" charset="0"/>
+                      </a:rPr>
+                      <m:t>=</m:t>
+                    </m:r>
+                    <m:d>
+                      <m:dPr>
+                        <m:ctrlPr>
+                          <a:rPr lang="en-US" altLang="zh-CN" sz="1800" i="1">
+                            <a:solidFill>
+                              <a:srgbClr val="FF0000"/>
+                            </a:solidFill>
+                            <a:latin typeface="Cambria Math" panose="02040503050406030204" pitchFamily="18" charset="0"/>
+                          </a:rPr>
+                        </m:ctrlPr>
+                      </m:dPr>
+                      <m:e>
+                        <m:f>
+                          <m:fPr>
+                            <m:type m:val="noBar"/>
+                            <m:ctrlPr>
+                              <a:rPr lang="en-US" altLang="zh-CN" sz="1800" i="1">
+                                <a:solidFill>
+                                  <a:srgbClr val="FF0000"/>
+                                </a:solidFill>
+                                <a:latin typeface="Cambria Math" panose="02040503050406030204" pitchFamily="18" charset="0"/>
+                              </a:rPr>
+                            </m:ctrlPr>
+                          </m:fPr>
+                          <m:num>
+                            <m:r>
+                              <a:rPr lang="en-US" altLang="zh-CN" sz="1800" i="1">
+                                <a:solidFill>
+                                  <a:srgbClr val="FF0000"/>
+                                </a:solidFill>
+                                <a:latin typeface="Cambria Math" panose="02040503050406030204" pitchFamily="18" charset="0"/>
+                              </a:rPr>
+                              <m:t>𝑟</m:t>
+                            </m:r>
+                          </m:num>
+                          <m:den>
+                            <m:r>
+                              <a:rPr lang="en-US" altLang="zh-CN" sz="1800" i="1">
+                                <a:solidFill>
+                                  <a:srgbClr val="FF0000"/>
+                                </a:solidFill>
+                                <a:latin typeface="Cambria Math" panose="02040503050406030204" pitchFamily="18" charset="0"/>
+                              </a:rPr>
+                              <m:t>𝐾</m:t>
+                            </m:r>
+                            <m:r>
+                              <a:rPr lang="en-US" altLang="zh-CN" sz="1800" i="1">
+                                <a:solidFill>
+                                  <a:srgbClr val="FF0000"/>
+                                </a:solidFill>
+                                <a:latin typeface="Cambria Math" panose="02040503050406030204" pitchFamily="18" charset="0"/>
+                              </a:rPr>
+                              <m:t>−1</m:t>
+                            </m:r>
+                          </m:den>
+                        </m:f>
+                      </m:e>
+                    </m:d>
+                    <m:f>
+                      <m:fPr>
+                        <m:ctrlPr>
+                          <a:rPr lang="en-US" altLang="zh-CN" sz="1800" i="1">
+                            <a:solidFill>
+                              <a:srgbClr val="FF0000"/>
+                            </a:solidFill>
+                            <a:latin typeface="Cambria Math" panose="02040503050406030204" pitchFamily="18" charset="0"/>
+                          </a:rPr>
+                        </m:ctrlPr>
+                      </m:fPr>
+                      <m:num>
+                        <m:r>
+                          <a:rPr lang="en-US" altLang="zh-CN" sz="1800" i="1">
+                            <a:solidFill>
+                              <a:srgbClr val="FF0000"/>
+                            </a:solidFill>
+                            <a:latin typeface="Cambria Math" panose="02040503050406030204" pitchFamily="18" charset="0"/>
+                          </a:rPr>
+                          <m:t>𝑁</m:t>
+                        </m:r>
+                      </m:num>
+                      <m:den>
+                        <m:d>
+                          <m:dPr>
+                            <m:ctrlPr>
+                              <a:rPr lang="en-US" altLang="zh-CN" sz="1800" i="1">
+                                <a:solidFill>
+                                  <a:srgbClr val="FF0000"/>
+                                </a:solidFill>
+                                <a:latin typeface="Cambria Math" panose="02040503050406030204" pitchFamily="18" charset="0"/>
+                              </a:rPr>
+                            </m:ctrlPr>
+                          </m:dPr>
+                          <m:e>
+                            <m:f>
+                              <m:fPr>
+                                <m:type m:val="noBar"/>
+                                <m:ctrlPr>
+                                  <a:rPr lang="en-US" altLang="zh-CN" sz="1800" i="1">
+                                    <a:solidFill>
+                                      <a:srgbClr val="FF0000"/>
+                                    </a:solidFill>
+                                    <a:latin typeface="Cambria Math" panose="02040503050406030204" pitchFamily="18" charset="0"/>
+                                  </a:rPr>
+                                </m:ctrlPr>
+                              </m:fPr>
+                              <m:num>
+                                <m:r>
+                                  <a:rPr lang="en-US" altLang="zh-CN" sz="1800" i="1">
+                                    <a:solidFill>
+                                      <a:srgbClr val="FF0000"/>
+                                    </a:solidFill>
+                                    <a:latin typeface="Cambria Math" panose="02040503050406030204" pitchFamily="18" charset="0"/>
+                                  </a:rPr>
+                                  <m:t>𝑟</m:t>
+                                </m:r>
+                              </m:num>
+                              <m:den>
+                                <m:r>
+                                  <a:rPr lang="en-US" altLang="zh-CN" sz="1800" i="1">
+                                    <a:solidFill>
+                                      <a:srgbClr val="FF0000"/>
+                                    </a:solidFill>
+                                    <a:latin typeface="Cambria Math" panose="02040503050406030204" pitchFamily="18" charset="0"/>
+                                  </a:rPr>
+                                  <m:t>𝐾</m:t>
+                                </m:r>
+                              </m:den>
+                            </m:f>
+                          </m:e>
+                        </m:d>
+                      </m:den>
+                    </m:f>
+                  </m:oMath>
+                </a14:m>
+                <a:endParaRPr lang="en-US" altLang="zh-CN" sz="1800" b="0" i="1" dirty="0">
+                  <a:solidFill>
+                    <a:srgbClr val="FF0000"/>
+                  </a:solidFill>
+                </a:endParaRPr>
+              </a:p>
+              <a:p>
+                <a:pPr marL="0" indent="0">
+                  <a:buNone/>
+                </a:pPr>
+                <a:r>
+                  <a:rPr lang="zh-CN" altLang="en-US" sz="1800" b="0" dirty="0"/>
+                  <a:t>完整性：</a:t>
+                </a:r>
+                <a:r>
+                  <a:rPr lang="en-US" altLang="zh-CN" sz="1800" dirty="0"/>
+                  <a:t> </a:t>
+                </a:r>
+                <a14:m>
+                  <m:oMath xmlns:m="http://schemas.openxmlformats.org/officeDocument/2006/math">
+                    <m:d>
+                      <m:dPr>
+                        <m:ctrlPr>
+                          <a:rPr lang="en-US" altLang="zh-CN" sz="1800" i="1">
+                            <a:latin typeface="Cambria Math" panose="02040503050406030204" pitchFamily="18" charset="0"/>
+                          </a:rPr>
+                        </m:ctrlPr>
+                      </m:dPr>
+                      <m:e>
+                        <m:f>
+                          <m:fPr>
+                            <m:type m:val="noBar"/>
+                            <m:ctrlPr>
+                              <a:rPr lang="en-US" altLang="zh-CN" sz="1800" i="1">
+                                <a:latin typeface="Cambria Math" panose="02040503050406030204" pitchFamily="18" charset="0"/>
+                              </a:rPr>
+                            </m:ctrlPr>
+                          </m:fPr>
+                          <m:num>
+                            <m:r>
+                              <a:rPr lang="en-US" altLang="zh-CN" sz="1800" i="1">
+                                <a:latin typeface="Cambria Math" panose="02040503050406030204" pitchFamily="18" charset="0"/>
+                              </a:rPr>
+                              <m:t>𝑟</m:t>
+                            </m:r>
+                            <m:r>
+                              <a:rPr lang="en-US" altLang="zh-CN" sz="1800" i="1">
+                                <a:latin typeface="Cambria Math" panose="02040503050406030204" pitchFamily="18" charset="0"/>
+                              </a:rPr>
+                              <m:t>−1</m:t>
+                            </m:r>
+                          </m:num>
+                          <m:den>
+                            <m:r>
+                              <a:rPr lang="en-US" altLang="zh-CN" sz="1800" i="1">
+                                <a:latin typeface="Cambria Math" panose="02040503050406030204" pitchFamily="18" charset="0"/>
+                              </a:rPr>
+                              <m:t>𝐾</m:t>
+                            </m:r>
+                            <m:r>
+                              <a:rPr lang="en-US" altLang="zh-CN" sz="1800" i="1">
+                                <a:latin typeface="Cambria Math" panose="02040503050406030204" pitchFamily="18" charset="0"/>
+                              </a:rPr>
+                              <m:t>−1</m:t>
+                            </m:r>
+                          </m:den>
+                        </m:f>
+                      </m:e>
+                    </m:d>
+                    <m:f>
+                      <m:fPr>
+                        <m:ctrlPr>
+                          <a:rPr lang="en-US" altLang="zh-CN" sz="1800" i="1">
+                            <a:latin typeface="Cambria Math" panose="02040503050406030204" pitchFamily="18" charset="0"/>
+                          </a:rPr>
+                        </m:ctrlPr>
+                      </m:fPr>
+                      <m:num>
+                        <m:r>
+                          <a:rPr lang="en-US" altLang="zh-CN" sz="1800" i="1">
+                            <a:latin typeface="Cambria Math" panose="02040503050406030204" pitchFamily="18" charset="0"/>
+                          </a:rPr>
+                          <m:t>𝑁</m:t>
+                        </m:r>
+                      </m:num>
+                      <m:den>
+                        <m:d>
+                          <m:dPr>
+                            <m:ctrlPr>
+                              <a:rPr lang="en-US" altLang="zh-CN" sz="1800" i="1">
+                                <a:latin typeface="Cambria Math" panose="02040503050406030204" pitchFamily="18" charset="0"/>
+                              </a:rPr>
+                            </m:ctrlPr>
+                          </m:dPr>
+                          <m:e>
+                            <m:f>
+                              <m:fPr>
+                                <m:type m:val="noBar"/>
+                                <m:ctrlPr>
+                                  <a:rPr lang="en-US" altLang="zh-CN" sz="1800" i="1">
+                                    <a:latin typeface="Cambria Math" panose="02040503050406030204" pitchFamily="18" charset="0"/>
+                                  </a:rPr>
+                                </m:ctrlPr>
+                              </m:fPr>
+                              <m:num>
+                                <m:r>
+                                  <a:rPr lang="en-US" altLang="zh-CN" sz="1800" i="1">
+                                    <a:latin typeface="Cambria Math" panose="02040503050406030204" pitchFamily="18" charset="0"/>
+                                  </a:rPr>
+                                  <m:t>𝑟</m:t>
+                                </m:r>
+                              </m:num>
+                              <m:den>
+                                <m:r>
+                                  <a:rPr lang="en-US" altLang="zh-CN" sz="1800" i="1">
+                                    <a:latin typeface="Cambria Math" panose="02040503050406030204" pitchFamily="18" charset="0"/>
+                                  </a:rPr>
+                                  <m:t>𝐾</m:t>
+                                </m:r>
+                              </m:den>
+                            </m:f>
+                          </m:e>
+                        </m:d>
+                      </m:den>
+                    </m:f>
+                    <m:r>
+                      <a:rPr lang="en-US" altLang="zh-CN" sz="1800" b="0" i="1" smtClean="0">
+                        <a:latin typeface="Cambria Math" panose="02040503050406030204" pitchFamily="18" charset="0"/>
+                      </a:rPr>
+                      <m:t>+</m:t>
+                    </m:r>
+                    <m:d>
+                      <m:dPr>
+                        <m:ctrlPr>
+                          <a:rPr lang="en-US" altLang="zh-CN" sz="1800" i="1">
+                            <a:solidFill>
+                              <a:srgbClr val="FF0000"/>
+                            </a:solidFill>
+                            <a:latin typeface="Cambria Math" panose="02040503050406030204" pitchFamily="18" charset="0"/>
+                          </a:rPr>
+                        </m:ctrlPr>
+                      </m:dPr>
+                      <m:e>
+                        <m:f>
+                          <m:fPr>
+                            <m:type m:val="noBar"/>
+                            <m:ctrlPr>
+                              <a:rPr lang="en-US" altLang="zh-CN" sz="1800" i="1">
+                                <a:solidFill>
+                                  <a:srgbClr val="FF0000"/>
+                                </a:solidFill>
+                                <a:latin typeface="Cambria Math" panose="02040503050406030204" pitchFamily="18" charset="0"/>
+                              </a:rPr>
+                            </m:ctrlPr>
+                          </m:fPr>
+                          <m:num>
+                            <m:r>
+                              <a:rPr lang="en-US" altLang="zh-CN" sz="1800" i="1">
+                                <a:solidFill>
+                                  <a:srgbClr val="FF0000"/>
+                                </a:solidFill>
+                                <a:latin typeface="Cambria Math" panose="02040503050406030204" pitchFamily="18" charset="0"/>
+                              </a:rPr>
+                              <m:t>𝑟</m:t>
+                            </m:r>
+                          </m:num>
+                          <m:den>
+                            <m:r>
+                              <a:rPr lang="en-US" altLang="zh-CN" sz="1800" i="1">
+                                <a:solidFill>
+                                  <a:srgbClr val="FF0000"/>
+                                </a:solidFill>
+                                <a:latin typeface="Cambria Math" panose="02040503050406030204" pitchFamily="18" charset="0"/>
+                              </a:rPr>
+                              <m:t>𝐾</m:t>
+                            </m:r>
+                            <m:r>
+                              <a:rPr lang="en-US" altLang="zh-CN" sz="1800" i="1">
+                                <a:solidFill>
+                                  <a:srgbClr val="FF0000"/>
+                                </a:solidFill>
+                                <a:latin typeface="Cambria Math" panose="02040503050406030204" pitchFamily="18" charset="0"/>
+                              </a:rPr>
+                              <m:t>−1</m:t>
+                            </m:r>
+                          </m:den>
+                        </m:f>
+                      </m:e>
+                    </m:d>
+                    <m:f>
+                      <m:fPr>
+                        <m:ctrlPr>
+                          <a:rPr lang="en-US" altLang="zh-CN" sz="1800" i="1">
+                            <a:solidFill>
+                              <a:srgbClr val="FF0000"/>
+                            </a:solidFill>
+                            <a:latin typeface="Cambria Math" panose="02040503050406030204" pitchFamily="18" charset="0"/>
+                          </a:rPr>
+                        </m:ctrlPr>
+                      </m:fPr>
+                      <m:num>
+                        <m:r>
+                          <a:rPr lang="en-US" altLang="zh-CN" sz="1800" i="1">
+                            <a:solidFill>
+                              <a:srgbClr val="FF0000"/>
+                            </a:solidFill>
+                            <a:latin typeface="Cambria Math" panose="02040503050406030204" pitchFamily="18" charset="0"/>
+                          </a:rPr>
+                          <m:t>𝑁</m:t>
+                        </m:r>
+                      </m:num>
+                      <m:den>
+                        <m:d>
+                          <m:dPr>
+                            <m:ctrlPr>
+                              <a:rPr lang="en-US" altLang="zh-CN" sz="1800" i="1">
+                                <a:solidFill>
+                                  <a:srgbClr val="FF0000"/>
+                                </a:solidFill>
+                                <a:latin typeface="Cambria Math" panose="02040503050406030204" pitchFamily="18" charset="0"/>
+                              </a:rPr>
+                            </m:ctrlPr>
+                          </m:dPr>
+                          <m:e>
+                            <m:f>
+                              <m:fPr>
+                                <m:type m:val="noBar"/>
+                                <m:ctrlPr>
+                                  <a:rPr lang="en-US" altLang="zh-CN" sz="1800" i="1">
+                                    <a:solidFill>
+                                      <a:srgbClr val="FF0000"/>
+                                    </a:solidFill>
+                                    <a:latin typeface="Cambria Math" panose="02040503050406030204" pitchFamily="18" charset="0"/>
+                                  </a:rPr>
+                                </m:ctrlPr>
+                              </m:fPr>
+                              <m:num>
+                                <m:r>
+                                  <a:rPr lang="en-US" altLang="zh-CN" sz="1800" i="1">
+                                    <a:solidFill>
+                                      <a:srgbClr val="FF0000"/>
+                                    </a:solidFill>
+                                    <a:latin typeface="Cambria Math" panose="02040503050406030204" pitchFamily="18" charset="0"/>
+                                  </a:rPr>
+                                  <m:t>𝑟</m:t>
+                                </m:r>
+                              </m:num>
+                              <m:den>
+                                <m:r>
+                                  <a:rPr lang="en-US" altLang="zh-CN" sz="1800" i="1">
+                                    <a:solidFill>
+                                      <a:srgbClr val="FF0000"/>
+                                    </a:solidFill>
+                                    <a:latin typeface="Cambria Math" panose="02040503050406030204" pitchFamily="18" charset="0"/>
+                                  </a:rPr>
+                                  <m:t>𝐾</m:t>
+                                </m:r>
+                              </m:den>
+                            </m:f>
+                          </m:e>
+                        </m:d>
+                      </m:den>
+                    </m:f>
+                    <m:r>
+                      <a:rPr lang="en-US" altLang="zh-CN" sz="1800" b="0" i="1" smtClean="0">
+                        <a:solidFill>
+                          <a:srgbClr val="FF0000"/>
+                        </a:solidFill>
+                        <a:latin typeface="Cambria Math" panose="02040503050406030204" pitchFamily="18" charset="0"/>
+                      </a:rPr>
+                      <m:t>=</m:t>
+                    </m:r>
+                    <m:r>
+                      <a:rPr lang="en-US" altLang="zh-CN" sz="1800" b="0" i="1" smtClean="0">
+                        <a:solidFill>
+                          <a:srgbClr val="FF0000"/>
+                        </a:solidFill>
+                        <a:latin typeface="Cambria Math" panose="02040503050406030204" pitchFamily="18" charset="0"/>
+                      </a:rPr>
+                      <m:t>𝑁</m:t>
+                    </m:r>
+                  </m:oMath>
+                </a14:m>
+                <a:endParaRPr lang="en-US" altLang="zh-CN" sz="1800" b="0" dirty="0"/>
+              </a:p>
+              <a:p>
+                <a:pPr marL="0" indent="0">
+                  <a:buNone/>
+                </a:pPr>
+                <a:r>
+                  <a:rPr lang="zh-CN" altLang="en-US" sz="1800" dirty="0"/>
+                  <a:t>考虑一个广播大组，有</a:t>
+                </a:r>
+                <a14:m>
+                  <m:oMath xmlns:m="http://schemas.openxmlformats.org/officeDocument/2006/math">
+                    <m:r>
+                      <a:rPr lang="en-US" altLang="zh-CN" sz="1800" b="0" i="1" smtClean="0">
+                        <a:latin typeface="Cambria Math" panose="02040503050406030204" pitchFamily="18" charset="0"/>
+                      </a:rPr>
+                      <m:t>𝑟</m:t>
+                    </m:r>
+                    <m:r>
+                      <a:rPr lang="en-US" altLang="zh-CN" sz="1800" b="0" i="1" smtClean="0">
+                        <a:latin typeface="Cambria Math" panose="02040503050406030204" pitchFamily="18" charset="0"/>
+                      </a:rPr>
+                      <m:t>+1</m:t>
+                    </m:r>
+                  </m:oMath>
+                </a14:m>
+                <a:r>
+                  <a:rPr lang="zh-CN" altLang="en-US" sz="1800" dirty="0"/>
+                  <a:t>个节点，一共要发</a:t>
+                </a:r>
+                <a14:m>
+                  <m:oMath xmlns:m="http://schemas.openxmlformats.org/officeDocument/2006/math">
+                    <m:d>
+                      <m:dPr>
+                        <m:ctrlPr>
+                          <a:rPr lang="en-US" altLang="zh-CN" sz="1800" i="1">
+                            <a:latin typeface="Cambria Math" panose="02040503050406030204" pitchFamily="18" charset="0"/>
+                          </a:rPr>
+                        </m:ctrlPr>
+                      </m:dPr>
+                      <m:e>
+                        <m:f>
+                          <m:fPr>
+                            <m:type m:val="noBar"/>
+                            <m:ctrlPr>
+                              <a:rPr lang="en-US" altLang="zh-CN" sz="1800" i="1">
+                                <a:latin typeface="Cambria Math" panose="02040503050406030204" pitchFamily="18" charset="0"/>
+                              </a:rPr>
+                            </m:ctrlPr>
+                          </m:fPr>
+                          <m:num>
+                            <m:r>
+                              <a:rPr lang="en-US" altLang="zh-CN" sz="1800" i="1">
+                                <a:latin typeface="Cambria Math" panose="02040503050406030204" pitchFamily="18" charset="0"/>
+                              </a:rPr>
+                              <m:t>𝑟</m:t>
+                            </m:r>
+                          </m:num>
+                          <m:den>
+                            <m:r>
+                              <a:rPr lang="en-US" altLang="zh-CN" sz="1800" b="0" i="1" smtClean="0">
+                                <a:latin typeface="Cambria Math" panose="02040503050406030204" pitchFamily="18" charset="0"/>
+                              </a:rPr>
+                              <m:t>𝑟</m:t>
+                            </m:r>
+                            <m:r>
+                              <a:rPr lang="en-US" altLang="zh-CN" sz="1800" b="0" i="1" smtClean="0">
+                                <a:latin typeface="Cambria Math" panose="02040503050406030204" pitchFamily="18" charset="0"/>
+                              </a:rPr>
+                              <m:t>+1</m:t>
+                            </m:r>
+                          </m:den>
+                        </m:f>
+                      </m:e>
+                    </m:d>
+                    <m:r>
+                      <a:rPr lang="en-US" altLang="zh-CN" sz="1800" i="1">
+                        <a:latin typeface="Cambria Math" panose="02040503050406030204" pitchFamily="18" charset="0"/>
+                      </a:rPr>
+                      <m:t> </m:t>
+                    </m:r>
+                    <m:r>
+                      <a:rPr lang="en-US" altLang="zh-CN" sz="1800" i="1" smtClean="0">
+                        <a:latin typeface="Cambria Math" panose="02040503050406030204" pitchFamily="18" charset="0"/>
+                      </a:rPr>
+                      <m:t>=</m:t>
+                    </m:r>
+                    <m:r>
+                      <a:rPr lang="en-US" altLang="zh-CN" sz="1800" b="0" i="1" smtClean="0">
+                        <a:latin typeface="Cambria Math" panose="02040503050406030204" pitchFamily="18" charset="0"/>
+                      </a:rPr>
+                      <m:t>𝑟</m:t>
+                    </m:r>
+                    <m:r>
+                      <a:rPr lang="en-US" altLang="zh-CN" sz="1800" b="0" i="1" smtClean="0">
+                        <a:latin typeface="Cambria Math" panose="02040503050406030204" pitchFamily="18" charset="0"/>
+                      </a:rPr>
+                      <m:t>+1</m:t>
+                    </m:r>
+                    <m:r>
+                      <a:rPr lang="zh-CN" altLang="en-US" sz="1800" i="1">
+                        <a:latin typeface="Cambria Math" panose="02040503050406030204" pitchFamily="18" charset="0"/>
+                      </a:rPr>
+                      <m:t>个</m:t>
+                    </m:r>
+                    <m:r>
+                      <a:rPr lang="zh-CN" altLang="en-US" sz="1800" i="1" smtClean="0">
+                        <a:latin typeface="Cambria Math" panose="02040503050406030204" pitchFamily="18" charset="0"/>
+                      </a:rPr>
+                      <m:t>异或</m:t>
+                    </m:r>
+                  </m:oMath>
+                </a14:m>
+                <a:r>
+                  <a:rPr lang="zh-CN" altLang="en-US" sz="1800" b="0" dirty="0"/>
+                  <a:t>数据</a:t>
+                </a:r>
+                <a:r>
+                  <a:rPr lang="zh-CN" altLang="en-US" sz="1800" dirty="0"/>
+                  <a:t>；某个异或数据的元素个数为</a:t>
+                </a:r>
+                <a14:m>
+                  <m:oMath xmlns:m="http://schemas.openxmlformats.org/officeDocument/2006/math">
+                    <m:d>
+                      <m:dPr>
+                        <m:ctrlPr>
+                          <a:rPr lang="en-US" altLang="zh-CN" sz="1800" i="1">
+                            <a:latin typeface="Cambria Math" panose="02040503050406030204" pitchFamily="18" charset="0"/>
+                          </a:rPr>
+                        </m:ctrlPr>
+                      </m:dPr>
+                      <m:e>
+                        <m:f>
+                          <m:fPr>
+                            <m:type m:val="noBar"/>
+                            <m:ctrlPr>
+                              <a:rPr lang="en-US" altLang="zh-CN" sz="1800" i="1">
+                                <a:latin typeface="Cambria Math" panose="02040503050406030204" pitchFamily="18" charset="0"/>
+                              </a:rPr>
+                            </m:ctrlPr>
+                          </m:fPr>
+                          <m:num>
+                            <m:r>
+                              <a:rPr lang="en-US" altLang="zh-CN" sz="1800" i="1">
+                                <a:latin typeface="Cambria Math" panose="02040503050406030204" pitchFamily="18" charset="0"/>
+                              </a:rPr>
+                              <m:t>𝑟</m:t>
+                            </m:r>
+                            <m:r>
+                              <a:rPr lang="en-US" altLang="zh-CN" sz="1800" b="0" i="1" smtClean="0">
+                                <a:latin typeface="Cambria Math" panose="02040503050406030204" pitchFamily="18" charset="0"/>
+                              </a:rPr>
+                              <m:t>−1</m:t>
+                            </m:r>
+                          </m:num>
+                          <m:den>
+                            <m:r>
+                              <a:rPr lang="en-US" altLang="zh-CN" sz="1800" i="1">
+                                <a:latin typeface="Cambria Math" panose="02040503050406030204" pitchFamily="18" charset="0"/>
+                              </a:rPr>
+                              <m:t>𝑟</m:t>
+                            </m:r>
+                          </m:den>
+                        </m:f>
+                      </m:e>
+                    </m:d>
+                    <m:r>
+                      <a:rPr lang="en-US" altLang="zh-CN" sz="1800" b="0" i="1" smtClean="0">
+                        <a:latin typeface="Cambria Math" panose="02040503050406030204" pitchFamily="18" charset="0"/>
+                      </a:rPr>
+                      <m:t>=</m:t>
+                    </m:r>
+                    <m:r>
+                      <a:rPr lang="en-US" altLang="zh-CN" sz="1800" b="0" i="1" smtClean="0">
+                        <a:latin typeface="Cambria Math" panose="02040503050406030204" pitchFamily="18" charset="0"/>
+                      </a:rPr>
+                      <m:t>𝑟</m:t>
+                    </m:r>
+                  </m:oMath>
+                </a14:m>
+                <a:r>
+                  <a:rPr lang="zh-CN" altLang="en-US" sz="1800" b="0" dirty="0"/>
+                  <a:t>（与某个节点相关的</a:t>
+                </a:r>
+                <a:r>
+                  <a:rPr lang="en-US" altLang="zh-CN" sz="1800" b="0" dirty="0"/>
+                  <a:t>batch</a:t>
+                </a:r>
+                <a:r>
+                  <a:rPr lang="zh-CN" altLang="en-US" sz="1800" b="0" dirty="0"/>
+                  <a:t>），当然每个</a:t>
+                </a:r>
+                <a:r>
+                  <a:rPr lang="en-US" altLang="zh-CN" sz="1800" b="0" dirty="0"/>
+                  <a:t>batch</a:t>
+                </a:r>
+                <a:r>
+                  <a:rPr lang="zh-CN" altLang="en-US" sz="1800" b="0" dirty="0"/>
+                  <a:t>还要分成</a:t>
+                </a:r>
+                <a:r>
+                  <a:rPr lang="en-US" altLang="zh-CN" sz="1800" b="0" dirty="0"/>
+                  <a:t>r</a:t>
+                </a:r>
+                <a:r>
+                  <a:rPr lang="zh-CN" altLang="en-US" sz="1800" b="0" dirty="0"/>
+                  <a:t>份，所以</a:t>
+                </a:r>
+                <a:r>
+                  <a:rPr lang="zh-CN" altLang="en-US" sz="1800" dirty="0"/>
+                  <a:t>元素的大小</a:t>
+                </a:r>
+                <a:r>
+                  <a:rPr lang="en-US" altLang="zh-CN" sz="1800" dirty="0"/>
+                  <a:t>= </a:t>
+                </a:r>
+                <a14:m>
+                  <m:oMath xmlns:m="http://schemas.openxmlformats.org/officeDocument/2006/math">
+                    <m:f>
+                      <m:fPr>
+                        <m:ctrlPr>
+                          <a:rPr lang="en-US" altLang="zh-CN" sz="1800" b="0" i="0" smtClean="0">
+                            <a:latin typeface="Cambria Math" panose="02040503050406030204" pitchFamily="18" charset="0"/>
+                          </a:rPr>
+                        </m:ctrlPr>
+                      </m:fPr>
+                      <m:num>
+                        <m:r>
+                          <a:rPr lang="en-US" altLang="zh-CN" sz="1800" i="1">
+                            <a:latin typeface="Cambria Math" panose="02040503050406030204" pitchFamily="18" charset="0"/>
+                          </a:rPr>
+                          <m:t>𝐵𝑎𝑡𝑐h</m:t>
+                        </m:r>
+                      </m:num>
+                      <m:den>
+                        <m:r>
+                          <a:rPr lang="en-US" altLang="zh-CN" sz="1800" b="0" i="1" smtClean="0">
+                            <a:latin typeface="Cambria Math" panose="02040503050406030204" pitchFamily="18" charset="0"/>
+                          </a:rPr>
+                          <m:t>𝑟</m:t>
+                        </m:r>
+                      </m:den>
+                    </m:f>
+                  </m:oMath>
+                </a14:m>
+                <a:endParaRPr lang="en-US" altLang="zh-CN" sz="1800" b="0" dirty="0"/>
+              </a:p>
+              <a:p>
+                <a:pPr marL="0" indent="0">
+                  <a:buNone/>
+                </a:pPr>
+                <a:r>
+                  <a:rPr lang="zh-CN" altLang="en-US" sz="1800" b="0" dirty="0"/>
+                  <a:t>所以传输量为</a:t>
+                </a:r>
+                <a14:m>
+                  <m:oMath xmlns:m="http://schemas.openxmlformats.org/officeDocument/2006/math">
+                    <m:d>
+                      <m:dPr>
+                        <m:ctrlPr>
+                          <a:rPr lang="en-US" altLang="zh-CN" sz="1800" i="1">
+                            <a:latin typeface="Cambria Math" panose="02040503050406030204" pitchFamily="18" charset="0"/>
+                          </a:rPr>
+                        </m:ctrlPr>
+                      </m:dPr>
+                      <m:e>
+                        <m:f>
+                          <m:fPr>
+                            <m:type m:val="noBar"/>
+                            <m:ctrlPr>
+                              <a:rPr lang="en-US" altLang="zh-CN" sz="1800" i="1">
+                                <a:latin typeface="Cambria Math" panose="02040503050406030204" pitchFamily="18" charset="0"/>
+                              </a:rPr>
+                            </m:ctrlPr>
+                          </m:fPr>
+                          <m:num>
+                            <m:r>
+                              <a:rPr lang="en-US" altLang="zh-CN" sz="1800" i="1">
+                                <a:latin typeface="Cambria Math" panose="02040503050406030204" pitchFamily="18" charset="0"/>
+                              </a:rPr>
+                              <m:t>𝑟</m:t>
+                            </m:r>
+                            <m:r>
+                              <a:rPr lang="en-US" altLang="zh-CN" sz="1800" i="1">
+                                <a:latin typeface="Cambria Math" panose="02040503050406030204" pitchFamily="18" charset="0"/>
+                              </a:rPr>
+                              <m:t>+1</m:t>
+                            </m:r>
+                          </m:num>
+                          <m:den>
+                            <m:r>
+                              <a:rPr lang="en-US" altLang="zh-CN" sz="1800" i="1">
+                                <a:latin typeface="Cambria Math" panose="02040503050406030204" pitchFamily="18" charset="0"/>
+                              </a:rPr>
+                              <m:t>𝐾</m:t>
+                            </m:r>
+                          </m:den>
+                        </m:f>
+                      </m:e>
+                    </m:d>
+                  </m:oMath>
+                </a14:m>
+                <a:r>
+                  <a:rPr lang="en-US" altLang="zh-CN" sz="1800" dirty="0"/>
+                  <a:t> </a:t>
+                </a:r>
+                <a14:m>
+                  <m:oMath xmlns:m="http://schemas.openxmlformats.org/officeDocument/2006/math">
+                    <m:d>
+                      <m:dPr>
+                        <m:ctrlPr>
+                          <a:rPr lang="en-US" altLang="zh-CN" sz="1800" i="1" dirty="0">
+                            <a:latin typeface="Cambria Math" panose="02040503050406030204" pitchFamily="18" charset="0"/>
+                          </a:rPr>
+                        </m:ctrlPr>
+                      </m:dPr>
+                      <m:e>
+                        <m:r>
+                          <a:rPr lang="en-US" altLang="zh-CN" sz="1800" i="1">
+                            <a:latin typeface="Cambria Math" panose="02040503050406030204" pitchFamily="18" charset="0"/>
+                          </a:rPr>
+                          <m:t>𝑟</m:t>
+                        </m:r>
+                        <m:r>
+                          <a:rPr lang="en-US" altLang="zh-CN" sz="1800" i="1">
+                            <a:latin typeface="Cambria Math" panose="02040503050406030204" pitchFamily="18" charset="0"/>
+                          </a:rPr>
+                          <m:t>+1</m:t>
+                        </m:r>
+                      </m:e>
+                    </m:d>
+                    <m:f>
+                      <m:fPr>
+                        <m:ctrlPr>
+                          <a:rPr lang="en-US" altLang="zh-CN" sz="1800" i="1">
+                            <a:latin typeface="Cambria Math" panose="02040503050406030204" pitchFamily="18" charset="0"/>
+                          </a:rPr>
+                        </m:ctrlPr>
+                      </m:fPr>
+                      <m:num>
+                        <m:r>
+                          <a:rPr lang="en-US" altLang="zh-CN" sz="1800" i="1">
+                            <a:latin typeface="Cambria Math" panose="02040503050406030204" pitchFamily="18" charset="0"/>
+                          </a:rPr>
+                          <m:t>𝐵𝑎𝑡𝑐h</m:t>
+                        </m:r>
+                      </m:num>
+                      <m:den>
+                        <m:r>
+                          <a:rPr lang="en-US" altLang="zh-CN" sz="1800" i="1">
+                            <a:latin typeface="Cambria Math" panose="02040503050406030204" pitchFamily="18" charset="0"/>
+                          </a:rPr>
+                          <m:t>𝑟</m:t>
+                        </m:r>
+                      </m:den>
+                    </m:f>
+                    <m:r>
+                      <a:rPr lang="en-US" altLang="zh-CN" sz="1800" b="0" i="0" smtClean="0">
+                        <a:latin typeface="Cambria Math" panose="02040503050406030204" pitchFamily="18" charset="0"/>
+                      </a:rPr>
+                      <m:t>=</m:t>
+                    </m:r>
+                  </m:oMath>
+                </a14:m>
+                <a:r>
+                  <a:rPr lang="en-US" altLang="zh-CN" sz="1800" dirty="0"/>
+                  <a:t> </a:t>
+                </a:r>
+                <a14:m>
+                  <m:oMath xmlns:m="http://schemas.openxmlformats.org/officeDocument/2006/math">
+                    <m:d>
+                      <m:dPr>
+                        <m:ctrlPr>
+                          <a:rPr lang="en-US" altLang="zh-CN" sz="1800" i="1">
+                            <a:latin typeface="Cambria Math" panose="02040503050406030204" pitchFamily="18" charset="0"/>
+                          </a:rPr>
+                        </m:ctrlPr>
+                      </m:dPr>
+                      <m:e>
+                        <m:f>
+                          <m:fPr>
+                            <m:type m:val="noBar"/>
+                            <m:ctrlPr>
+                              <a:rPr lang="en-US" altLang="zh-CN" sz="1800" i="1">
+                                <a:latin typeface="Cambria Math" panose="02040503050406030204" pitchFamily="18" charset="0"/>
+                              </a:rPr>
+                            </m:ctrlPr>
+                          </m:fPr>
+                          <m:num>
+                            <m:r>
+                              <a:rPr lang="en-US" altLang="zh-CN" sz="1800" i="1">
+                                <a:latin typeface="Cambria Math" panose="02040503050406030204" pitchFamily="18" charset="0"/>
+                              </a:rPr>
+                              <m:t>𝑟</m:t>
+                            </m:r>
+                            <m:r>
+                              <a:rPr lang="en-US" altLang="zh-CN" sz="1800" i="1">
+                                <a:latin typeface="Cambria Math" panose="02040503050406030204" pitchFamily="18" charset="0"/>
+                              </a:rPr>
+                              <m:t>+1</m:t>
+                            </m:r>
+                          </m:num>
+                          <m:den>
+                            <m:r>
+                              <a:rPr lang="en-US" altLang="zh-CN" sz="1800" i="1">
+                                <a:latin typeface="Cambria Math" panose="02040503050406030204" pitchFamily="18" charset="0"/>
+                              </a:rPr>
+                              <m:t>𝐾</m:t>
+                            </m:r>
+                          </m:den>
+                        </m:f>
+                      </m:e>
+                    </m:d>
+                  </m:oMath>
+                </a14:m>
+                <a:r>
+                  <a:rPr lang="en-US" altLang="zh-CN" sz="1800" dirty="0"/>
+                  <a:t> </a:t>
+                </a:r>
+                <a14:m>
+                  <m:oMath xmlns:m="http://schemas.openxmlformats.org/officeDocument/2006/math">
+                    <m:d>
+                      <m:dPr>
+                        <m:ctrlPr>
+                          <a:rPr lang="en-US" altLang="zh-CN" sz="1800" i="1" dirty="0">
+                            <a:latin typeface="Cambria Math" panose="02040503050406030204" pitchFamily="18" charset="0"/>
+                          </a:rPr>
+                        </m:ctrlPr>
+                      </m:dPr>
+                      <m:e>
+                        <m:r>
+                          <a:rPr lang="en-US" altLang="zh-CN" sz="1800" i="1">
+                            <a:latin typeface="Cambria Math" panose="02040503050406030204" pitchFamily="18" charset="0"/>
+                          </a:rPr>
+                          <m:t>𝑟</m:t>
+                        </m:r>
+                        <m:r>
+                          <a:rPr lang="en-US" altLang="zh-CN" sz="1800" i="1">
+                            <a:latin typeface="Cambria Math" panose="02040503050406030204" pitchFamily="18" charset="0"/>
+                          </a:rPr>
+                          <m:t>+1</m:t>
+                        </m:r>
+                      </m:e>
+                    </m:d>
+                    <m:f>
+                      <m:fPr>
+                        <m:ctrlPr>
+                          <a:rPr lang="en-US" altLang="zh-CN" sz="1800" i="1">
+                            <a:latin typeface="Cambria Math" panose="02040503050406030204" pitchFamily="18" charset="0"/>
+                          </a:rPr>
+                        </m:ctrlPr>
+                      </m:fPr>
+                      <m:num>
+                        <m:r>
+                          <a:rPr lang="en-US" altLang="zh-CN" sz="1800" i="1">
+                            <a:latin typeface="Cambria Math" panose="02040503050406030204" pitchFamily="18" charset="0"/>
+                          </a:rPr>
+                          <m:t>𝑁</m:t>
+                        </m:r>
+                      </m:num>
+                      <m:den>
+                        <m:r>
+                          <a:rPr lang="en-US" altLang="zh-CN" sz="1800" b="0" i="1" smtClean="0">
+                            <a:latin typeface="Cambria Math" panose="02040503050406030204" pitchFamily="18" charset="0"/>
+                          </a:rPr>
+                          <m:t>𝑟</m:t>
+                        </m:r>
+                        <m:d>
+                          <m:dPr>
+                            <m:ctrlPr>
+                              <a:rPr lang="en-US" altLang="zh-CN" sz="1800" i="1">
+                                <a:latin typeface="Cambria Math" panose="02040503050406030204" pitchFamily="18" charset="0"/>
+                              </a:rPr>
+                            </m:ctrlPr>
+                          </m:dPr>
+                          <m:e>
+                            <m:f>
+                              <m:fPr>
+                                <m:type m:val="noBar"/>
+                                <m:ctrlPr>
+                                  <a:rPr lang="en-US" altLang="zh-CN" sz="1800" i="1">
+                                    <a:latin typeface="Cambria Math" panose="02040503050406030204" pitchFamily="18" charset="0"/>
+                                  </a:rPr>
+                                </m:ctrlPr>
+                              </m:fPr>
+                              <m:num>
+                                <m:r>
+                                  <a:rPr lang="en-US" altLang="zh-CN" sz="1800" i="1">
+                                    <a:latin typeface="Cambria Math" panose="02040503050406030204" pitchFamily="18" charset="0"/>
+                                  </a:rPr>
+                                  <m:t>𝑟</m:t>
+                                </m:r>
+                              </m:num>
+                              <m:den>
+                                <m:r>
+                                  <a:rPr lang="en-US" altLang="zh-CN" sz="1800" i="1">
+                                    <a:latin typeface="Cambria Math" panose="02040503050406030204" pitchFamily="18" charset="0"/>
+                                  </a:rPr>
+                                  <m:t>𝐾</m:t>
+                                </m:r>
+                              </m:den>
+                            </m:f>
+                          </m:e>
+                        </m:d>
+                      </m:den>
+                    </m:f>
+                    <m:r>
+                      <a:rPr lang="en-US" altLang="zh-CN" sz="1800" b="0" i="1" smtClean="0">
+                        <a:latin typeface="Cambria Math" panose="02040503050406030204" pitchFamily="18" charset="0"/>
+                      </a:rPr>
+                      <m:t>=</m:t>
+                    </m:r>
+                    <m:f>
+                      <m:fPr>
+                        <m:ctrlPr>
+                          <a:rPr lang="en-US" altLang="zh-CN" sz="1800" b="0" i="1" smtClean="0">
+                            <a:latin typeface="Cambria Math" panose="02040503050406030204" pitchFamily="18" charset="0"/>
+                          </a:rPr>
+                        </m:ctrlPr>
+                      </m:fPr>
+                      <m:num>
+                        <m:r>
+                          <a:rPr lang="en-US" altLang="zh-CN" sz="1800" b="0" i="1" smtClean="0">
+                            <a:latin typeface="Cambria Math" panose="02040503050406030204" pitchFamily="18" charset="0"/>
+                          </a:rPr>
+                          <m:t>𝑁</m:t>
+                        </m:r>
+                        <m:d>
+                          <m:dPr>
+                            <m:ctrlPr>
+                              <a:rPr lang="en-US" altLang="zh-CN" sz="1800" b="0" i="1" smtClean="0">
+                                <a:latin typeface="Cambria Math" panose="02040503050406030204" pitchFamily="18" charset="0"/>
+                              </a:rPr>
+                            </m:ctrlPr>
+                          </m:dPr>
+                          <m:e>
+                            <m:r>
+                              <a:rPr lang="en-US" altLang="zh-CN" sz="1800" b="0" i="1" smtClean="0">
+                                <a:latin typeface="Cambria Math" panose="02040503050406030204" pitchFamily="18" charset="0"/>
+                              </a:rPr>
+                              <m:t>𝑘</m:t>
+                            </m:r>
+                            <m:r>
+                              <a:rPr lang="en-US" altLang="zh-CN" sz="1800" b="0" i="1" smtClean="0">
+                                <a:latin typeface="Cambria Math" panose="02040503050406030204" pitchFamily="18" charset="0"/>
+                              </a:rPr>
+                              <m:t>−</m:t>
+                            </m:r>
+                            <m:r>
+                              <a:rPr lang="en-US" altLang="zh-CN" sz="1800" b="0" i="1" smtClean="0">
+                                <a:latin typeface="Cambria Math" panose="02040503050406030204" pitchFamily="18" charset="0"/>
+                              </a:rPr>
+                              <m:t>𝑟</m:t>
+                            </m:r>
+                          </m:e>
+                        </m:d>
+                      </m:num>
+                      <m:den>
+                        <m:r>
+                          <a:rPr lang="en-US" altLang="zh-CN" sz="1800" b="0" i="1" smtClean="0">
+                            <a:latin typeface="Cambria Math" panose="02040503050406030204" pitchFamily="18" charset="0"/>
+                          </a:rPr>
+                          <m:t>𝑟</m:t>
+                        </m:r>
+                      </m:den>
+                    </m:f>
+                    <m:r>
+                      <a:rPr lang="en-US" altLang="zh-CN" sz="1800" b="0" i="1" smtClean="0">
+                        <a:latin typeface="Cambria Math" panose="02040503050406030204" pitchFamily="18" charset="0"/>
+                      </a:rPr>
+                      <m:t>(</m:t>
+                    </m:r>
+                    <m:r>
+                      <a:rPr lang="en-US" altLang="zh-CN" sz="1800" b="0" i="1" smtClean="0">
+                        <a:latin typeface="Cambria Math" panose="02040503050406030204" pitchFamily="18" charset="0"/>
+                      </a:rPr>
+                      <m:t>𝑄</m:t>
+                    </m:r>
+                    <m:r>
+                      <a:rPr lang="en-US" altLang="zh-CN" sz="1800" b="0" i="1" smtClean="0">
+                        <a:latin typeface="Cambria Math" panose="02040503050406030204" pitchFamily="18" charset="0"/>
+                      </a:rPr>
+                      <m:t>=</m:t>
+                    </m:r>
+                    <m:r>
+                      <a:rPr lang="en-US" altLang="zh-CN" sz="1800" b="0" i="1" smtClean="0">
+                        <a:latin typeface="Cambria Math" panose="02040503050406030204" pitchFamily="18" charset="0"/>
+                      </a:rPr>
+                      <m:t>𝐾</m:t>
+                    </m:r>
+                    <m:r>
+                      <a:rPr lang="en-US" altLang="zh-CN" sz="1800" b="0" i="1" smtClean="0">
+                        <a:latin typeface="Cambria Math" panose="02040503050406030204" pitchFamily="18" charset="0"/>
+                      </a:rPr>
+                      <m:t>)</m:t>
+                    </m:r>
+                  </m:oMath>
+                </a14:m>
+                <a:endParaRPr lang="en-US" altLang="zh-CN" sz="1800" b="0" dirty="0"/>
+              </a:p>
+            </p:txBody>
+          </p:sp>
+        </mc:Choice>
+        <mc:Fallback>
+          <p:sp>
+            <p:nvSpPr>
+              <p:cNvPr id="3" name="内容占位符 2"/>
+              <p:cNvSpPr>
+                <a:spLocks noGrp="1" noRot="1" noChangeAspect="1" noMove="1" noResize="1" noEditPoints="1" noAdjustHandles="1" noChangeArrowheads="1" noChangeShapeType="1" noTextEdit="1"/>
+              </p:cNvSpPr>
+              <p:nvPr>
+                <p:ph idx="1"/>
+              </p:nvPr>
+            </p:nvSpPr>
+            <p:spPr>
+              <a:xfrm>
+                <a:off x="776653" y="761756"/>
+                <a:ext cx="10799461" cy="4351338"/>
+              </a:xfrm>
+              <a:blipFill>
+                <a:blip r:embed="rId2"/>
+                <a:stretch>
+                  <a:fillRect l="-339" t="-1961"/>
+                </a:stretch>
+              </a:blipFill>
+            </p:spPr>
+            <p:txBody>
+              <a:bodyPr/>
+              <a:lstStyle/>
+              <a:p>
+                <a:r>
+                  <a:rPr lang="zh-CN" altLang="en-US">
+                    <a:noFill/>
+                  </a:rPr>
+                  <a:t> </a:t>
+                </a:r>
+              </a:p>
+            </p:txBody>
+          </p:sp>
+        </mc:Fallback>
+      </mc:AlternateContent>
+    </p:spTree>
+    <p:extLst>
+      <p:ext uri="{BB962C8B-B14F-4D97-AF65-F5344CB8AC3E}">
+        <p14:creationId xmlns:p14="http://schemas.microsoft.com/office/powerpoint/2010/main" val="166669285"/>
       </p:ext>
     </p:extLst>
   </p:cSld>
@@ -13606,13 +15405,6 @@
   <p:clrMapOvr>
     <a:masterClrMapping/>
   </p:clrMapOvr>
-  <p:timing>
-    <p:tnLst>
-      <p:par>
-        <p:cTn id="1" dur="indefinite" restart="never" nodeType="tmRoot"/>
-      </p:par>
-    </p:tnLst>
-  </p:timing>
 </p:sld>
 </file>
 
@@ -15199,13 +16991,6 @@
   <p:clrMapOvr>
     <a:masterClrMapping/>
   </p:clrMapOvr>
-  <p:timing>
-    <p:tnLst>
-      <p:par>
-        <p:cTn id="1" dur="indefinite" restart="never" nodeType="tmRoot"/>
-      </p:par>
-    </p:tnLst>
-  </p:timing>
 </p:sld>
 </file>
 

--- a/EE/ppt/review.pptx
+++ b/EE/ppt/review.pptx
@@ -230,7 +230,7 @@
           <a:p>
             <a:fld id="{48CB6AEF-4D10-491F-9E5E-43649C734968}" type="datetimeFigureOut">
               <a:rPr lang="zh-CN" altLang="en-US" smtClean="0"/>
-              <a:t>2020/2/16</a:t>
+              <a:t>2020/3/23</a:t>
             </a:fld>
             <a:endParaRPr lang="zh-CN" altLang="en-US"/>
           </a:p>
@@ -686,7 +686,7 @@
           <a:p>
             <a:fld id="{256367BE-FCF9-4078-A470-30B7DC5F97E0}" type="datetimeFigureOut">
               <a:rPr lang="zh-CN" altLang="en-US" smtClean="0"/>
-              <a:t>2020/2/16</a:t>
+              <a:t>2020/3/23</a:t>
             </a:fld>
             <a:endParaRPr lang="zh-CN" altLang="en-US"/>
           </a:p>
@@ -854,7 +854,7 @@
           <a:p>
             <a:fld id="{256367BE-FCF9-4078-A470-30B7DC5F97E0}" type="datetimeFigureOut">
               <a:rPr lang="zh-CN" altLang="en-US" smtClean="0"/>
-              <a:t>2020/2/16</a:t>
+              <a:t>2020/3/23</a:t>
             </a:fld>
             <a:endParaRPr lang="zh-CN" altLang="en-US"/>
           </a:p>
@@ -1032,7 +1032,7 @@
           <a:p>
             <a:fld id="{256367BE-FCF9-4078-A470-30B7DC5F97E0}" type="datetimeFigureOut">
               <a:rPr lang="zh-CN" altLang="en-US" smtClean="0"/>
-              <a:t>2020/2/16</a:t>
+              <a:t>2020/3/23</a:t>
             </a:fld>
             <a:endParaRPr lang="zh-CN" altLang="en-US"/>
           </a:p>
@@ -1200,7 +1200,7 @@
           <a:p>
             <a:fld id="{256367BE-FCF9-4078-A470-30B7DC5F97E0}" type="datetimeFigureOut">
               <a:rPr lang="zh-CN" altLang="en-US" smtClean="0"/>
-              <a:t>2020/2/16</a:t>
+              <a:t>2020/3/23</a:t>
             </a:fld>
             <a:endParaRPr lang="zh-CN" altLang="en-US"/>
           </a:p>
@@ -1445,7 +1445,7 @@
           <a:p>
             <a:fld id="{256367BE-FCF9-4078-A470-30B7DC5F97E0}" type="datetimeFigureOut">
               <a:rPr lang="zh-CN" altLang="en-US" smtClean="0"/>
-              <a:t>2020/2/16</a:t>
+              <a:t>2020/3/23</a:t>
             </a:fld>
             <a:endParaRPr lang="zh-CN" altLang="en-US"/>
           </a:p>
@@ -1674,7 +1674,7 @@
           <a:p>
             <a:fld id="{256367BE-FCF9-4078-A470-30B7DC5F97E0}" type="datetimeFigureOut">
               <a:rPr lang="zh-CN" altLang="en-US" smtClean="0"/>
-              <a:t>2020/2/16</a:t>
+              <a:t>2020/3/23</a:t>
             </a:fld>
             <a:endParaRPr lang="zh-CN" altLang="en-US"/>
           </a:p>
@@ -2038,7 +2038,7 @@
           <a:p>
             <a:fld id="{256367BE-FCF9-4078-A470-30B7DC5F97E0}" type="datetimeFigureOut">
               <a:rPr lang="zh-CN" altLang="en-US" smtClean="0"/>
-              <a:t>2020/2/16</a:t>
+              <a:t>2020/3/23</a:t>
             </a:fld>
             <a:endParaRPr lang="zh-CN" altLang="en-US"/>
           </a:p>
@@ -2155,7 +2155,7 @@
           <a:p>
             <a:fld id="{256367BE-FCF9-4078-A470-30B7DC5F97E0}" type="datetimeFigureOut">
               <a:rPr lang="zh-CN" altLang="en-US" smtClean="0"/>
-              <a:t>2020/2/16</a:t>
+              <a:t>2020/3/23</a:t>
             </a:fld>
             <a:endParaRPr lang="zh-CN" altLang="en-US"/>
           </a:p>
@@ -2250,7 +2250,7 @@
           <a:p>
             <a:fld id="{256367BE-FCF9-4078-A470-30B7DC5F97E0}" type="datetimeFigureOut">
               <a:rPr lang="zh-CN" altLang="en-US" smtClean="0"/>
-              <a:t>2020/2/16</a:t>
+              <a:t>2020/3/23</a:t>
             </a:fld>
             <a:endParaRPr lang="zh-CN" altLang="en-US"/>
           </a:p>
@@ -2525,7 +2525,7 @@
           <a:p>
             <a:fld id="{256367BE-FCF9-4078-A470-30B7DC5F97E0}" type="datetimeFigureOut">
               <a:rPr lang="zh-CN" altLang="en-US" smtClean="0"/>
-              <a:t>2020/2/16</a:t>
+              <a:t>2020/3/23</a:t>
             </a:fld>
             <a:endParaRPr lang="zh-CN" altLang="en-US"/>
           </a:p>
@@ -2777,7 +2777,7 @@
           <a:p>
             <a:fld id="{256367BE-FCF9-4078-A470-30B7DC5F97E0}" type="datetimeFigureOut">
               <a:rPr lang="zh-CN" altLang="en-US" smtClean="0"/>
-              <a:t>2020/2/16</a:t>
+              <a:t>2020/3/23</a:t>
             </a:fld>
             <a:endParaRPr lang="zh-CN" altLang="en-US"/>
           </a:p>
@@ -2988,7 +2988,7 @@
           <a:p>
             <a:fld id="{256367BE-FCF9-4078-A470-30B7DC5F97E0}" type="datetimeFigureOut">
               <a:rPr lang="zh-CN" altLang="en-US" smtClean="0"/>
-              <a:t>2020/2/16</a:t>
+              <a:t>2020/3/23</a:t>
             </a:fld>
             <a:endParaRPr lang="zh-CN" altLang="en-US"/>
           </a:p>
@@ -8106,7 +8106,7 @@
             </p:spPr>
             <p:txBody>
               <a:bodyPr>
-                <a:normAutofit fontScale="92500" lnSpcReduction="10000"/>
+                <a:normAutofit fontScale="92500" lnSpcReduction="20000"/>
               </a:bodyPr>
               <a:lstStyle/>
               <a:p>
@@ -8772,6 +8772,418 @@
                   <a:buNone/>
                 </a:pPr>
                 <a:r>
+                  <a:rPr lang="zh-CN" altLang="en-US" sz="1800" b="0" dirty="0">
+                    <a:solidFill>
+                      <a:srgbClr val="FF0000"/>
+                    </a:solidFill>
+                  </a:rPr>
+                  <a:t>每个节点要发的数据</a:t>
+                </a:r>
+                <a14:m>
+                  <m:oMath xmlns:m="http://schemas.openxmlformats.org/officeDocument/2006/math">
+                    <m:d>
+                      <m:dPr>
+                        <m:ctrlPr>
+                          <a:rPr lang="en-US" altLang="zh-CN" sz="1800" i="1" smtClean="0">
+                            <a:solidFill>
+                              <a:srgbClr val="FF0000"/>
+                            </a:solidFill>
+                            <a:latin typeface="Cambria Math" panose="02040503050406030204" pitchFamily="18" charset="0"/>
+                          </a:rPr>
+                        </m:ctrlPr>
+                      </m:dPr>
+                      <m:e>
+                        <m:f>
+                          <m:fPr>
+                            <m:type m:val="noBar"/>
+                            <m:ctrlPr>
+                              <a:rPr lang="en-US" altLang="zh-CN" sz="1800" i="1">
+                                <a:solidFill>
+                                  <a:srgbClr val="FF0000"/>
+                                </a:solidFill>
+                                <a:latin typeface="Cambria Math" panose="02040503050406030204" pitchFamily="18" charset="0"/>
+                              </a:rPr>
+                            </m:ctrlPr>
+                          </m:fPr>
+                          <m:num>
+                            <m:r>
+                              <a:rPr lang="en-US" altLang="zh-CN" sz="1800" i="1">
+                                <a:solidFill>
+                                  <a:srgbClr val="FF0000"/>
+                                </a:solidFill>
+                                <a:latin typeface="Cambria Math" panose="02040503050406030204" pitchFamily="18" charset="0"/>
+                              </a:rPr>
+                              <m:t>𝑟</m:t>
+                            </m:r>
+                          </m:num>
+                          <m:den>
+                            <m:r>
+                              <a:rPr lang="en-US" altLang="zh-CN" sz="1800" i="1">
+                                <a:solidFill>
+                                  <a:srgbClr val="FF0000"/>
+                                </a:solidFill>
+                                <a:latin typeface="Cambria Math" panose="02040503050406030204" pitchFamily="18" charset="0"/>
+                              </a:rPr>
+                              <m:t>𝐾</m:t>
+                            </m:r>
+                            <m:r>
+                              <a:rPr lang="en-US" altLang="zh-CN" sz="1800" i="1">
+                                <a:solidFill>
+                                  <a:srgbClr val="FF0000"/>
+                                </a:solidFill>
+                                <a:latin typeface="Cambria Math" panose="02040503050406030204" pitchFamily="18" charset="0"/>
+                              </a:rPr>
+                              <m:t>−1</m:t>
+                            </m:r>
+                          </m:den>
+                        </m:f>
+                      </m:e>
+                    </m:d>
+                  </m:oMath>
+                </a14:m>
+                <a:r>
+                  <a:rPr lang="en-US" altLang="zh-CN" sz="1800" dirty="0">
+                    <a:solidFill>
+                      <a:srgbClr val="FF0000"/>
+                    </a:solidFill>
+                  </a:rPr>
+                  <a:t> </a:t>
+                </a:r>
+                <a14:m>
+                  <m:oMath xmlns:m="http://schemas.openxmlformats.org/officeDocument/2006/math">
+                    <m:f>
+                      <m:fPr>
+                        <m:ctrlPr>
+                          <a:rPr lang="en-US" altLang="zh-CN" sz="1800" b="0" i="1" smtClean="0">
+                            <a:solidFill>
+                              <a:srgbClr val="FF0000"/>
+                            </a:solidFill>
+                            <a:latin typeface="Cambria Math" panose="02040503050406030204" pitchFamily="18" charset="0"/>
+                          </a:rPr>
+                        </m:ctrlPr>
+                      </m:fPr>
+                      <m:num>
+                        <m:r>
+                          <a:rPr lang="en-US" altLang="zh-CN" sz="1800" i="1">
+                            <a:solidFill>
+                              <a:srgbClr val="FF0000"/>
+                            </a:solidFill>
+                            <a:latin typeface="Cambria Math" panose="02040503050406030204" pitchFamily="18" charset="0"/>
+                          </a:rPr>
+                          <m:t>𝐵𝑎𝑡𝑐h</m:t>
+                        </m:r>
+                      </m:num>
+                      <m:den>
+                        <m:r>
+                          <a:rPr lang="en-US" altLang="zh-CN" sz="1800" b="0" i="1" smtClean="0">
+                            <a:solidFill>
+                              <a:srgbClr val="FF0000"/>
+                            </a:solidFill>
+                            <a:latin typeface="Cambria Math" panose="02040503050406030204" pitchFamily="18" charset="0"/>
+                          </a:rPr>
+                          <m:t>𝑟</m:t>
+                        </m:r>
+                      </m:den>
+                    </m:f>
+                  </m:oMath>
+                </a14:m>
+                <a:r>
+                  <a:rPr lang="zh-CN" altLang="en-US" sz="1800" b="0" dirty="0">
+                    <a:solidFill>
+                      <a:srgbClr val="FF0000"/>
+                    </a:solidFill>
+                  </a:rPr>
+                  <a:t>。可以验证</a:t>
+                </a:r>
+                <a14:m>
+                  <m:oMath xmlns:m="http://schemas.openxmlformats.org/officeDocument/2006/math">
+                    <m:r>
+                      <a:rPr lang="en-US" altLang="zh-CN" sz="1800" b="0" i="1" smtClean="0">
+                        <a:solidFill>
+                          <a:srgbClr val="FF0000"/>
+                        </a:solidFill>
+                        <a:latin typeface="Cambria Math" panose="02040503050406030204" pitchFamily="18" charset="0"/>
+                      </a:rPr>
+                      <m:t>𝐾</m:t>
+                    </m:r>
+                    <m:d>
+                      <m:dPr>
+                        <m:ctrlPr>
+                          <a:rPr lang="en-US" altLang="zh-CN" sz="1800" i="1">
+                            <a:solidFill>
+                              <a:srgbClr val="FF0000"/>
+                            </a:solidFill>
+                            <a:latin typeface="Cambria Math" panose="02040503050406030204" pitchFamily="18" charset="0"/>
+                          </a:rPr>
+                        </m:ctrlPr>
+                      </m:dPr>
+                      <m:e>
+                        <m:f>
+                          <m:fPr>
+                            <m:type m:val="noBar"/>
+                            <m:ctrlPr>
+                              <a:rPr lang="en-US" altLang="zh-CN" sz="1800" i="1">
+                                <a:solidFill>
+                                  <a:srgbClr val="FF0000"/>
+                                </a:solidFill>
+                                <a:latin typeface="Cambria Math" panose="02040503050406030204" pitchFamily="18" charset="0"/>
+                              </a:rPr>
+                            </m:ctrlPr>
+                          </m:fPr>
+                          <m:num>
+                            <m:r>
+                              <a:rPr lang="en-US" altLang="zh-CN" sz="1800" i="1">
+                                <a:solidFill>
+                                  <a:srgbClr val="FF0000"/>
+                                </a:solidFill>
+                                <a:latin typeface="Cambria Math" panose="02040503050406030204" pitchFamily="18" charset="0"/>
+                              </a:rPr>
+                              <m:t>𝑟</m:t>
+                            </m:r>
+                          </m:num>
+                          <m:den>
+                            <m:r>
+                              <a:rPr lang="en-US" altLang="zh-CN" sz="1800" i="1">
+                                <a:solidFill>
+                                  <a:srgbClr val="FF0000"/>
+                                </a:solidFill>
+                                <a:latin typeface="Cambria Math" panose="02040503050406030204" pitchFamily="18" charset="0"/>
+                              </a:rPr>
+                              <m:t>𝐾</m:t>
+                            </m:r>
+                            <m:r>
+                              <a:rPr lang="en-US" altLang="zh-CN" sz="1800" i="1">
+                                <a:solidFill>
+                                  <a:srgbClr val="FF0000"/>
+                                </a:solidFill>
+                                <a:latin typeface="Cambria Math" panose="02040503050406030204" pitchFamily="18" charset="0"/>
+                              </a:rPr>
+                              <m:t>−1</m:t>
+                            </m:r>
+                          </m:den>
+                        </m:f>
+                      </m:e>
+                    </m:d>
+                  </m:oMath>
+                </a14:m>
+                <a:r>
+                  <a:rPr lang="en-US" altLang="zh-CN" sz="1800" dirty="0">
+                    <a:solidFill>
+                      <a:srgbClr val="FF0000"/>
+                    </a:solidFill>
+                  </a:rPr>
+                  <a:t> </a:t>
+                </a:r>
+                <a14:m>
+                  <m:oMath xmlns:m="http://schemas.openxmlformats.org/officeDocument/2006/math">
+                    <m:f>
+                      <m:fPr>
+                        <m:ctrlPr>
+                          <a:rPr lang="en-US" altLang="zh-CN" sz="1800" i="1">
+                            <a:solidFill>
+                              <a:srgbClr val="FF0000"/>
+                            </a:solidFill>
+                            <a:latin typeface="Cambria Math" panose="02040503050406030204" pitchFamily="18" charset="0"/>
+                          </a:rPr>
+                        </m:ctrlPr>
+                      </m:fPr>
+                      <m:num>
+                        <m:r>
+                          <a:rPr lang="en-US" altLang="zh-CN" sz="1800" i="1">
+                            <a:solidFill>
+                              <a:srgbClr val="FF0000"/>
+                            </a:solidFill>
+                            <a:latin typeface="Cambria Math" panose="02040503050406030204" pitchFamily="18" charset="0"/>
+                          </a:rPr>
+                          <m:t>𝐵𝑎𝑡𝑐h</m:t>
+                        </m:r>
+                      </m:num>
+                      <m:den>
+                        <m:r>
+                          <a:rPr lang="en-US" altLang="zh-CN" sz="1800" i="1">
+                            <a:solidFill>
+                              <a:srgbClr val="FF0000"/>
+                            </a:solidFill>
+                            <a:latin typeface="Cambria Math" panose="02040503050406030204" pitchFamily="18" charset="0"/>
+                          </a:rPr>
+                          <m:t>𝑟</m:t>
+                        </m:r>
+                      </m:den>
+                    </m:f>
+                    <m:r>
+                      <a:rPr lang="en-US" altLang="zh-CN" sz="1800" i="1" smtClean="0">
+                        <a:solidFill>
+                          <a:srgbClr val="FF0000"/>
+                        </a:solidFill>
+                        <a:latin typeface="Cambria Math" panose="02040503050406030204" pitchFamily="18" charset="0"/>
+                      </a:rPr>
+                      <m:t>=</m:t>
+                    </m:r>
+                  </m:oMath>
+                </a14:m>
+                <a:r>
+                  <a:rPr lang="en-US" altLang="zh-CN" sz="1800" dirty="0">
+                    <a:solidFill>
+                      <a:srgbClr val="FF0000"/>
+                    </a:solidFill>
+                  </a:rPr>
+                  <a:t> </a:t>
+                </a:r>
+                <a14:m>
+                  <m:oMath xmlns:m="http://schemas.openxmlformats.org/officeDocument/2006/math">
+                    <m:d>
+                      <m:dPr>
+                        <m:ctrlPr>
+                          <a:rPr lang="en-US" altLang="zh-CN" sz="1800" i="1">
+                            <a:solidFill>
+                              <a:srgbClr val="FF0000"/>
+                            </a:solidFill>
+                            <a:latin typeface="Cambria Math" panose="02040503050406030204" pitchFamily="18" charset="0"/>
+                          </a:rPr>
+                        </m:ctrlPr>
+                      </m:dPr>
+                      <m:e>
+                        <m:f>
+                          <m:fPr>
+                            <m:type m:val="noBar"/>
+                            <m:ctrlPr>
+                              <a:rPr lang="en-US" altLang="zh-CN" sz="1800" i="1">
+                                <a:solidFill>
+                                  <a:srgbClr val="FF0000"/>
+                                </a:solidFill>
+                                <a:latin typeface="Cambria Math" panose="02040503050406030204" pitchFamily="18" charset="0"/>
+                              </a:rPr>
+                            </m:ctrlPr>
+                          </m:fPr>
+                          <m:num>
+                            <m:r>
+                              <a:rPr lang="en-US" altLang="zh-CN" sz="1800" i="1">
+                                <a:solidFill>
+                                  <a:srgbClr val="FF0000"/>
+                                </a:solidFill>
+                                <a:latin typeface="Cambria Math" panose="02040503050406030204" pitchFamily="18" charset="0"/>
+                              </a:rPr>
+                              <m:t>𝑟</m:t>
+                            </m:r>
+                            <m:r>
+                              <a:rPr lang="en-US" altLang="zh-CN" sz="1800" i="1">
+                                <a:solidFill>
+                                  <a:srgbClr val="FF0000"/>
+                                </a:solidFill>
+                                <a:latin typeface="Cambria Math" panose="02040503050406030204" pitchFamily="18" charset="0"/>
+                              </a:rPr>
+                              <m:t>+</m:t>
+                            </m:r>
+                            <m:r>
+                              <a:rPr lang="en-US" altLang="zh-CN" sz="1800" i="1">
+                                <a:solidFill>
+                                  <a:srgbClr val="FF0000"/>
+                                </a:solidFill>
+                                <a:latin typeface="Cambria Math" panose="02040503050406030204" pitchFamily="18" charset="0"/>
+                              </a:rPr>
+                              <m:t>1</m:t>
+                            </m:r>
+                          </m:num>
+                          <m:den>
+                            <m:r>
+                              <a:rPr lang="en-US" altLang="zh-CN" sz="1800" i="1">
+                                <a:solidFill>
+                                  <a:srgbClr val="FF0000"/>
+                                </a:solidFill>
+                                <a:latin typeface="Cambria Math" panose="02040503050406030204" pitchFamily="18" charset="0"/>
+                              </a:rPr>
+                              <m:t>𝐾</m:t>
+                            </m:r>
+                          </m:den>
+                        </m:f>
+                      </m:e>
+                    </m:d>
+                    <m:r>
+                      <a:rPr lang="en-US" altLang="zh-CN" sz="1800" b="0" i="1" smtClean="0">
+                        <a:solidFill>
+                          <a:srgbClr val="FF0000"/>
+                        </a:solidFill>
+                        <a:latin typeface="Cambria Math" panose="02040503050406030204" pitchFamily="18" charset="0"/>
+                      </a:rPr>
+                      <m:t>(</m:t>
+                    </m:r>
+                    <m:r>
+                      <a:rPr lang="en-US" altLang="zh-CN" sz="1800" b="0" i="1" smtClean="0">
+                        <a:solidFill>
+                          <a:srgbClr val="FF0000"/>
+                        </a:solidFill>
+                        <a:latin typeface="Cambria Math" panose="02040503050406030204" pitchFamily="18" charset="0"/>
+                      </a:rPr>
+                      <m:t>𝑟</m:t>
+                    </m:r>
+                    <m:r>
+                      <a:rPr lang="en-US" altLang="zh-CN" sz="1800" b="0" i="1" smtClean="0">
+                        <a:solidFill>
+                          <a:srgbClr val="FF0000"/>
+                        </a:solidFill>
+                        <a:latin typeface="Cambria Math" panose="02040503050406030204" pitchFamily="18" charset="0"/>
+                      </a:rPr>
+                      <m:t>+1)</m:t>
+                    </m:r>
+                  </m:oMath>
+                </a14:m>
+                <a:r>
+                  <a:rPr lang="en-US" altLang="zh-CN" sz="1800" dirty="0">
+                    <a:solidFill>
+                      <a:srgbClr val="FF0000"/>
+                    </a:solidFill>
+                  </a:rPr>
+                  <a:t> </a:t>
+                </a:r>
+                <a14:m>
+                  <m:oMath xmlns:m="http://schemas.openxmlformats.org/officeDocument/2006/math">
+                    <m:f>
+                      <m:fPr>
+                        <m:ctrlPr>
+                          <a:rPr lang="en-US" altLang="zh-CN" sz="1800" i="1">
+                            <a:solidFill>
+                              <a:srgbClr val="FF0000"/>
+                            </a:solidFill>
+                            <a:latin typeface="Cambria Math" panose="02040503050406030204" pitchFamily="18" charset="0"/>
+                          </a:rPr>
+                        </m:ctrlPr>
+                      </m:fPr>
+                      <m:num>
+                        <m:r>
+                          <a:rPr lang="en-US" altLang="zh-CN" sz="1800" i="1">
+                            <a:solidFill>
+                              <a:srgbClr val="FF0000"/>
+                            </a:solidFill>
+                            <a:latin typeface="Cambria Math" panose="02040503050406030204" pitchFamily="18" charset="0"/>
+                          </a:rPr>
+                          <m:t>𝐵𝑎𝑡𝑐h</m:t>
+                        </m:r>
+                      </m:num>
+                      <m:den>
+                        <m:r>
+                          <a:rPr lang="en-US" altLang="zh-CN" sz="1800" i="1">
+                            <a:solidFill>
+                              <a:srgbClr val="FF0000"/>
+                            </a:solidFill>
+                            <a:latin typeface="Cambria Math" panose="02040503050406030204" pitchFamily="18" charset="0"/>
+                          </a:rPr>
+                          <m:t>𝑟</m:t>
+                        </m:r>
+                      </m:den>
+                    </m:f>
+                  </m:oMath>
+                </a14:m>
+                <a:endParaRPr lang="en-US" altLang="zh-CN" sz="1800" b="0" dirty="0">
+                  <a:solidFill>
+                    <a:srgbClr val="FF0000"/>
+                  </a:solidFill>
+                </a:endParaRPr>
+              </a:p>
+              <a:p>
+                <a:pPr marL="0" indent="0">
+                  <a:buNone/>
+                </a:pPr>
+                <a:r>
                   <a:rPr lang="zh-CN" altLang="en-US" sz="1800" b="0" dirty="0"/>
                   <a:t>完整性：</a:t>
                 </a:r>
@@ -9265,7 +9677,7 @@
                     <m:f>
                       <m:fPr>
                         <m:ctrlPr>
-                          <a:rPr lang="en-US" altLang="zh-CN" sz="1800" b="0" i="0" smtClean="0">
+                          <a:rPr lang="en-US" altLang="zh-CN" sz="1800" b="0" i="1" smtClean="0">
                             <a:latin typeface="Cambria Math" panose="02040503050406030204" pitchFamily="18" charset="0"/>
                           </a:rPr>
                         </m:ctrlPr>
@@ -9666,7 +10078,7 @@
               <a:blipFill>
                 <a:blip r:embed="rId2"/>
                 <a:stretch>
-                  <a:fillRect l="-339" t="-1961"/>
+                  <a:fillRect l="-339" t="-2521"/>
                 </a:stretch>
               </a:blipFill>
             </p:spPr>
